--- a/docs/OTAService.pptx
+++ b/docs/OTAService.pptx
@@ -5,10 +5,10 @@
     <p:sldMasterId id="2147483660" r:id="rId1"/>
   </p:sldMasterIdLst>
   <p:notesMasterIdLst>
-    <p:notesMasterId r:id="rId12"/>
+    <p:notesMasterId r:id="rId13"/>
   </p:notesMasterIdLst>
   <p:handoutMasterIdLst>
-    <p:handoutMasterId r:id="rId13"/>
+    <p:handoutMasterId r:id="rId14"/>
   </p:handoutMasterIdLst>
   <p:sldIdLst>
     <p:sldId id="340" r:id="rId2"/>
@@ -16,11 +16,12 @@
     <p:sldId id="344" r:id="rId4"/>
     <p:sldId id="336" r:id="rId5"/>
     <p:sldId id="347" r:id="rId6"/>
-    <p:sldId id="349" r:id="rId7"/>
-    <p:sldId id="310" r:id="rId8"/>
-    <p:sldId id="348" r:id="rId9"/>
-    <p:sldId id="265" r:id="rId10"/>
-    <p:sldId id="339" r:id="rId11"/>
+    <p:sldId id="351" r:id="rId7"/>
+    <p:sldId id="350" r:id="rId8"/>
+    <p:sldId id="310" r:id="rId9"/>
+    <p:sldId id="348" r:id="rId10"/>
+    <p:sldId id="265" r:id="rId11"/>
+    <p:sldId id="339" r:id="rId12"/>
   </p:sldIdLst>
   <p:sldSz cx="12195175" cy="6859588"/>
   <p:notesSz cx="6858000" cy="9144000"/>
@@ -549,6 +550,93 @@
           </a:bodyPr>
           <a:lstStyle/>
           <a:p>
+            <a:endParaRPr lang="en-US" dirty="0"/>
+          </a:p>
+        </p:txBody>
+      </p:sp>
+    </p:spTree>
+  </p:cSld>
+  <p:clrMapOvr>
+    <a:masterClrMapping/>
+  </p:clrMapOvr>
+</p:notes>
+</file>
+
+<file path=ppt/notesSlides/notesSlide10.xml><?xml version="1.0" encoding="utf-8"?>
+<p:notes xmlns:a="http://schemas.openxmlformats.org/drawingml/2006/main" xmlns:r="http://schemas.openxmlformats.org/officeDocument/2006/relationships" xmlns:p="http://schemas.openxmlformats.org/presentationml/2006/main">
+  <p:cSld>
+    <p:spTree>
+      <p:nvGrpSpPr>
+        <p:cNvPr id="1" name=""/>
+        <p:cNvGrpSpPr/>
+        <p:nvPr/>
+      </p:nvGrpSpPr>
+      <p:grpSpPr>
+        <a:xfrm>
+          <a:off x="0" y="0"/>
+          <a:ext cx="0" cy="0"/>
+          <a:chOff x="0" y="0"/>
+          <a:chExt cx="0" cy="0"/>
+        </a:xfrm>
+      </p:grpSpPr>
+      <p:sp>
+        <p:nvSpPr>
+          <p:cNvPr id="4" name="Slide Number Placeholder 3"/>
+          <p:cNvSpPr>
+            <a:spLocks noGrp="1"/>
+          </p:cNvSpPr>
+          <p:nvPr>
+            <p:ph type="sldNum" sz="quarter" idx="10"/>
+          </p:nvPr>
+        </p:nvSpPr>
+        <p:spPr/>
+        <p:txBody>
+          <a:bodyPr/>
+          <a:lstStyle/>
+          <a:p>
+            <a:fld id="{7D8C2C35-2B8A-446E-BEC0-FD36716C29AC}" type="slidenum">
+              <a:rPr lang="de-DE" smtClean="0"/>
+              <a:pPr/>
+              <a:t>11</a:t>
+            </a:fld>
+            <a:endParaRPr lang="de-DE" dirty="0"/>
+          </a:p>
+        </p:txBody>
+      </p:sp>
+      <p:sp>
+        <p:nvSpPr>
+          <p:cNvPr id="6" name="Slide Image Placeholder 5"/>
+          <p:cNvSpPr>
+            <a:spLocks noGrp="1" noRot="1" noChangeAspect="1"/>
+          </p:cNvSpPr>
+          <p:nvPr>
+            <p:ph type="sldImg"/>
+          </p:nvPr>
+        </p:nvSpPr>
+        <p:spPr>
+          <a:xfrm>
+            <a:off x="547688" y="612775"/>
+            <a:ext cx="5762625" cy="3241675"/>
+          </a:xfrm>
+        </p:spPr>
+      </p:sp>
+      <p:sp>
+        <p:nvSpPr>
+          <p:cNvPr id="7" name="Notes Placeholder 6"/>
+          <p:cNvSpPr>
+            <a:spLocks noGrp="1"/>
+          </p:cNvSpPr>
+          <p:nvPr>
+            <p:ph type="body" idx="1"/>
+          </p:nvPr>
+        </p:nvSpPr>
+        <p:spPr/>
+        <p:txBody>
+          <a:bodyPr>
+            <a:normAutofit/>
+          </a:bodyPr>
+          <a:lstStyle/>
+          <a:p>
             <a:endParaRPr lang="en-US"/>
           </a:p>
         </p:txBody>
@@ -636,7 +724,7 @@
           </a:bodyPr>
           <a:lstStyle/>
           <a:p>
-            <a:endParaRPr lang="en-US"/>
+            <a:endParaRPr lang="en-US" dirty="0"/>
           </a:p>
         </p:txBody>
       </p:sp>
@@ -723,7 +811,7 @@
           </a:bodyPr>
           <a:lstStyle/>
           <a:p>
-            <a:endParaRPr lang="en-US"/>
+            <a:endParaRPr lang="en-US" dirty="0"/>
           </a:p>
         </p:txBody>
       </p:sp>
@@ -810,7 +898,7 @@
           </a:bodyPr>
           <a:lstStyle/>
           <a:p>
-            <a:endParaRPr lang="en-US"/>
+            <a:endParaRPr lang="en-US" dirty="0"/>
           </a:p>
         </p:txBody>
       </p:sp>
@@ -2969,7 +3057,6 @@
               <a:rPr lang="de-DE" baseline="0" dirty="0" smtClean="0"/>
               <a:t>.</a:t>
             </a:r>
-            <a:endParaRPr lang="de-DE" baseline="0" dirty="0" smtClean="0"/>
           </a:p>
         </p:txBody>
       </p:sp>
@@ -3029,31 +3116,7 @@
       </p:grpSpPr>
       <p:sp>
         <p:nvSpPr>
-          <p:cNvPr id="4" name="Slide Number Placeholder 3"/>
-          <p:cNvSpPr>
-            <a:spLocks noGrp="1"/>
-          </p:cNvSpPr>
-          <p:nvPr>
-            <p:ph type="sldNum" sz="quarter" idx="10"/>
-          </p:nvPr>
-        </p:nvSpPr>
-        <p:spPr/>
-        <p:txBody>
-          <a:bodyPr/>
-          <a:lstStyle/>
-          <a:p>
-            <a:fld id="{7D8C2C35-2B8A-446E-BEC0-FD36716C29AC}" type="slidenum">
-              <a:rPr lang="de-DE" smtClean="0"/>
-              <a:pPr/>
-              <a:t>7</a:t>
-            </a:fld>
-            <a:endParaRPr lang="de-DE" dirty="0"/>
-          </a:p>
-        </p:txBody>
-      </p:sp>
-      <p:sp>
-        <p:nvSpPr>
-          <p:cNvPr id="6" name="Slide Image Placeholder 5"/>
+          <p:cNvPr id="2" name="Slide Image Placeholder 1"/>
           <p:cNvSpPr>
             <a:spLocks noGrp="1" noRot="1" noChangeAspect="1"/>
           </p:cNvSpPr>
@@ -3070,7 +3133,7 @@
       </p:sp>
       <p:sp>
         <p:nvSpPr>
-          <p:cNvPr id="7" name="Notes Placeholder 6"/>
+          <p:cNvPr id="3" name="Notes Placeholder 2"/>
           <p:cNvSpPr>
             <a:spLocks noGrp="1"/>
           </p:cNvSpPr>
@@ -3081,15 +3144,1212 @@
         <p:spPr/>
         <p:txBody>
           <a:bodyPr>
-            <a:normAutofit/>
+            <a:normAutofit lnSpcReduction="10000"/>
           </a:bodyPr>
           <a:lstStyle/>
           <a:p>
-            <a:endParaRPr lang="en-US" dirty="0"/>
+            <a:r>
+              <a:rPr lang="de-DE" dirty="0" err="1" smtClean="0"/>
+              <a:t>To</a:t>
+            </a:r>
+            <a:r>
+              <a:rPr lang="de-DE" dirty="0" smtClean="0"/>
+              <a:t> </a:t>
+            </a:r>
+            <a:r>
+              <a:rPr lang="de-DE" dirty="0" err="1" smtClean="0"/>
+              <a:t>enable</a:t>
+            </a:r>
+            <a:r>
+              <a:rPr lang="de-DE" dirty="0" smtClean="0"/>
+              <a:t> </a:t>
+            </a:r>
+            <a:r>
+              <a:rPr lang="de-DE" dirty="0" err="1" smtClean="0"/>
+              <a:t>location</a:t>
+            </a:r>
+            <a:r>
+              <a:rPr lang="de-DE" dirty="0" smtClean="0"/>
+              <a:t> </a:t>
+            </a:r>
+            <a:r>
+              <a:rPr lang="de-DE" dirty="0" err="1" smtClean="0"/>
+              <a:t>independent</a:t>
+            </a:r>
+            <a:r>
+              <a:rPr lang="de-DE" dirty="0" smtClean="0"/>
+              <a:t> OTA</a:t>
+            </a:r>
+            <a:r>
+              <a:rPr lang="de-DE" baseline="0" dirty="0" smtClean="0"/>
+              <a:t> </a:t>
+            </a:r>
+            <a:r>
+              <a:rPr lang="de-DE" baseline="0" dirty="0" err="1" smtClean="0"/>
+              <a:t>deployment</a:t>
+            </a:r>
+            <a:r>
+              <a:rPr lang="de-DE" baseline="0" dirty="0" smtClean="0"/>
+              <a:t> </a:t>
+            </a:r>
+            <a:r>
+              <a:rPr lang="de-DE" baseline="0" dirty="0" err="1" smtClean="0"/>
+              <a:t>we</a:t>
+            </a:r>
+            <a:r>
+              <a:rPr lang="de-DE" baseline="0" dirty="0" smtClean="0"/>
+              <a:t> </a:t>
+            </a:r>
+            <a:r>
+              <a:rPr lang="de-DE" baseline="0" dirty="0" err="1" smtClean="0"/>
+              <a:t>provide</a:t>
+            </a:r>
+            <a:r>
+              <a:rPr lang="de-DE" baseline="0" dirty="0" smtClean="0"/>
+              <a:t> </a:t>
+            </a:r>
+            <a:r>
+              <a:rPr lang="de-DE" baseline="0" dirty="0" err="1" smtClean="0"/>
+              <a:t>the</a:t>
+            </a:r>
+            <a:r>
+              <a:rPr lang="de-DE" baseline="0" dirty="0" smtClean="0"/>
+              <a:t> OTA Service.</a:t>
+            </a:r>
+          </a:p>
+          <a:p>
+            <a:r>
+              <a:rPr lang="de-DE" baseline="0" dirty="0" smtClean="0"/>
+              <a:t>The </a:t>
+            </a:r>
+            <a:r>
+              <a:rPr lang="de-DE" baseline="0" dirty="0" err="1" smtClean="0"/>
+              <a:t>only</a:t>
+            </a:r>
+            <a:r>
+              <a:rPr lang="de-DE" baseline="0" dirty="0" smtClean="0"/>
+              <a:t> </a:t>
+            </a:r>
+            <a:r>
+              <a:rPr lang="de-DE" baseline="0" dirty="0" err="1" smtClean="0"/>
+              <a:t>two</a:t>
+            </a:r>
+            <a:r>
+              <a:rPr lang="de-DE" baseline="0" dirty="0" smtClean="0"/>
+              <a:t> </a:t>
+            </a:r>
+            <a:r>
+              <a:rPr lang="de-DE" baseline="0" dirty="0" err="1" smtClean="0"/>
+              <a:t>files</a:t>
+            </a:r>
+            <a:r>
+              <a:rPr lang="de-DE" baseline="0" dirty="0" smtClean="0"/>
+              <a:t> </a:t>
+            </a:r>
+            <a:r>
+              <a:rPr lang="de-DE" baseline="0" dirty="0" err="1" smtClean="0"/>
+              <a:t>generated</a:t>
+            </a:r>
+            <a:r>
+              <a:rPr lang="de-DE" baseline="0" dirty="0" smtClean="0"/>
+              <a:t> </a:t>
+            </a:r>
+            <a:r>
+              <a:rPr lang="de-DE" baseline="0" dirty="0" err="1" smtClean="0"/>
+              <a:t>during</a:t>
+            </a:r>
+            <a:r>
+              <a:rPr lang="de-DE" baseline="0" dirty="0" smtClean="0"/>
+              <a:t> </a:t>
+            </a:r>
+            <a:r>
+              <a:rPr lang="de-DE" baseline="0" dirty="0" err="1" smtClean="0"/>
+              <a:t>the</a:t>
+            </a:r>
+            <a:r>
+              <a:rPr lang="de-DE" baseline="0" dirty="0" smtClean="0"/>
+              <a:t> </a:t>
+            </a:r>
+            <a:r>
+              <a:rPr lang="de-DE" baseline="0" dirty="0" err="1" smtClean="0"/>
+              <a:t>build</a:t>
+            </a:r>
+            <a:r>
+              <a:rPr lang="de-DE" baseline="0" dirty="0" smtClean="0"/>
+              <a:t> </a:t>
+            </a:r>
+            <a:r>
+              <a:rPr lang="de-DE" baseline="0" dirty="0" err="1" smtClean="0"/>
+              <a:t>are</a:t>
+            </a:r>
+            <a:r>
+              <a:rPr lang="de-DE" baseline="0" dirty="0" smtClean="0"/>
+              <a:t> </a:t>
+            </a:r>
+            <a:r>
+              <a:rPr lang="de-DE" baseline="0" dirty="0" err="1" smtClean="0"/>
+              <a:t>the</a:t>
+            </a:r>
+            <a:r>
+              <a:rPr lang="de-DE" baseline="0" dirty="0" smtClean="0"/>
+              <a:t> orange </a:t>
+            </a:r>
+            <a:r>
+              <a:rPr lang="de-DE" baseline="0" dirty="0" err="1" smtClean="0"/>
+              <a:t>ones</a:t>
+            </a:r>
+            <a:r>
+              <a:rPr lang="de-DE" baseline="0" dirty="0" smtClean="0"/>
+              <a:t>:</a:t>
+            </a:r>
+          </a:p>
+          <a:p>
+            <a:pPr marL="285750" indent="-285750">
+              <a:buFont typeface="Arial" pitchFamily="34" charset="0"/>
+              <a:buChar char="•"/>
+            </a:pPr>
+            <a:r>
+              <a:rPr lang="de-DE" baseline="0" dirty="0" smtClean="0"/>
+              <a:t>The IPA </a:t>
+            </a:r>
+            <a:r>
+              <a:rPr lang="de-DE" baseline="0" dirty="0" err="1" smtClean="0"/>
+              <a:t>file</a:t>
+            </a:r>
+            <a:r>
+              <a:rPr lang="de-DE" baseline="0" dirty="0" smtClean="0"/>
+              <a:t> (</a:t>
+            </a:r>
+            <a:r>
+              <a:rPr lang="de-DE" baseline="0" dirty="0" err="1" smtClean="0"/>
+              <a:t>the</a:t>
+            </a:r>
+            <a:r>
+              <a:rPr lang="de-DE" baseline="0" dirty="0" smtClean="0"/>
+              <a:t> App </a:t>
+            </a:r>
+            <a:r>
+              <a:rPr lang="de-DE" baseline="0" dirty="0" err="1" smtClean="0"/>
+              <a:t>binary</a:t>
+            </a:r>
+            <a:r>
+              <a:rPr lang="de-DE" baseline="0" dirty="0" smtClean="0"/>
+              <a:t>)</a:t>
+            </a:r>
+          </a:p>
+          <a:p>
+            <a:pPr marL="285750" indent="-285750">
+              <a:buFont typeface="Arial" pitchFamily="34" charset="0"/>
+              <a:buChar char="•"/>
+            </a:pPr>
+            <a:r>
+              <a:rPr lang="de-DE" baseline="0" dirty="0" smtClean="0"/>
+              <a:t>A HTML </a:t>
+            </a:r>
+            <a:r>
+              <a:rPr lang="de-DE" baseline="0" dirty="0" err="1" smtClean="0"/>
+              <a:t>file</a:t>
+            </a:r>
+            <a:r>
+              <a:rPr lang="de-DE" baseline="0" dirty="0" smtClean="0"/>
+              <a:t> </a:t>
+            </a:r>
+            <a:r>
+              <a:rPr lang="de-DE" baseline="0" dirty="0" err="1" smtClean="0"/>
+              <a:t>only</a:t>
+            </a:r>
+            <a:r>
+              <a:rPr lang="de-DE" baseline="0" dirty="0" smtClean="0"/>
+              <a:t> </a:t>
+            </a:r>
+            <a:r>
+              <a:rPr lang="de-DE" baseline="0" dirty="0" err="1" smtClean="0"/>
+              <a:t>containing</a:t>
+            </a:r>
+            <a:r>
+              <a:rPr lang="de-DE" baseline="0" dirty="0" smtClean="0"/>
+              <a:t> an </a:t>
+            </a:r>
+            <a:r>
+              <a:rPr lang="de-DE" baseline="0" dirty="0" err="1" smtClean="0"/>
+              <a:t>iframe</a:t>
+            </a:r>
+            <a:r>
+              <a:rPr lang="de-DE" baseline="0" dirty="0" smtClean="0"/>
+              <a:t> </a:t>
+            </a:r>
+            <a:r>
+              <a:rPr lang="de-DE" baseline="0" dirty="0" err="1" smtClean="0"/>
+              <a:t>pointing</a:t>
+            </a:r>
+            <a:r>
+              <a:rPr lang="de-DE" baseline="0" dirty="0" smtClean="0"/>
+              <a:t> </a:t>
+            </a:r>
+            <a:r>
+              <a:rPr lang="de-DE" baseline="0" dirty="0" err="1" smtClean="0"/>
+              <a:t>the</a:t>
+            </a:r>
+            <a:r>
+              <a:rPr lang="de-DE" baseline="0" dirty="0" smtClean="0"/>
+              <a:t> </a:t>
+            </a:r>
+            <a:r>
+              <a:rPr lang="de-DE" baseline="0" dirty="0" err="1" smtClean="0"/>
+              <a:t>the</a:t>
+            </a:r>
+            <a:r>
+              <a:rPr lang="de-DE" baseline="0" dirty="0" smtClean="0"/>
+              <a:t> OTA (HTML) Service (+ App </a:t>
+            </a:r>
+            <a:r>
+              <a:rPr lang="de-DE" baseline="0" dirty="0" err="1" smtClean="0"/>
+              <a:t>parameters</a:t>
+            </a:r>
+            <a:r>
+              <a:rPr lang="de-DE" baseline="0" dirty="0" smtClean="0"/>
+              <a:t> </a:t>
+            </a:r>
+            <a:r>
+              <a:rPr lang="de-DE" baseline="0" dirty="0" err="1" smtClean="0"/>
+              <a:t>required</a:t>
+            </a:r>
+            <a:r>
+              <a:rPr lang="de-DE" baseline="0" dirty="0" smtClean="0"/>
+              <a:t> </a:t>
+            </a:r>
+            <a:r>
+              <a:rPr lang="de-DE" baseline="0" dirty="0" err="1" smtClean="0"/>
+              <a:t>for</a:t>
+            </a:r>
+            <a:r>
+              <a:rPr lang="de-DE" baseline="0" dirty="0" smtClean="0"/>
+              <a:t> </a:t>
+            </a:r>
+            <a:r>
+              <a:rPr lang="de-DE" baseline="0" dirty="0" err="1" smtClean="0"/>
+              <a:t>the</a:t>
+            </a:r>
+            <a:r>
+              <a:rPr lang="de-DE" baseline="0" dirty="0" smtClean="0"/>
+              <a:t> </a:t>
+            </a:r>
+            <a:r>
+              <a:rPr lang="de-DE" baseline="0" dirty="0" err="1" smtClean="0"/>
+              <a:t>following</a:t>
+            </a:r>
+            <a:r>
+              <a:rPr lang="de-DE" baseline="0" dirty="0" smtClean="0"/>
+              <a:t> </a:t>
+            </a:r>
+            <a:r>
+              <a:rPr lang="de-DE" baseline="0" dirty="0" err="1" smtClean="0"/>
+              <a:t>steps</a:t>
+            </a:r>
+            <a:r>
+              <a:rPr lang="de-DE" baseline="0" dirty="0" smtClean="0"/>
+              <a:t>)</a:t>
+            </a:r>
+          </a:p>
+          <a:p>
+            <a:pPr marL="285750" indent="-285750">
+              <a:buFont typeface="Arial" pitchFamily="34" charset="0"/>
+              <a:buChar char="•"/>
+            </a:pPr>
+            <a:endParaRPr lang="de-DE" baseline="0" dirty="0" smtClean="0"/>
+          </a:p>
+          <a:p>
+            <a:pPr marL="0" indent="0">
+              <a:buFont typeface="Arial" pitchFamily="34" charset="0"/>
+              <a:buNone/>
+            </a:pPr>
+            <a:r>
+              <a:rPr lang="de-DE" baseline="0" dirty="0" smtClean="0"/>
+              <a:t>The </a:t>
+            </a:r>
+            <a:r>
+              <a:rPr lang="de-DE" baseline="0" dirty="0" err="1" smtClean="0"/>
+              <a:t>iframe</a:t>
+            </a:r>
+            <a:r>
+              <a:rPr lang="de-DE" baseline="0" dirty="0" smtClean="0"/>
+              <a:t> </a:t>
+            </a:r>
+            <a:r>
+              <a:rPr lang="de-DE" baseline="0" dirty="0" err="1" smtClean="0"/>
+              <a:t>is</a:t>
+            </a:r>
+            <a:r>
+              <a:rPr lang="de-DE" baseline="0" dirty="0" smtClean="0"/>
+              <a:t> </a:t>
+            </a:r>
+            <a:r>
+              <a:rPr lang="de-DE" baseline="0" dirty="0" err="1" smtClean="0"/>
+              <a:t>populated</a:t>
+            </a:r>
+            <a:r>
+              <a:rPr lang="de-DE" baseline="0" dirty="0" smtClean="0"/>
+              <a:t> </a:t>
+            </a:r>
+            <a:r>
+              <a:rPr lang="de-DE" baseline="0" dirty="0" err="1" smtClean="0"/>
+              <a:t>by</a:t>
+            </a:r>
+            <a:r>
+              <a:rPr lang="de-DE" baseline="0" dirty="0" smtClean="0"/>
+              <a:t> </a:t>
+            </a:r>
+            <a:r>
+              <a:rPr lang="de-DE" baseline="0" dirty="0" err="1" smtClean="0"/>
+              <a:t>the</a:t>
+            </a:r>
+            <a:r>
+              <a:rPr lang="de-DE" baseline="0" dirty="0" smtClean="0"/>
+              <a:t> OTA </a:t>
+            </a:r>
+            <a:r>
+              <a:rPr lang="de-DE" baseline="0" dirty="0" err="1" smtClean="0"/>
+              <a:t>service</a:t>
+            </a:r>
+            <a:r>
+              <a:rPr lang="de-DE" baseline="0" dirty="0" smtClean="0"/>
+              <a:t> on </a:t>
+            </a:r>
+            <a:r>
+              <a:rPr lang="de-DE" baseline="0" dirty="0" err="1" smtClean="0"/>
+              <a:t>the</a:t>
+            </a:r>
+            <a:r>
+              <a:rPr lang="de-DE" baseline="0" dirty="0" smtClean="0"/>
+              <a:t> </a:t>
+            </a:r>
+            <a:r>
+              <a:rPr lang="de-DE" baseline="0" dirty="0" err="1" smtClean="0"/>
+              <a:t>fly</a:t>
+            </a:r>
+            <a:r>
+              <a:rPr lang="de-DE" baseline="0" dirty="0" smtClean="0"/>
+              <a:t>. The HTML </a:t>
+            </a:r>
+            <a:r>
+              <a:rPr lang="de-DE" baseline="0" dirty="0" err="1" smtClean="0"/>
+              <a:t>code</a:t>
+            </a:r>
+            <a:r>
+              <a:rPr lang="de-DE" baseline="0" dirty="0" smtClean="0"/>
+              <a:t> will </a:t>
+            </a:r>
+            <a:r>
+              <a:rPr lang="de-DE" baseline="0" dirty="0" err="1" smtClean="0"/>
+              <a:t>contain</a:t>
+            </a:r>
+            <a:r>
+              <a:rPr lang="de-DE" baseline="0" dirty="0" smtClean="0"/>
+              <a:t> an „</a:t>
+            </a:r>
+            <a:r>
+              <a:rPr lang="de-DE" baseline="0" dirty="0" err="1" smtClean="0"/>
+              <a:t>install</a:t>
+            </a:r>
+            <a:r>
+              <a:rPr lang="de-DE" baseline="0" dirty="0" smtClean="0"/>
+              <a:t> link“ (</a:t>
+            </a:r>
+            <a:r>
+              <a:rPr lang="de-DE" baseline="0" dirty="0" err="1" smtClean="0"/>
+              <a:t>itms</a:t>
+            </a:r>
+            <a:r>
+              <a:rPr lang="de-DE" baseline="0" dirty="0" smtClean="0"/>
+              <a:t>-service://) </a:t>
+            </a:r>
+            <a:r>
+              <a:rPr lang="de-DE" baseline="0" dirty="0" err="1" smtClean="0"/>
+              <a:t>containing</a:t>
+            </a:r>
+            <a:r>
+              <a:rPr lang="de-DE" baseline="0" dirty="0" smtClean="0"/>
+              <a:t> an URL </a:t>
+            </a:r>
+            <a:r>
+              <a:rPr lang="de-DE" baseline="0" dirty="0" err="1" smtClean="0"/>
+              <a:t>to</a:t>
+            </a:r>
+            <a:r>
+              <a:rPr lang="de-DE" baseline="0" dirty="0" smtClean="0"/>
+              <a:t> </a:t>
+            </a:r>
+            <a:r>
+              <a:rPr lang="de-DE" baseline="0" dirty="0" err="1" smtClean="0"/>
+              <a:t>the</a:t>
+            </a:r>
+            <a:r>
+              <a:rPr lang="de-DE" baseline="0" dirty="0" smtClean="0"/>
+              <a:t> OTA (PLIST) </a:t>
+            </a:r>
+            <a:r>
+              <a:rPr lang="de-DE" baseline="0" dirty="0" err="1" smtClean="0"/>
+              <a:t>service</a:t>
+            </a:r>
+            <a:r>
+              <a:rPr lang="de-DE" baseline="0" dirty="0" smtClean="0"/>
+              <a:t>.</a:t>
+            </a:r>
+          </a:p>
+          <a:p>
+            <a:pPr marL="0" indent="0">
+              <a:buFont typeface="Arial" pitchFamily="34" charset="0"/>
+              <a:buNone/>
+            </a:pPr>
+            <a:r>
+              <a:rPr lang="de-DE" baseline="0" dirty="0" err="1" smtClean="0"/>
+              <a:t>Once</a:t>
+            </a:r>
+            <a:r>
+              <a:rPr lang="de-DE" baseline="0" dirty="0" smtClean="0"/>
+              <a:t> </a:t>
+            </a:r>
+            <a:r>
+              <a:rPr lang="de-DE" baseline="0" dirty="0" err="1" smtClean="0"/>
+              <a:t>the</a:t>
+            </a:r>
+            <a:r>
+              <a:rPr lang="de-DE" baseline="0" dirty="0" smtClean="0"/>
+              <a:t> </a:t>
+            </a:r>
+            <a:r>
+              <a:rPr lang="de-DE" baseline="0" dirty="0" err="1" smtClean="0"/>
+              <a:t>install</a:t>
+            </a:r>
+            <a:r>
+              <a:rPr lang="de-DE" baseline="0" dirty="0" smtClean="0"/>
+              <a:t> link </a:t>
+            </a:r>
+            <a:r>
+              <a:rPr lang="de-DE" baseline="0" dirty="0" err="1" smtClean="0"/>
+              <a:t>is</a:t>
+            </a:r>
+            <a:r>
+              <a:rPr lang="de-DE" baseline="0" dirty="0" smtClean="0"/>
+              <a:t> </a:t>
+            </a:r>
+            <a:r>
+              <a:rPr lang="de-DE" baseline="0" dirty="0" err="1" smtClean="0"/>
+              <a:t>clicked</a:t>
+            </a:r>
+            <a:r>
+              <a:rPr lang="de-DE" baseline="0" dirty="0" smtClean="0"/>
+              <a:t> </a:t>
+            </a:r>
+            <a:r>
+              <a:rPr lang="de-DE" baseline="0" dirty="0" err="1" smtClean="0"/>
+              <a:t>the</a:t>
+            </a:r>
+            <a:r>
+              <a:rPr lang="de-DE" baseline="0" dirty="0" smtClean="0"/>
+              <a:t> OTA (PLIST) </a:t>
+            </a:r>
+            <a:r>
+              <a:rPr lang="de-DE" baseline="0" dirty="0" err="1" smtClean="0"/>
+              <a:t>service</a:t>
+            </a:r>
+            <a:r>
+              <a:rPr lang="de-DE" baseline="0" dirty="0" smtClean="0"/>
+              <a:t> </a:t>
+            </a:r>
+            <a:r>
+              <a:rPr lang="de-DE" baseline="0" dirty="0" err="1" smtClean="0"/>
+              <a:t>generates</a:t>
+            </a:r>
+            <a:r>
+              <a:rPr lang="de-DE" baseline="0" dirty="0" smtClean="0"/>
+              <a:t> </a:t>
+            </a:r>
+            <a:r>
+              <a:rPr lang="de-DE" baseline="0" dirty="0" err="1" smtClean="0"/>
+              <a:t>the</a:t>
+            </a:r>
+            <a:r>
+              <a:rPr lang="de-DE" baseline="0" dirty="0" smtClean="0"/>
+              <a:t> PLIST </a:t>
+            </a:r>
+            <a:r>
+              <a:rPr lang="de-DE" baseline="0" dirty="0" err="1" smtClean="0"/>
+              <a:t>file</a:t>
+            </a:r>
+            <a:r>
+              <a:rPr lang="de-DE" baseline="0" dirty="0" smtClean="0"/>
+              <a:t> on </a:t>
+            </a:r>
+            <a:r>
+              <a:rPr lang="de-DE" baseline="0" dirty="0" err="1" smtClean="0"/>
+              <a:t>the</a:t>
+            </a:r>
+            <a:r>
+              <a:rPr lang="de-DE" baseline="0" dirty="0" smtClean="0"/>
+              <a:t> </a:t>
+            </a:r>
+            <a:r>
+              <a:rPr lang="de-DE" baseline="0" dirty="0" err="1" smtClean="0"/>
+              <a:t>fly</a:t>
+            </a:r>
+            <a:r>
+              <a:rPr lang="de-DE" baseline="0" dirty="0" smtClean="0"/>
+              <a:t>. The PLIST </a:t>
+            </a:r>
+            <a:r>
+              <a:rPr lang="de-DE" baseline="0" dirty="0" err="1" smtClean="0"/>
+              <a:t>file</a:t>
+            </a:r>
+            <a:r>
+              <a:rPr lang="de-DE" baseline="0" dirty="0" smtClean="0"/>
+              <a:t> </a:t>
+            </a:r>
+            <a:r>
+              <a:rPr lang="de-DE" baseline="0" dirty="0" err="1" smtClean="0"/>
+              <a:t>contains</a:t>
+            </a:r>
+            <a:r>
+              <a:rPr lang="de-DE" baseline="0" dirty="0" smtClean="0"/>
+              <a:t> a link </a:t>
+            </a:r>
+            <a:r>
+              <a:rPr lang="de-DE" baseline="0" dirty="0" err="1" smtClean="0"/>
+              <a:t>to</a:t>
+            </a:r>
+            <a:r>
+              <a:rPr lang="de-DE" baseline="0" dirty="0" smtClean="0"/>
+              <a:t> </a:t>
+            </a:r>
+            <a:r>
+              <a:rPr lang="de-DE" baseline="0" dirty="0" err="1" smtClean="0"/>
+              <a:t>the</a:t>
+            </a:r>
+            <a:r>
+              <a:rPr lang="de-DE" baseline="0" dirty="0" smtClean="0"/>
+              <a:t> IPA </a:t>
+            </a:r>
+            <a:r>
+              <a:rPr lang="de-DE" baseline="0" dirty="0" err="1" smtClean="0"/>
+              <a:t>file</a:t>
+            </a:r>
+            <a:r>
+              <a:rPr lang="de-DE" baseline="0" dirty="0" smtClean="0"/>
+              <a:t> on </a:t>
+            </a:r>
+            <a:r>
+              <a:rPr lang="de-DE" baseline="0" dirty="0" err="1" smtClean="0"/>
+              <a:t>the</a:t>
+            </a:r>
+            <a:r>
+              <a:rPr lang="de-DE" baseline="0" dirty="0" smtClean="0"/>
+              <a:t> </a:t>
+            </a:r>
+            <a:r>
+              <a:rPr lang="de-DE" baseline="0" dirty="0" err="1" smtClean="0"/>
+              <a:t>server</a:t>
+            </a:r>
+            <a:r>
+              <a:rPr lang="de-DE" baseline="0" dirty="0" smtClean="0"/>
+              <a:t> </a:t>
+            </a:r>
+            <a:r>
+              <a:rPr lang="de-DE" baseline="0" dirty="0" err="1" smtClean="0"/>
+              <a:t>next</a:t>
+            </a:r>
+            <a:r>
+              <a:rPr lang="de-DE" baseline="0" dirty="0" smtClean="0"/>
+              <a:t> </a:t>
+            </a:r>
+            <a:r>
+              <a:rPr lang="de-DE" baseline="0" dirty="0" err="1" smtClean="0"/>
+              <a:t>to</a:t>
+            </a:r>
+            <a:r>
+              <a:rPr lang="de-DE" baseline="0" dirty="0" smtClean="0"/>
+              <a:t> </a:t>
+            </a:r>
+            <a:r>
+              <a:rPr lang="de-DE" baseline="0" dirty="0" err="1" smtClean="0"/>
+              <a:t>the</a:t>
+            </a:r>
+            <a:r>
+              <a:rPr lang="de-DE" baseline="0" dirty="0" smtClean="0"/>
+              <a:t> original </a:t>
+            </a:r>
+            <a:r>
+              <a:rPr lang="de-DE" baseline="0" dirty="0" err="1" smtClean="0"/>
+              <a:t>iframe</a:t>
+            </a:r>
+            <a:r>
+              <a:rPr lang="de-DE" baseline="0" dirty="0" smtClean="0"/>
+              <a:t> HTML </a:t>
+            </a:r>
+            <a:r>
+              <a:rPr lang="de-DE" baseline="0" dirty="0" err="1" smtClean="0"/>
+              <a:t>page</a:t>
+            </a:r>
+            <a:r>
+              <a:rPr lang="de-DE" baseline="0" dirty="0" smtClean="0"/>
+              <a:t>.</a:t>
+            </a:r>
+          </a:p>
+          <a:p>
+            <a:pPr marL="0" indent="0">
+              <a:buFont typeface="Arial" pitchFamily="34" charset="0"/>
+              <a:buNone/>
+            </a:pPr>
+            <a:endParaRPr lang="de-DE" baseline="0" dirty="0" smtClean="0"/>
+          </a:p>
+          <a:p>
+            <a:pPr marL="0" indent="0">
+              <a:buFont typeface="Arial" pitchFamily="34" charset="0"/>
+              <a:buNone/>
+            </a:pPr>
+            <a:r>
+              <a:rPr lang="de-DE" baseline="0" dirty="0" smtClean="0"/>
+              <a:t>This </a:t>
+            </a:r>
+            <a:r>
+              <a:rPr lang="de-DE" baseline="0" dirty="0" err="1" smtClean="0"/>
+              <a:t>way</a:t>
+            </a:r>
+            <a:r>
+              <a:rPr lang="de-DE" baseline="0" dirty="0" smtClean="0"/>
+              <a:t> </a:t>
+            </a:r>
+            <a:r>
+              <a:rPr lang="de-DE" baseline="0" dirty="0" err="1" smtClean="0"/>
+              <a:t>the</a:t>
+            </a:r>
+            <a:r>
+              <a:rPr lang="de-DE" baseline="0" dirty="0" smtClean="0"/>
+              <a:t> (</a:t>
+            </a:r>
+            <a:r>
+              <a:rPr lang="de-DE" baseline="0" dirty="0" err="1" smtClean="0"/>
+              <a:t>iframe</a:t>
+            </a:r>
+            <a:r>
+              <a:rPr lang="de-DE" baseline="0" dirty="0" smtClean="0"/>
+              <a:t>) HTML </a:t>
+            </a:r>
+            <a:r>
+              <a:rPr lang="de-DE" baseline="0" dirty="0" err="1" smtClean="0"/>
+              <a:t>file</a:t>
+            </a:r>
+            <a:r>
+              <a:rPr lang="de-DE" baseline="0" dirty="0" smtClean="0"/>
+              <a:t> </a:t>
+            </a:r>
+            <a:r>
+              <a:rPr lang="de-DE" baseline="0" dirty="0" err="1" smtClean="0"/>
+              <a:t>and</a:t>
+            </a:r>
+            <a:r>
+              <a:rPr lang="de-DE" baseline="0" dirty="0" smtClean="0"/>
+              <a:t> IPA </a:t>
+            </a:r>
+            <a:r>
+              <a:rPr lang="de-DE" baseline="0" dirty="0" err="1" smtClean="0"/>
+              <a:t>file</a:t>
+            </a:r>
+            <a:r>
+              <a:rPr lang="de-DE" baseline="0" dirty="0" smtClean="0"/>
+              <a:t> </a:t>
+            </a:r>
+            <a:r>
+              <a:rPr lang="de-DE" baseline="0" dirty="0" err="1" smtClean="0"/>
+              <a:t>can</a:t>
+            </a:r>
+            <a:r>
+              <a:rPr lang="de-DE" baseline="0" dirty="0" smtClean="0"/>
+              <a:t> </a:t>
+            </a:r>
+            <a:r>
+              <a:rPr lang="de-DE" baseline="0" dirty="0" err="1" smtClean="0"/>
+              <a:t>be</a:t>
+            </a:r>
+            <a:r>
+              <a:rPr lang="de-DE" baseline="0" dirty="0" smtClean="0"/>
+              <a:t> </a:t>
+            </a:r>
+            <a:r>
+              <a:rPr lang="de-DE" baseline="0" dirty="0" err="1" smtClean="0"/>
+              <a:t>simply</a:t>
+            </a:r>
+            <a:r>
+              <a:rPr lang="de-DE" baseline="0" dirty="0" smtClean="0"/>
+              <a:t> </a:t>
+            </a:r>
+            <a:r>
+              <a:rPr lang="de-DE" baseline="0" dirty="0" err="1" smtClean="0"/>
+              <a:t>copied</a:t>
+            </a:r>
+            <a:r>
+              <a:rPr lang="de-DE" baseline="0" dirty="0" smtClean="0"/>
+              <a:t>(</a:t>
+            </a:r>
+            <a:r>
+              <a:rPr lang="de-DE" baseline="0" dirty="0" err="1" smtClean="0"/>
+              <a:t>deployed</a:t>
+            </a:r>
+            <a:r>
+              <a:rPr lang="de-DE" baseline="0" dirty="0" smtClean="0"/>
+              <a:t>) </a:t>
+            </a:r>
+            <a:r>
+              <a:rPr lang="de-DE" baseline="0" dirty="0" err="1" smtClean="0"/>
+              <a:t>to</a:t>
+            </a:r>
+            <a:r>
+              <a:rPr lang="de-DE" baseline="0" dirty="0" smtClean="0"/>
+              <a:t> </a:t>
+            </a:r>
+            <a:r>
+              <a:rPr lang="de-DE" baseline="0" dirty="0" err="1" smtClean="0"/>
+              <a:t>any</a:t>
+            </a:r>
+            <a:r>
+              <a:rPr lang="de-DE" baseline="0" dirty="0" smtClean="0"/>
+              <a:t> </a:t>
+            </a:r>
+            <a:r>
+              <a:rPr lang="de-DE" baseline="0" dirty="0" err="1" smtClean="0"/>
+              <a:t>other</a:t>
+            </a:r>
+            <a:r>
+              <a:rPr lang="de-DE" baseline="0" dirty="0" smtClean="0"/>
+              <a:t> web </a:t>
+            </a:r>
+            <a:r>
+              <a:rPr lang="de-DE" baseline="0" dirty="0" err="1" smtClean="0"/>
+              <a:t>server</a:t>
+            </a:r>
+            <a:r>
+              <a:rPr lang="de-DE" baseline="0" dirty="0" smtClean="0"/>
+              <a:t> (e.g. Nexus, </a:t>
+            </a:r>
+            <a:r>
+              <a:rPr lang="de-DE" baseline="0" dirty="0" err="1" smtClean="0"/>
+              <a:t>internal</a:t>
+            </a:r>
+            <a:r>
+              <a:rPr lang="de-DE" baseline="0" dirty="0" smtClean="0"/>
+              <a:t> </a:t>
+            </a:r>
+            <a:r>
+              <a:rPr lang="de-DE" baseline="0" dirty="0" err="1" smtClean="0"/>
+              <a:t>AppStore</a:t>
+            </a:r>
+            <a:r>
+              <a:rPr lang="de-DE" baseline="0" dirty="0" smtClean="0"/>
+              <a:t>,…) </a:t>
+            </a:r>
+            <a:r>
+              <a:rPr lang="de-DE" baseline="0" dirty="0" err="1" smtClean="0"/>
+              <a:t>to</a:t>
+            </a:r>
+            <a:r>
+              <a:rPr lang="de-DE" baseline="0" dirty="0" smtClean="0"/>
+              <a:t> </a:t>
+            </a:r>
+            <a:r>
+              <a:rPr lang="de-DE" baseline="0" dirty="0" err="1" smtClean="0"/>
+              <a:t>enable</a:t>
+            </a:r>
+            <a:r>
+              <a:rPr lang="de-DE" baseline="0" dirty="0" smtClean="0"/>
+              <a:t> OTA </a:t>
+            </a:r>
+            <a:r>
+              <a:rPr lang="de-DE" baseline="0" dirty="0" err="1" smtClean="0"/>
+              <a:t>deployment</a:t>
+            </a:r>
+            <a:r>
+              <a:rPr lang="de-DE" baseline="0" dirty="0" smtClean="0"/>
+              <a:t> </a:t>
+            </a:r>
+            <a:r>
+              <a:rPr lang="de-DE" baseline="0" dirty="0" err="1" smtClean="0"/>
+              <a:t>from</a:t>
+            </a:r>
+            <a:r>
+              <a:rPr lang="de-DE" baseline="0" dirty="0" smtClean="0"/>
+              <a:t> </a:t>
+            </a:r>
+            <a:r>
+              <a:rPr lang="de-DE" baseline="0" dirty="0" err="1" smtClean="0"/>
+              <a:t>there</a:t>
+            </a:r>
+            <a:r>
+              <a:rPr lang="de-DE" baseline="0" dirty="0" smtClean="0"/>
+              <a:t>.</a:t>
+            </a:r>
+          </a:p>
+          <a:p>
+            <a:pPr marL="0" indent="0">
+              <a:buFont typeface="Arial" pitchFamily="34" charset="0"/>
+              <a:buNone/>
+            </a:pPr>
+            <a:endParaRPr lang="de-DE" baseline="0" dirty="0" smtClean="0"/>
+          </a:p>
+          <a:p>
+            <a:pPr marL="0" indent="0">
+              <a:buFont typeface="Arial" pitchFamily="34" charset="0"/>
+              <a:buNone/>
+            </a:pPr>
+            <a:r>
+              <a:rPr lang="de-DE" baseline="0" dirty="0" smtClean="0"/>
+              <a:t>The OTA Service </a:t>
+            </a:r>
+            <a:r>
+              <a:rPr lang="de-DE" baseline="0" dirty="0" err="1" smtClean="0"/>
+              <a:t>itself</a:t>
+            </a:r>
+            <a:r>
+              <a:rPr lang="de-DE" baseline="0" dirty="0" smtClean="0"/>
+              <a:t> </a:t>
+            </a:r>
+            <a:r>
+              <a:rPr lang="de-DE" baseline="0" dirty="0" err="1" smtClean="0"/>
+              <a:t>does</a:t>
+            </a:r>
+            <a:r>
+              <a:rPr lang="de-DE" baseline="0" dirty="0" smtClean="0"/>
+              <a:t> not </a:t>
+            </a:r>
+            <a:r>
+              <a:rPr lang="de-DE" baseline="0" dirty="0" err="1" smtClean="0"/>
+              <a:t>get</a:t>
+            </a:r>
+            <a:r>
+              <a:rPr lang="de-DE" baseline="0" dirty="0" smtClean="0"/>
+              <a:t> in </a:t>
+            </a:r>
+            <a:r>
+              <a:rPr lang="de-DE" baseline="0" dirty="0" err="1" smtClean="0"/>
+              <a:t>contact</a:t>
+            </a:r>
+            <a:r>
+              <a:rPr lang="de-DE" baseline="0" dirty="0" smtClean="0"/>
+              <a:t> </a:t>
+            </a:r>
+            <a:r>
+              <a:rPr lang="de-DE" baseline="0" dirty="0" err="1" smtClean="0"/>
+              <a:t>with</a:t>
+            </a:r>
+            <a:r>
+              <a:rPr lang="de-DE" baseline="0" dirty="0" smtClean="0"/>
+              <a:t> </a:t>
+            </a:r>
+            <a:r>
+              <a:rPr lang="de-DE" baseline="0" dirty="0" err="1" smtClean="0"/>
+              <a:t>the</a:t>
+            </a:r>
+            <a:r>
+              <a:rPr lang="de-DE" baseline="0" dirty="0" smtClean="0"/>
+              <a:t> IPA </a:t>
+            </a:r>
+            <a:r>
+              <a:rPr lang="de-DE" baseline="0" dirty="0" err="1" smtClean="0"/>
+              <a:t>file</a:t>
+            </a:r>
+            <a:r>
+              <a:rPr lang="de-DE" baseline="0" dirty="0" smtClean="0"/>
+              <a:t> </a:t>
+            </a:r>
+            <a:r>
+              <a:rPr lang="de-DE" baseline="0" dirty="0" err="1" smtClean="0"/>
+              <a:t>to</a:t>
+            </a:r>
+            <a:r>
+              <a:rPr lang="de-DE" baseline="0" dirty="0" smtClean="0"/>
+              <a:t> </a:t>
+            </a:r>
+            <a:r>
+              <a:rPr lang="de-DE" baseline="0" dirty="0" err="1" smtClean="0"/>
+              <a:t>be</a:t>
+            </a:r>
+            <a:r>
+              <a:rPr lang="de-DE" baseline="0" dirty="0" smtClean="0"/>
+              <a:t> </a:t>
+            </a:r>
+            <a:r>
+              <a:rPr lang="de-DE" baseline="0" dirty="0" err="1" smtClean="0"/>
+              <a:t>installed</a:t>
+            </a:r>
+            <a:r>
+              <a:rPr lang="de-DE" baseline="0" dirty="0" smtClean="0"/>
+              <a:t>. </a:t>
+            </a:r>
+            <a:r>
+              <a:rPr lang="de-DE" baseline="0" dirty="0" err="1" smtClean="0"/>
+              <a:t>It</a:t>
+            </a:r>
+            <a:r>
+              <a:rPr lang="de-DE" baseline="0" dirty="0" smtClean="0"/>
+              <a:t> </a:t>
+            </a:r>
+            <a:r>
+              <a:rPr lang="de-DE" baseline="0" dirty="0" err="1" smtClean="0"/>
+              <a:t>only</a:t>
+            </a:r>
+            <a:r>
+              <a:rPr lang="de-DE" baseline="0" dirty="0" smtClean="0"/>
+              <a:t> </a:t>
+            </a:r>
+            <a:r>
+              <a:rPr lang="de-DE" baseline="0" dirty="0" err="1" smtClean="0"/>
+              <a:t>generates</a:t>
+            </a:r>
+            <a:r>
+              <a:rPr lang="de-DE" baseline="0" dirty="0" smtClean="0"/>
+              <a:t> </a:t>
+            </a:r>
+            <a:r>
+              <a:rPr lang="de-DE" baseline="0" dirty="0" err="1" smtClean="0"/>
+              <a:t>the</a:t>
+            </a:r>
+            <a:r>
+              <a:rPr lang="de-DE" baseline="0" dirty="0" smtClean="0"/>
+              <a:t> URLs.</a:t>
+            </a:r>
+          </a:p>
+          <a:p>
+            <a:pPr marL="0" indent="0">
+              <a:buFont typeface="Arial" pitchFamily="34" charset="0"/>
+              <a:buNone/>
+            </a:pPr>
+            <a:r>
+              <a:rPr lang="de-DE" baseline="0" dirty="0" smtClean="0"/>
+              <a:t>This also </a:t>
+            </a:r>
+            <a:r>
+              <a:rPr lang="de-DE" baseline="0" dirty="0" err="1" smtClean="0"/>
+              <a:t>works</a:t>
+            </a:r>
+            <a:r>
+              <a:rPr lang="de-DE" baseline="0" dirty="0" smtClean="0"/>
+              <a:t> </a:t>
+            </a:r>
+            <a:r>
+              <a:rPr lang="de-DE" baseline="0" dirty="0" err="1" smtClean="0"/>
+              <a:t>for</a:t>
+            </a:r>
+            <a:r>
+              <a:rPr lang="de-DE" baseline="0" dirty="0" smtClean="0"/>
+              <a:t> </a:t>
+            </a:r>
+            <a:r>
+              <a:rPr lang="de-DE" baseline="0" dirty="0" err="1" smtClean="0"/>
+              <a:t>iframe</a:t>
+            </a:r>
+            <a:r>
+              <a:rPr lang="de-DE" baseline="0" dirty="0" smtClean="0"/>
+              <a:t> HTML </a:t>
+            </a:r>
+            <a:r>
+              <a:rPr lang="de-DE" baseline="0" dirty="0" err="1" smtClean="0"/>
+              <a:t>and</a:t>
+            </a:r>
+            <a:r>
+              <a:rPr lang="de-DE" baseline="0" dirty="0" smtClean="0"/>
+              <a:t> IPA </a:t>
+            </a:r>
+            <a:r>
+              <a:rPr lang="de-DE" baseline="0" dirty="0" err="1" smtClean="0"/>
+              <a:t>files</a:t>
+            </a:r>
+            <a:r>
+              <a:rPr lang="de-DE" baseline="0" dirty="0" smtClean="0"/>
+              <a:t> </a:t>
+            </a:r>
+            <a:r>
+              <a:rPr lang="de-DE" baseline="0" dirty="0" err="1" smtClean="0"/>
+              <a:t>hosted</a:t>
+            </a:r>
+            <a:r>
+              <a:rPr lang="de-DE" baseline="0" dirty="0" smtClean="0"/>
+              <a:t> </a:t>
+            </a:r>
+            <a:r>
+              <a:rPr lang="de-DE" baseline="0" dirty="0" err="1" smtClean="0"/>
+              <a:t>inside</a:t>
+            </a:r>
+            <a:r>
+              <a:rPr lang="de-DE" baseline="0" dirty="0" smtClean="0"/>
+              <a:t> </a:t>
+            </a:r>
+            <a:r>
+              <a:rPr lang="de-DE" baseline="0" dirty="0" err="1" smtClean="0"/>
+              <a:t>the</a:t>
+            </a:r>
+            <a:r>
+              <a:rPr lang="de-DE" baseline="0" dirty="0" smtClean="0"/>
+              <a:t> </a:t>
+            </a:r>
+            <a:r>
+              <a:rPr lang="de-DE" baseline="0" dirty="0" err="1" smtClean="0"/>
+              <a:t>firewall</a:t>
+            </a:r>
+            <a:r>
+              <a:rPr lang="de-DE" baseline="0" dirty="0" smtClean="0"/>
+              <a:t> </a:t>
+            </a:r>
+            <a:r>
+              <a:rPr lang="de-DE" baseline="0" dirty="0" err="1" smtClean="0"/>
+              <a:t>while</a:t>
+            </a:r>
+            <a:r>
+              <a:rPr lang="de-DE" baseline="0" dirty="0" smtClean="0"/>
+              <a:t> </a:t>
+            </a:r>
+            <a:r>
+              <a:rPr lang="de-DE" baseline="0" dirty="0" err="1" smtClean="0"/>
+              <a:t>using</a:t>
+            </a:r>
+            <a:r>
+              <a:rPr lang="de-DE" baseline="0" dirty="0" smtClean="0"/>
+              <a:t> an (</a:t>
+            </a:r>
+            <a:r>
+              <a:rPr lang="de-DE" baseline="0" dirty="0" err="1" smtClean="0"/>
+              <a:t>public</a:t>
+            </a:r>
+            <a:r>
+              <a:rPr lang="de-DE" baseline="0" dirty="0" smtClean="0"/>
+              <a:t>) OTA Service outside </a:t>
+            </a:r>
+            <a:r>
+              <a:rPr lang="de-DE" baseline="0" dirty="0" err="1" smtClean="0"/>
+              <a:t>the</a:t>
+            </a:r>
+            <a:r>
+              <a:rPr lang="de-DE" baseline="0" dirty="0" smtClean="0"/>
+              <a:t> </a:t>
+            </a:r>
+            <a:r>
+              <a:rPr lang="de-DE" baseline="0" dirty="0" err="1" smtClean="0"/>
+              <a:t>firewall</a:t>
+            </a:r>
+            <a:r>
+              <a:rPr lang="de-DE" baseline="0" dirty="0" smtClean="0"/>
+              <a:t>. The OTA Service </a:t>
+            </a:r>
+            <a:r>
+              <a:rPr lang="de-DE" baseline="0" dirty="0" err="1" smtClean="0"/>
+              <a:t>simply</a:t>
+            </a:r>
+            <a:r>
+              <a:rPr lang="de-DE" baseline="0" dirty="0" smtClean="0"/>
+              <a:t> </a:t>
+            </a:r>
+            <a:r>
+              <a:rPr lang="de-DE" baseline="0" dirty="0" err="1" smtClean="0"/>
+              <a:t>generates</a:t>
+            </a:r>
+            <a:r>
+              <a:rPr lang="de-DE" baseline="0" dirty="0" smtClean="0"/>
+              <a:t> </a:t>
+            </a:r>
+            <a:r>
+              <a:rPr lang="de-DE" baseline="0" dirty="0" err="1" smtClean="0"/>
+              <a:t>the</a:t>
+            </a:r>
+            <a:r>
+              <a:rPr lang="de-DE" baseline="0" dirty="0" smtClean="0"/>
+              <a:t> </a:t>
+            </a:r>
+            <a:r>
+              <a:rPr lang="de-DE" baseline="0" dirty="0" err="1" smtClean="0"/>
+              <a:t>internal</a:t>
+            </a:r>
+            <a:r>
+              <a:rPr lang="de-DE" baseline="0" dirty="0" smtClean="0"/>
+              <a:t> URLs </a:t>
+            </a:r>
+            <a:r>
+              <a:rPr lang="de-DE" baseline="0" dirty="0" err="1" smtClean="0"/>
+              <a:t>only</a:t>
+            </a:r>
+            <a:r>
+              <a:rPr lang="de-DE" baseline="0" dirty="0" smtClean="0"/>
+              <a:t> </a:t>
+            </a:r>
+            <a:r>
+              <a:rPr lang="de-DE" baseline="0" dirty="0" err="1" smtClean="0"/>
+              <a:t>working</a:t>
+            </a:r>
+            <a:r>
+              <a:rPr lang="de-DE" baseline="0" dirty="0" smtClean="0"/>
+              <a:t> </a:t>
+            </a:r>
+            <a:r>
+              <a:rPr lang="de-DE" baseline="0" dirty="0" err="1" smtClean="0"/>
+              <a:t>from</a:t>
+            </a:r>
+            <a:r>
+              <a:rPr lang="de-DE" baseline="0" dirty="0" smtClean="0"/>
+              <a:t> </a:t>
+            </a:r>
+            <a:r>
+              <a:rPr lang="de-DE" baseline="0" dirty="0" err="1" smtClean="0"/>
+              <a:t>inside</a:t>
+            </a:r>
+            <a:r>
+              <a:rPr lang="de-DE" baseline="0" dirty="0" smtClean="0"/>
+              <a:t> </a:t>
+            </a:r>
+            <a:r>
+              <a:rPr lang="de-DE" baseline="0" dirty="0" err="1" smtClean="0"/>
+              <a:t>the</a:t>
+            </a:r>
+            <a:r>
+              <a:rPr lang="de-DE" baseline="0" dirty="0" smtClean="0"/>
+              <a:t> </a:t>
+            </a:r>
+            <a:r>
+              <a:rPr lang="de-DE" baseline="0" dirty="0" err="1" smtClean="0"/>
+              <a:t>firewall</a:t>
+            </a:r>
+            <a:r>
+              <a:rPr lang="de-DE" baseline="0" dirty="0" smtClean="0"/>
+              <a:t>.</a:t>
+            </a:r>
+          </a:p>
+        </p:txBody>
+      </p:sp>
+      <p:sp>
+        <p:nvSpPr>
+          <p:cNvPr id="4" name="Slide Number Placeholder 3"/>
+          <p:cNvSpPr>
+            <a:spLocks noGrp="1"/>
+          </p:cNvSpPr>
+          <p:nvPr>
+            <p:ph type="sldNum" sz="quarter" idx="10"/>
+          </p:nvPr>
+        </p:nvSpPr>
+        <p:spPr/>
+        <p:txBody>
+          <a:bodyPr/>
+          <a:lstStyle/>
+          <a:p>
+            <a:fld id="{7D8C2C35-2B8A-446E-BEC0-FD36716C29AC}" type="slidenum">
+              <a:rPr lang="de-DE" smtClean="0"/>
+              <a:pPr/>
+              <a:t>7</a:t>
+            </a:fld>
+            <a:endParaRPr lang="de-DE" dirty="0"/>
           </a:p>
         </p:txBody>
       </p:sp>
     </p:spTree>
+    <p:extLst>
+      <p:ext uri="{BB962C8B-B14F-4D97-AF65-F5344CB8AC3E}">
+        <p14:creationId xmlns:p14="http://schemas.microsoft.com/office/powerpoint/2010/main" val="898997200"/>
+      </p:ext>
+    </p:extLst>
   </p:cSld>
   <p:clrMapOvr>
     <a:masterClrMapping/>
@@ -3132,7 +4392,7 @@
             <a:fld id="{7D8C2C35-2B8A-446E-BEC0-FD36716C29AC}" type="slidenum">
               <a:rPr lang="de-DE" smtClean="0"/>
               <a:pPr/>
-              <a:t>9</a:t>
+              <a:t>8</a:t>
             </a:fld>
             <a:endParaRPr lang="de-DE" dirty="0"/>
           </a:p>
@@ -3172,7 +4432,7 @@
           </a:bodyPr>
           <a:lstStyle/>
           <a:p>
-            <a:endParaRPr lang="en-US"/>
+            <a:endParaRPr lang="en-US" dirty="0"/>
           </a:p>
         </p:txBody>
       </p:sp>
@@ -8414,7 +9674,7 @@
               <a:buSzPct val="80000"/>
               <a:tabLst/>
             </a:pPr>
-            <a:endParaRPr kumimoji="0" lang="en-US" sz="1900" b="0" i="0" u="none" strike="noStrike" kern="0" cap="none" spc="0" normalizeH="0" baseline="0" noProof="0" dirty="0" err="1" smtClean="0">
+            <a:endParaRPr kumimoji="0" lang="en-US" sz="1900" b="0" i="0" u="none" strike="noStrike" kern="0" cap="none" spc="0" normalizeH="0" baseline="0" noProof="0" dirty="0" smtClean="0">
               <a:ln>
                 <a:noFill/>
               </a:ln>
@@ -8473,11 +9733,7 @@
           <a:p>
             <a:r>
               <a:rPr lang="en-US" dirty="0" smtClean="0"/>
-              <a:t>May 28, </a:t>
-            </a:r>
-            <a:r>
-              <a:rPr lang="en-US" dirty="0" smtClean="0"/>
-              <a:t>2013</a:t>
+              <a:t>May 28, 2013</a:t>
             </a:r>
           </a:p>
         </p:txBody>
@@ -8498,6 +9754,39 @@
 </file>
 
 <file path=ppt/slides/slide10.xml><?xml version="1.0" encoding="utf-8"?>
+<p:sld xmlns:a="http://schemas.openxmlformats.org/drawingml/2006/main" xmlns:r="http://schemas.openxmlformats.org/officeDocument/2006/relationships" xmlns:p="http://schemas.openxmlformats.org/presentationml/2006/main" show="0">
+  <p:cSld>
+    <p:spTree>
+      <p:nvGrpSpPr>
+        <p:cNvPr id="1" name=""/>
+        <p:cNvGrpSpPr/>
+        <p:nvPr/>
+      </p:nvGrpSpPr>
+      <p:grpSpPr>
+        <a:xfrm>
+          <a:off x="0" y="0"/>
+          <a:ext cx="0" cy="0"/>
+          <a:chOff x="0" y="0"/>
+          <a:chExt cx="0" cy="0"/>
+        </a:xfrm>
+      </p:grpSpPr>
+    </p:spTree>
+  </p:cSld>
+  <p:clrMapOvr>
+    <a:masterClrMapping/>
+  </p:clrMapOvr>
+  <p:transition spd="med"/>
+  <p:timing>
+    <p:tnLst>
+      <p:par>
+        <p:cTn id="1" dur="indefinite" restart="never" nodeType="tmRoot"/>
+      </p:par>
+    </p:tnLst>
+  </p:timing>
+</p:sld>
+</file>
+
+<file path=ppt/slides/slide11.xml><?xml version="1.0" encoding="utf-8"?>
 <p:sld xmlns:a="http://schemas.openxmlformats.org/drawingml/2006/main" xmlns:r="http://schemas.openxmlformats.org/officeDocument/2006/relationships" xmlns:p="http://schemas.openxmlformats.org/presentationml/2006/main" show="0">
   <p:cSld>
     <p:spTree>
@@ -8563,15 +9852,14 @@
           <a:lstStyle/>
           <a:p>
             <a:r>
+              <a:rPr lang="en-US" dirty="0" smtClean="0"/>
+              <a:t>Alexander Link / SAP AG</a:t>
+            </a:r>
+          </a:p>
+          <a:p>
+            <a:r>
               <a:rPr lang="en-US" smtClean="0"/>
-              <a:t>Alexander Link / SAP AG</a:t>
-            </a:r>
-            <a:endParaRPr lang="en-US" dirty="0" smtClean="0"/>
-          </a:p>
-          <a:p>
-            <a:r>
-              <a:rPr lang="en-US" dirty="0" smtClean="0"/>
-              <a:t>May 28, </a:t>
+              <a:t>June 17th, </a:t>
             </a:r>
             <a:r>
               <a:rPr lang="en-US" dirty="0" smtClean="0"/>
@@ -8696,7 +9984,6 @@
               <a:rPr lang="en-US" dirty="0" smtClean="0"/>
               <a:t>Overview</a:t>
             </a:r>
-            <a:endParaRPr lang="en-US" dirty="0" smtClean="0"/>
           </a:p>
           <a:p>
             <a:pPr lvl="1"/>
@@ -8704,7 +9991,6 @@
               <a:rPr lang="en-US" dirty="0" smtClean="0"/>
               <a:t>How over-the-air deployment works</a:t>
             </a:r>
-            <a:endParaRPr lang="en-US" dirty="0" smtClean="0"/>
           </a:p>
           <a:p>
             <a:pPr lvl="1"/>
@@ -8712,7 +9998,6 @@
               <a:rPr lang="en-US" dirty="0" smtClean="0"/>
               <a:t>What the OTA service does</a:t>
             </a:r>
-            <a:endParaRPr lang="en-US" dirty="0" smtClean="0"/>
           </a:p>
         </p:txBody>
       </p:sp>
@@ -8925,7 +10210,7 @@
                 <a:buSzPct val="80000"/>
                 <a:tabLst/>
               </a:pPr>
-              <a:endParaRPr kumimoji="0" lang="de-DE" sz="2000" b="0" i="0" u="none" strike="noStrike" kern="0" cap="none" spc="0" normalizeH="0" baseline="0" noProof="0" dirty="0" err="1" smtClean="0">
+              <a:endParaRPr kumimoji="0" lang="de-DE" sz="2000" b="0" i="0" u="none" strike="noStrike" kern="0" cap="none" spc="0" normalizeH="0" baseline="0" noProof="0" dirty="0" smtClean="0">
                 <a:ln>
                   <a:noFill/>
                 </a:ln>
@@ -8994,7 +10279,7 @@
                 <a:buSzPct val="80000"/>
                 <a:tabLst/>
               </a:pPr>
-              <a:endParaRPr kumimoji="0" lang="de-DE" sz="2000" b="0" i="0" u="none" strike="noStrike" kern="0" cap="none" spc="0" normalizeH="0" baseline="0" noProof="0" dirty="0" err="1" smtClean="0">
+              <a:endParaRPr kumimoji="0" lang="de-DE" sz="2000" b="0" i="0" u="none" strike="noStrike" kern="0" cap="none" spc="0" normalizeH="0" baseline="0" noProof="0" dirty="0" smtClean="0">
                 <a:ln>
                   <a:noFill/>
                 </a:ln>
@@ -9058,10 +10343,6 @@
                 </a:rPr>
                 <a:t>PLIST</a:t>
               </a:r>
-              <a:endParaRPr lang="de-DE" sz="1600" b="1" kern="0" dirty="0" smtClean="0">
-                <a:ea typeface="Arial Unicode MS" pitchFamily="34" charset="-128"/>
-                <a:cs typeface="Arial Unicode MS" pitchFamily="34" charset="-128"/>
-              </a:endParaRPr>
             </a:p>
           </p:txBody>
         </p:sp>
@@ -9224,7 +10505,7 @@
                 <a:buSzPct val="80000"/>
                 <a:tabLst/>
               </a:pPr>
-              <a:endParaRPr kumimoji="0" lang="de-DE" sz="2000" b="0" i="0" u="none" strike="noStrike" kern="0" cap="none" spc="0" normalizeH="0" baseline="0" noProof="0" dirty="0" err="1" smtClean="0">
+              <a:endParaRPr kumimoji="0" lang="de-DE" sz="2000" b="0" i="0" u="none" strike="noStrike" kern="0" cap="none" spc="0" normalizeH="0" baseline="0" noProof="0" dirty="0" smtClean="0">
                 <a:ln>
                   <a:noFill/>
                 </a:ln>
@@ -9293,7 +10574,7 @@
                 <a:buSzPct val="80000"/>
                 <a:tabLst/>
               </a:pPr>
-              <a:endParaRPr kumimoji="0" lang="de-DE" sz="2000" b="0" i="0" u="none" strike="noStrike" kern="0" cap="none" spc="0" normalizeH="0" baseline="0" noProof="0" dirty="0" err="1" smtClean="0">
+              <a:endParaRPr kumimoji="0" lang="de-DE" sz="2000" b="0" i="0" u="none" strike="noStrike" kern="0" cap="none" spc="0" normalizeH="0" baseline="0" noProof="0" dirty="0" smtClean="0">
                 <a:ln>
                   <a:noFill/>
                 </a:ln>
@@ -9357,10 +10638,6 @@
                 </a:rPr>
                 <a:t>HTML</a:t>
               </a:r>
-              <a:endParaRPr lang="de-DE" sz="1600" b="1" kern="0" dirty="0" smtClean="0">
-                <a:ea typeface="Arial Unicode MS" pitchFamily="34" charset="-128"/>
-                <a:cs typeface="Arial Unicode MS" pitchFamily="34" charset="-128"/>
-              </a:endParaRPr>
             </a:p>
           </p:txBody>
         </p:sp>
@@ -9588,16 +10865,6 @@
               </a:rPr>
               <a:t>Link</a:t>
             </a:r>
-            <a:endParaRPr kumimoji="0" lang="de-DE" sz="1600" b="1" i="0" u="none" strike="noStrike" kern="0" cap="none" spc="0" normalizeH="0" baseline="0" noProof="0" dirty="0" smtClean="0">
-              <a:ln>
-                <a:noFill/>
-              </a:ln>
-              <a:effectLst/>
-              <a:uLnTx/>
-              <a:uFillTx/>
-              <a:ea typeface="Arial Unicode MS" pitchFamily="34" charset="-128"/>
-              <a:cs typeface="Arial Unicode MS" pitchFamily="34" charset="-128"/>
-            </a:endParaRPr>
           </a:p>
         </p:txBody>
       </p:sp>
@@ -9893,10 +11160,6 @@
                 </a:rPr>
                 <a:t>IPA</a:t>
               </a:r>
-              <a:endParaRPr lang="de-DE" sz="1600" b="1" kern="0" dirty="0" smtClean="0">
-                <a:ea typeface="Arial Unicode MS" pitchFamily="34" charset="-128"/>
-                <a:cs typeface="Arial Unicode MS" pitchFamily="34" charset="-128"/>
-              </a:endParaRPr>
             </a:p>
           </p:txBody>
         </p:sp>
@@ -10448,23 +11711,110 @@
           <a:chExt cx="0" cy="0"/>
         </a:xfrm>
       </p:grpSpPr>
+      <p:sp>
+        <p:nvSpPr>
+          <p:cNvPr id="119" name="Rectangle 118"/>
+          <p:cNvSpPr/>
+          <p:nvPr/>
+        </p:nvSpPr>
+        <p:spPr bwMode="gray">
+          <a:xfrm>
+            <a:off x="336947" y="1773610"/>
+            <a:ext cx="2304256" cy="4608512"/>
+          </a:xfrm>
+          <a:prstGeom prst="rect">
+            <a:avLst/>
+          </a:prstGeom>
+          <a:gradFill>
+            <a:gsLst>
+              <a:gs pos="0">
+                <a:schemeClr val="bg1">
+                  <a:lumMod val="85000"/>
+                </a:schemeClr>
+              </a:gs>
+              <a:gs pos="50000">
+                <a:schemeClr val="bg1">
+                  <a:lumMod val="95000"/>
+                </a:schemeClr>
+              </a:gs>
+              <a:gs pos="100000">
+                <a:schemeClr val="bg1"/>
+              </a:gs>
+            </a:gsLst>
+            <a:lin ang="3000000" scaled="0"/>
+          </a:gradFill>
+          <a:ln w="60325" algn="ctr">
+            <a:solidFill>
+              <a:srgbClr val="FFC000"/>
+            </a:solidFill>
+            <a:miter lim="800000"/>
+            <a:headEnd/>
+            <a:tailEnd/>
+          </a:ln>
+          <a:effectLst>
+            <a:outerShdw blurRad="50800" dist="38100" dir="2700000" algn="tl" rotWithShape="0">
+              <a:prstClr val="black">
+                <a:alpha val="40000"/>
+              </a:prstClr>
+            </a:outerShdw>
+          </a:effectLst>
+        </p:spPr>
+        <p:txBody>
+          <a:bodyPr lIns="90000" tIns="72000" rIns="90000" bIns="72000" rtlCol="0" anchor="ctr"/>
+          <a:lstStyle/>
+          <a:p>
+            <a:pPr marR="0" algn="ctr" defTabSz="914400" eaLnBrk="1" fontAlgn="base" latinLnBrk="0" hangingPunct="1">
+              <a:lnSpc>
+                <a:spcPct val="100000"/>
+              </a:lnSpc>
+              <a:spcBef>
+                <a:spcPct val="50000"/>
+              </a:spcBef>
+              <a:spcAft>
+                <a:spcPct val="0"/>
+              </a:spcAft>
+              <a:buClr>
+                <a:srgbClr val="F0AB00"/>
+              </a:buClr>
+              <a:buSzPct val="80000"/>
+              <a:tabLst/>
+            </a:pPr>
+            <a:endParaRPr kumimoji="0" lang="de-DE" sz="2000" b="0" i="0" u="none" strike="noStrike" kern="0" cap="none" spc="0" normalizeH="0" baseline="0" noProof="0" dirty="0" err="1" smtClean="0">
+              <a:ln>
+                <a:noFill/>
+              </a:ln>
+              <a:effectLst/>
+              <a:uLnTx/>
+              <a:uFillTx/>
+              <a:ea typeface="Arial Unicode MS" pitchFamily="34" charset="-128"/>
+              <a:cs typeface="Arial Unicode MS" pitchFamily="34" charset="-128"/>
+            </a:endParaRPr>
+          </a:p>
+        </p:txBody>
+      </p:sp>
       <p:grpSp>
         <p:nvGrpSpPr>
-          <p:cNvPr id="39" name="Group 38"/>
+          <p:cNvPr id="83" name="Group 82"/>
           <p:cNvGrpSpPr/>
           <p:nvPr/>
         </p:nvGrpSpPr>
         <p:grpSpPr>
           <a:xfrm>
-            <a:off x="6674085" y="1341563"/>
-            <a:ext cx="2035561" cy="2173108"/>
+            <a:off x="9986019" y="1995361"/>
+            <a:ext cx="1440160" cy="1655468"/>
             <a:chOff x="467154" y="1976766"/>
-            <a:chExt cx="3118619" cy="2173108"/>
+            <a:chExt cx="3118619" cy="2202572"/>
           </a:xfrm>
+          <a:solidFill>
+            <a:schemeClr val="accent4">
+              <a:lumMod val="40000"/>
+              <a:lumOff val="60000"/>
+            </a:schemeClr>
+          </a:solidFill>
         </p:grpSpPr>
         <p:sp>
           <p:nvSpPr>
-            <p:cNvPr id="40" name="Snip Single Corner Rectangle 39"/>
+            <p:cNvPr id="84" name="Snip Single Corner Rectangle 83"/>
             <p:cNvSpPr/>
             <p:nvPr/>
           </p:nvSpPr>
@@ -10477,9 +11827,8 @@
               <a:avLst/>
             </a:prstGeom>
             <a:solidFill>
-              <a:schemeClr val="accent2">
-                <a:lumMod val="40000"/>
-                <a:lumOff val="60000"/>
+              <a:schemeClr val="bg1">
+                <a:lumMod val="75000"/>
               </a:schemeClr>
             </a:solidFill>
             <a:ln w="6350" algn="ctr">
@@ -10529,7 +11878,7 @@
         </p:sp>
         <p:sp>
           <p:nvSpPr>
-            <p:cNvPr id="41" name="Right Triangle 40"/>
+            <p:cNvPr id="85" name="Right Triangle 84"/>
             <p:cNvSpPr/>
             <p:nvPr/>
           </p:nvSpPr>
@@ -10597,14 +11946,14 @@
         </p:sp>
         <p:sp>
           <p:nvSpPr>
-            <p:cNvPr id="42" name="TextBox 41"/>
+            <p:cNvPr id="86" name="TextBox 85"/>
             <p:cNvSpPr txBox="1"/>
             <p:nvPr/>
           </p:nvSpPr>
           <p:spPr>
             <a:xfrm>
-              <a:off x="467154" y="2116875"/>
-              <a:ext cx="1014048" cy="246221"/>
+              <a:off x="467154" y="2127375"/>
+              <a:ext cx="1014049" cy="225220"/>
             </a:xfrm>
             <a:prstGeom prst="rect">
               <a:avLst/>
@@ -10639,13 +11988,13 @@
                 <a:buSzPct val="80000"/>
               </a:pPr>
               <a:r>
-                <a:rPr lang="de-DE" sz="1600" b="1" kern="0" dirty="0" smtClean="0">
+                <a:rPr lang="de-DE" sz="1100" b="1" kern="0" dirty="0" smtClean="0">
                   <a:ea typeface="Arial Unicode MS" pitchFamily="34" charset="-128"/>
                   <a:cs typeface="Arial Unicode MS" pitchFamily="34" charset="-128"/>
                 </a:rPr>
-                <a:t>PLIST</a:t>
+                <a:t>HTML</a:t>
               </a:r>
-              <a:endParaRPr lang="de-DE" sz="1600" b="1" kern="0" dirty="0" smtClean="0">
+              <a:endParaRPr lang="de-DE" sz="1100" b="1" kern="0" dirty="0" smtClean="0">
                 <a:ea typeface="Arial Unicode MS" pitchFamily="34" charset="-128"/>
                 <a:cs typeface="Arial Unicode MS" pitchFamily="34" charset="-128"/>
               </a:endParaRPr>
@@ -10654,22 +12003,19 @@
         </p:sp>
         <p:sp>
           <p:nvSpPr>
-            <p:cNvPr id="43" name="Rectangle 42"/>
+            <p:cNvPr id="87" name="Rectangle 86"/>
             <p:cNvSpPr/>
             <p:nvPr/>
           </p:nvSpPr>
           <p:spPr>
             <a:xfrm>
-              <a:off x="696987" y="3565099"/>
-              <a:ext cx="2880320" cy="584775"/>
+              <a:off x="696988" y="3565101"/>
+              <a:ext cx="2880320" cy="614237"/>
             </a:xfrm>
             <a:prstGeom prst="rect">
               <a:avLst/>
             </a:prstGeom>
             <a:noFill/>
-            <a:ln>
-              <a:noFill/>
-            </a:ln>
           </p:spPr>
           <p:txBody>
             <a:bodyPr wrap="square" lIns="91440" tIns="45720" rIns="91440" bIns="45720">
@@ -10679,11 +12025,11 @@
             <a:p>
               <a:pPr algn="ctr"/>
               <a:r>
-                <a:rPr lang="en-US" sz="3200" b="1" cap="none" spc="0" dirty="0" smtClean="0">
+                <a:rPr lang="en-US" sz="2400" b="1" cap="none" spc="0" dirty="0" smtClean="0">
                   <a:ln w="12700" cmpd="sng">
                     <a:solidFill>
-                      <a:schemeClr val="accent2">
-                        <a:lumMod val="75000"/>
+                      <a:schemeClr val="bg2">
+                        <a:lumMod val="25000"/>
                       </a:schemeClr>
                     </a:solidFill>
                     <a:prstDash val="solid"/>
@@ -10702,586 +12048,11 @@
                 </a:rPr>
                 <a:t>&lt;/&gt;</a:t>
               </a:r>
-              <a:endParaRPr lang="en-US" sz="3200" b="1" cap="none" spc="0" dirty="0">
+              <a:endParaRPr lang="en-US" sz="2400" b="1" cap="none" spc="0" dirty="0">
                 <a:ln w="12700" cmpd="sng">
                   <a:solidFill>
-                    <a:schemeClr val="accent2">
-                      <a:lumMod val="75000"/>
-                    </a:schemeClr>
-                  </a:solidFill>
-                  <a:prstDash val="solid"/>
-                </a:ln>
-                <a:solidFill>
-                  <a:srgbClr val="FFFFFF"/>
-                </a:solidFill>
-                <a:effectLst>
-                  <a:outerShdw blurRad="50800" dist="38100" dir="2700000" algn="tl" rotWithShape="0">
-                    <a:prstClr val="black">
-                      <a:alpha val="40000"/>
-                    </a:prstClr>
-                  </a:outerShdw>
-                  <a:reflection blurRad="6350" stA="60000" endA="900" endPos="58000" dist="177800" dir="5400000" sy="-100000" algn="bl" rotWithShape="0"/>
-                </a:effectLst>
-              </a:endParaRPr>
-            </a:p>
-          </p:txBody>
-        </p:sp>
-      </p:grpSp>
-      <p:grpSp>
-        <p:nvGrpSpPr>
-          <p:cNvPr id="44" name="Group 43"/>
-          <p:cNvGrpSpPr/>
-          <p:nvPr/>
-        </p:nvGrpSpPr>
-        <p:grpSpPr>
-          <a:xfrm>
-            <a:off x="9290989" y="1356803"/>
-            <a:ext cx="2035561" cy="2173108"/>
-            <a:chOff x="467154" y="1976766"/>
-            <a:chExt cx="3118619" cy="2173108"/>
-          </a:xfrm>
-        </p:grpSpPr>
-        <p:sp>
-          <p:nvSpPr>
-            <p:cNvPr id="45" name="Snip Single Corner Rectangle 44"/>
-            <p:cNvSpPr/>
-            <p:nvPr/>
-          </p:nvSpPr>
-          <p:spPr bwMode="gray">
-            <a:xfrm>
-              <a:off x="696987" y="1984386"/>
-              <a:ext cx="2880320" cy="2165488"/>
-            </a:xfrm>
-            <a:prstGeom prst="snip1Rect">
-              <a:avLst/>
-            </a:prstGeom>
-            <a:solidFill>
-              <a:schemeClr val="accent1"/>
-            </a:solidFill>
-            <a:ln w="6350" algn="ctr">
-              <a:solidFill>
-                <a:schemeClr val="tx1"/>
-              </a:solidFill>
-              <a:miter lim="800000"/>
-              <a:headEnd/>
-              <a:tailEnd/>
-            </a:ln>
-            <a:effectLst>
-              <a:reflection blurRad="6350" stA="52000" endA="300" endPos="35000" dir="5400000" sy="-100000" algn="bl" rotWithShape="0"/>
-            </a:effectLst>
-          </p:spPr>
-          <p:txBody>
-            <a:bodyPr lIns="90000" tIns="72000" rIns="90000" bIns="72000" rtlCol="0" anchor="ctr"/>
-            <a:lstStyle/>
-            <a:p>
-              <a:pPr marR="0" algn="ctr" defTabSz="914400" eaLnBrk="1" fontAlgn="base" latinLnBrk="0" hangingPunct="1">
-                <a:lnSpc>
-                  <a:spcPct val="100000"/>
-                </a:lnSpc>
-                <a:spcBef>
-                  <a:spcPct val="50000"/>
-                </a:spcBef>
-                <a:spcAft>
-                  <a:spcPct val="0"/>
-                </a:spcAft>
-                <a:buClr>
-                  <a:srgbClr val="F0AB00"/>
-                </a:buClr>
-                <a:buSzPct val="80000"/>
-                <a:tabLst/>
-              </a:pPr>
-              <a:endParaRPr kumimoji="0" lang="de-DE" sz="2000" b="0" i="0" u="none" strike="noStrike" kern="0" cap="none" spc="0" normalizeH="0" baseline="0" noProof="0" dirty="0" err="1" smtClean="0">
-                <a:ln>
-                  <a:noFill/>
-                </a:ln>
-                <a:effectLst/>
-                <a:uLnTx/>
-                <a:uFillTx/>
-                <a:ea typeface="Arial Unicode MS" pitchFamily="34" charset="-128"/>
-                <a:cs typeface="Arial Unicode MS" pitchFamily="34" charset="-128"/>
-              </a:endParaRPr>
-            </a:p>
-          </p:txBody>
-        </p:sp>
-        <p:sp>
-          <p:nvSpPr>
-            <p:cNvPr id="46" name="Right Triangle 45"/>
-            <p:cNvSpPr/>
-            <p:nvPr/>
-          </p:nvSpPr>
-          <p:spPr bwMode="gray">
-            <a:xfrm>
-              <a:off x="3089383" y="1976766"/>
-              <a:ext cx="496390" cy="324000"/>
-            </a:xfrm>
-            <a:prstGeom prst="rtTriangle">
-              <a:avLst/>
-            </a:prstGeom>
-            <a:solidFill>
-              <a:schemeClr val="accent1">
-                <a:lumMod val="40000"/>
-                <a:lumOff val="60000"/>
-              </a:schemeClr>
-            </a:solidFill>
-            <a:ln w="6350" algn="ctr">
-              <a:solidFill>
-                <a:schemeClr val="tx1"/>
-              </a:solidFill>
-              <a:miter lim="800000"/>
-              <a:headEnd/>
-              <a:tailEnd/>
-            </a:ln>
-            <a:effectLst>
-              <a:outerShdw blurRad="50800" dir="8100000" sx="110000" sy="110000" algn="tr" rotWithShape="0">
-                <a:prstClr val="black">
-                  <a:alpha val="40000"/>
-                </a:prstClr>
-              </a:outerShdw>
-            </a:effectLst>
-          </p:spPr>
-          <p:txBody>
-            <a:bodyPr lIns="90000" tIns="72000" rIns="90000" bIns="72000" rtlCol="0" anchor="ctr"/>
-            <a:lstStyle/>
-            <a:p>
-              <a:pPr marR="0" algn="ctr" defTabSz="914400" eaLnBrk="1" fontAlgn="base" latinLnBrk="0" hangingPunct="1">
-                <a:lnSpc>
-                  <a:spcPct val="100000"/>
-                </a:lnSpc>
-                <a:spcBef>
-                  <a:spcPct val="50000"/>
-                </a:spcBef>
-                <a:spcAft>
-                  <a:spcPct val="0"/>
-                </a:spcAft>
-                <a:buClr>
-                  <a:srgbClr val="F0AB00"/>
-                </a:buClr>
-                <a:buSzPct val="80000"/>
-                <a:tabLst/>
-              </a:pPr>
-              <a:endParaRPr kumimoji="0" lang="de-DE" sz="2000" b="0" i="0" u="none" strike="noStrike" kern="0" cap="none" spc="0" normalizeH="0" baseline="0" noProof="0" dirty="0" err="1" smtClean="0">
-                <a:ln>
-                  <a:noFill/>
-                </a:ln>
-                <a:effectLst/>
-                <a:uLnTx/>
-                <a:uFillTx/>
-                <a:ea typeface="Arial Unicode MS" pitchFamily="34" charset="-128"/>
-                <a:cs typeface="Arial Unicode MS" pitchFamily="34" charset="-128"/>
-              </a:endParaRPr>
-            </a:p>
-          </p:txBody>
-        </p:sp>
-        <p:sp>
-          <p:nvSpPr>
-            <p:cNvPr id="47" name="TextBox 46"/>
-            <p:cNvSpPr txBox="1"/>
-            <p:nvPr/>
-          </p:nvSpPr>
-          <p:spPr>
-            <a:xfrm>
-              <a:off x="467154" y="2116875"/>
-              <a:ext cx="1014048" cy="246221"/>
-            </a:xfrm>
-            <a:prstGeom prst="rect">
-              <a:avLst/>
-            </a:prstGeom>
-            <a:solidFill>
-              <a:schemeClr val="accent1">
-                <a:lumMod val="40000"/>
-                <a:lumOff val="60000"/>
-              </a:schemeClr>
-            </a:solidFill>
-            <a:ln>
-              <a:solidFill>
-                <a:schemeClr val="tx1"/>
-              </a:solidFill>
-            </a:ln>
-          </p:spPr>
-          <p:txBody>
-            <a:bodyPr wrap="square" lIns="0" tIns="0" rIns="0" bIns="0" rtlCol="0" anchor="ctr" anchorCtr="0">
-              <a:spAutoFit/>
-            </a:bodyPr>
-            <a:lstStyle/>
-            <a:p>
-              <a:pPr algn="ctr" fontAlgn="base">
-                <a:spcBef>
-                  <a:spcPct val="50000"/>
-                </a:spcBef>
-                <a:spcAft>
-                  <a:spcPct val="0"/>
-                </a:spcAft>
-                <a:buClr>
-                  <a:srgbClr val="F0AB00"/>
-                </a:buClr>
-                <a:buSzPct val="80000"/>
-              </a:pPr>
-              <a:r>
-                <a:rPr lang="de-DE" sz="1600" b="1" kern="0" dirty="0" smtClean="0">
-                  <a:ea typeface="Arial Unicode MS" pitchFamily="34" charset="-128"/>
-                  <a:cs typeface="Arial Unicode MS" pitchFamily="34" charset="-128"/>
-                </a:rPr>
-                <a:t>IPA</a:t>
-              </a:r>
-              <a:endParaRPr lang="de-DE" sz="1600" b="1" kern="0" dirty="0" smtClean="0">
-                <a:ea typeface="Arial Unicode MS" pitchFamily="34" charset="-128"/>
-                <a:cs typeface="Arial Unicode MS" pitchFamily="34" charset="-128"/>
-              </a:endParaRPr>
-            </a:p>
-          </p:txBody>
-        </p:sp>
-        <p:sp>
-          <p:nvSpPr>
-            <p:cNvPr id="48" name="Rectangle 47"/>
-            <p:cNvSpPr/>
-            <p:nvPr/>
-          </p:nvSpPr>
-          <p:spPr>
-            <a:xfrm>
-              <a:off x="696987" y="3565099"/>
-              <a:ext cx="2880320" cy="584775"/>
-            </a:xfrm>
-            <a:prstGeom prst="rect">
-              <a:avLst/>
-            </a:prstGeom>
-            <a:noFill/>
-          </p:spPr>
-          <p:txBody>
-            <a:bodyPr wrap="square" lIns="91440" tIns="45720" rIns="91440" bIns="45720">
-              <a:spAutoFit/>
-            </a:bodyPr>
-            <a:lstStyle/>
-            <a:p>
-              <a:pPr algn="ctr"/>
-              <a:r>
-                <a:rPr lang="en-US" sz="3200" b="1" cap="none" spc="0" dirty="0" smtClean="0">
-                  <a:ln w="12700" cmpd="sng">
-                    <a:gradFill>
-                      <a:gsLst>
-                        <a:gs pos="25000">
-                          <a:schemeClr val="accent1">
-                            <a:shade val="25000"/>
-                            <a:satMod val="190000"/>
-                          </a:schemeClr>
-                        </a:gs>
-                        <a:gs pos="80000">
-                          <a:schemeClr val="accent1">
-                            <a:tint val="75000"/>
-                            <a:satMod val="190000"/>
-                          </a:schemeClr>
-                        </a:gs>
-                      </a:gsLst>
-                      <a:lin ang="5400000"/>
-                    </a:gradFill>
-                    <a:prstDash val="solid"/>
-                  </a:ln>
-                  <a:solidFill>
-                    <a:srgbClr val="FFFFFF"/>
-                  </a:solidFill>
-                  <a:effectLst>
-                    <a:outerShdw blurRad="50800" dist="38100" dir="2700000" algn="tl" rotWithShape="0">
-                      <a:prstClr val="black">
-                        <a:alpha val="40000"/>
-                      </a:prstClr>
-                    </a:outerShdw>
-                    <a:reflection blurRad="6350" stA="60000" endA="900" endPos="58000" dist="177800" dir="5400000" sy="-100000" algn="bl" rotWithShape="0"/>
-                  </a:effectLst>
-                </a:rPr>
-                <a:t>0100010</a:t>
-              </a:r>
-              <a:endParaRPr lang="en-US" sz="3200" b="1" cap="none" spc="0" dirty="0">
-                <a:ln w="12700" cmpd="sng">
-                  <a:gradFill>
-                    <a:gsLst>
-                      <a:gs pos="25000">
-                        <a:schemeClr val="accent1">
-                          <a:shade val="25000"/>
-                          <a:satMod val="190000"/>
-                        </a:schemeClr>
-                      </a:gs>
-                      <a:gs pos="80000">
-                        <a:schemeClr val="accent1">
-                          <a:tint val="75000"/>
-                          <a:satMod val="190000"/>
-                        </a:schemeClr>
-                      </a:gs>
-                    </a:gsLst>
-                    <a:lin ang="5400000"/>
-                  </a:gradFill>
-                  <a:prstDash val="solid"/>
-                </a:ln>
-                <a:solidFill>
-                  <a:srgbClr val="FFFFFF"/>
-                </a:solidFill>
-                <a:effectLst>
-                  <a:outerShdw blurRad="50800" dist="38100" dir="2700000" algn="tl" rotWithShape="0">
-                    <a:prstClr val="black">
-                      <a:alpha val="40000"/>
-                    </a:prstClr>
-                  </a:outerShdw>
-                  <a:reflection blurRad="6350" stA="60000" endA="900" endPos="58000" dist="177800" dir="5400000" sy="-100000" algn="bl" rotWithShape="0"/>
-                </a:effectLst>
-              </a:endParaRPr>
-            </a:p>
-          </p:txBody>
-        </p:sp>
-      </p:grpSp>
-      <p:grpSp>
-        <p:nvGrpSpPr>
-          <p:cNvPr id="1033" name="Group 1032"/>
-          <p:cNvGrpSpPr/>
-          <p:nvPr/>
-        </p:nvGrpSpPr>
-        <p:grpSpPr>
-          <a:xfrm>
-            <a:off x="4081363" y="1333943"/>
-            <a:ext cx="2035561" cy="2173108"/>
-            <a:chOff x="467154" y="1976766"/>
-            <a:chExt cx="3118619" cy="2173108"/>
-          </a:xfrm>
-        </p:grpSpPr>
-        <p:sp>
-          <p:nvSpPr>
-            <p:cNvPr id="54" name="Snip Single Corner Rectangle 53"/>
-            <p:cNvSpPr/>
-            <p:nvPr/>
-          </p:nvSpPr>
-          <p:spPr bwMode="gray">
-            <a:xfrm>
-              <a:off x="696987" y="1984386"/>
-              <a:ext cx="2880320" cy="2165488"/>
-            </a:xfrm>
-            <a:prstGeom prst="snip1Rect">
-              <a:avLst/>
-            </a:prstGeom>
-            <a:solidFill>
-              <a:schemeClr val="accent2">
-                <a:lumMod val="40000"/>
-                <a:lumOff val="60000"/>
-              </a:schemeClr>
-            </a:solidFill>
-            <a:ln w="6350" algn="ctr">
-              <a:solidFill>
-                <a:schemeClr val="tx1"/>
-              </a:solidFill>
-              <a:miter lim="800000"/>
-              <a:headEnd/>
-              <a:tailEnd/>
-            </a:ln>
-            <a:effectLst>
-              <a:reflection blurRad="6350" stA="52000" endA="300" endPos="35000" dir="5400000" sy="-100000" algn="bl" rotWithShape="0"/>
-            </a:effectLst>
-          </p:spPr>
-          <p:txBody>
-            <a:bodyPr lIns="90000" tIns="72000" rIns="90000" bIns="72000" rtlCol="0" anchor="ctr"/>
-            <a:lstStyle/>
-            <a:p>
-              <a:pPr marR="0" algn="ctr" defTabSz="914400" eaLnBrk="1" fontAlgn="base" latinLnBrk="0" hangingPunct="1">
-                <a:lnSpc>
-                  <a:spcPct val="100000"/>
-                </a:lnSpc>
-                <a:spcBef>
-                  <a:spcPct val="50000"/>
-                </a:spcBef>
-                <a:spcAft>
-                  <a:spcPct val="0"/>
-                </a:spcAft>
-                <a:buClr>
-                  <a:srgbClr val="F0AB00"/>
-                </a:buClr>
-                <a:buSzPct val="80000"/>
-                <a:tabLst/>
-              </a:pPr>
-              <a:endParaRPr kumimoji="0" lang="de-DE" sz="2000" b="0" i="0" u="none" strike="noStrike" kern="0" cap="none" spc="0" normalizeH="0" baseline="0" noProof="0" dirty="0" err="1" smtClean="0">
-                <a:ln>
-                  <a:noFill/>
-                </a:ln>
-                <a:effectLst/>
-                <a:uLnTx/>
-                <a:uFillTx/>
-                <a:ea typeface="Arial Unicode MS" pitchFamily="34" charset="-128"/>
-                <a:cs typeface="Arial Unicode MS" pitchFamily="34" charset="-128"/>
-              </a:endParaRPr>
-            </a:p>
-          </p:txBody>
-        </p:sp>
-        <p:sp>
-          <p:nvSpPr>
-            <p:cNvPr id="55" name="Right Triangle 54"/>
-            <p:cNvSpPr/>
-            <p:nvPr/>
-          </p:nvSpPr>
-          <p:spPr bwMode="gray">
-            <a:xfrm>
-              <a:off x="3089383" y="1976766"/>
-              <a:ext cx="496390" cy="324000"/>
-            </a:xfrm>
-            <a:prstGeom prst="rtTriangle">
-              <a:avLst/>
-            </a:prstGeom>
-            <a:solidFill>
-              <a:schemeClr val="bg1">
-                <a:lumMod val="95000"/>
-              </a:schemeClr>
-            </a:solidFill>
-            <a:ln w="6350" algn="ctr">
-              <a:solidFill>
-                <a:schemeClr val="tx1"/>
-              </a:solidFill>
-              <a:miter lim="800000"/>
-              <a:headEnd/>
-              <a:tailEnd/>
-            </a:ln>
-            <a:effectLst>
-              <a:outerShdw blurRad="50800" dir="8100000" sx="110000" sy="110000" algn="tr" rotWithShape="0">
-                <a:prstClr val="black">
-                  <a:alpha val="40000"/>
-                </a:prstClr>
-              </a:outerShdw>
-            </a:effectLst>
-          </p:spPr>
-          <p:txBody>
-            <a:bodyPr lIns="90000" tIns="72000" rIns="90000" bIns="72000" rtlCol="0" anchor="ctr"/>
-            <a:lstStyle/>
-            <a:p>
-              <a:pPr marR="0" algn="ctr" defTabSz="914400" eaLnBrk="1" fontAlgn="base" latinLnBrk="0" hangingPunct="1">
-                <a:lnSpc>
-                  <a:spcPct val="100000"/>
-                </a:lnSpc>
-                <a:spcBef>
-                  <a:spcPct val="50000"/>
-                </a:spcBef>
-                <a:spcAft>
-                  <a:spcPct val="0"/>
-                </a:spcAft>
-                <a:buClr>
-                  <a:srgbClr val="F0AB00"/>
-                </a:buClr>
-                <a:buSzPct val="80000"/>
-                <a:tabLst/>
-              </a:pPr>
-              <a:endParaRPr kumimoji="0" lang="de-DE" sz="2000" b="0" i="0" u="none" strike="noStrike" kern="0" cap="none" spc="0" normalizeH="0" baseline="0" noProof="0" dirty="0" err="1" smtClean="0">
-                <a:ln>
-                  <a:noFill/>
-                </a:ln>
-                <a:effectLst/>
-                <a:uLnTx/>
-                <a:uFillTx/>
-                <a:ea typeface="Arial Unicode MS" pitchFamily="34" charset="-128"/>
-                <a:cs typeface="Arial Unicode MS" pitchFamily="34" charset="-128"/>
-              </a:endParaRPr>
-            </a:p>
-          </p:txBody>
-        </p:sp>
-        <p:sp>
-          <p:nvSpPr>
-            <p:cNvPr id="56" name="TextBox 55"/>
-            <p:cNvSpPr txBox="1"/>
-            <p:nvPr/>
-          </p:nvSpPr>
-          <p:spPr>
-            <a:xfrm>
-              <a:off x="467154" y="2116875"/>
-              <a:ext cx="1014048" cy="246221"/>
-            </a:xfrm>
-            <a:prstGeom prst="rect">
-              <a:avLst/>
-            </a:prstGeom>
-            <a:solidFill>
-              <a:schemeClr val="bg1">
-                <a:lumMod val="95000"/>
-              </a:schemeClr>
-            </a:solidFill>
-            <a:ln>
-              <a:solidFill>
-                <a:schemeClr val="tx1"/>
-              </a:solidFill>
-            </a:ln>
-          </p:spPr>
-          <p:txBody>
-            <a:bodyPr wrap="square" lIns="0" tIns="0" rIns="0" bIns="0" rtlCol="0" anchor="ctr" anchorCtr="0">
-              <a:spAutoFit/>
-            </a:bodyPr>
-            <a:lstStyle/>
-            <a:p>
-              <a:pPr algn="ctr" fontAlgn="base">
-                <a:spcBef>
-                  <a:spcPct val="50000"/>
-                </a:spcBef>
-                <a:spcAft>
-                  <a:spcPct val="0"/>
-                </a:spcAft>
-                <a:buClr>
-                  <a:srgbClr val="F0AB00"/>
-                </a:buClr>
-                <a:buSzPct val="80000"/>
-              </a:pPr>
-              <a:r>
-                <a:rPr lang="de-DE" sz="1600" b="1" kern="0" dirty="0" smtClean="0">
-                  <a:ea typeface="Arial Unicode MS" pitchFamily="34" charset="-128"/>
-                  <a:cs typeface="Arial Unicode MS" pitchFamily="34" charset="-128"/>
-                </a:rPr>
-                <a:t>HTML</a:t>
-              </a:r>
-              <a:endParaRPr lang="de-DE" sz="1600" b="1" kern="0" dirty="0" smtClean="0">
-                <a:ea typeface="Arial Unicode MS" pitchFamily="34" charset="-128"/>
-                <a:cs typeface="Arial Unicode MS" pitchFamily="34" charset="-128"/>
-              </a:endParaRPr>
-            </a:p>
-          </p:txBody>
-        </p:sp>
-        <p:sp>
-          <p:nvSpPr>
-            <p:cNvPr id="57" name="Rectangle 56"/>
-            <p:cNvSpPr/>
-            <p:nvPr/>
-          </p:nvSpPr>
-          <p:spPr>
-            <a:xfrm>
-              <a:off x="696987" y="3565099"/>
-              <a:ext cx="2880320" cy="584775"/>
-            </a:xfrm>
-            <a:prstGeom prst="rect">
-              <a:avLst/>
-            </a:prstGeom>
-            <a:noFill/>
-          </p:spPr>
-          <p:txBody>
-            <a:bodyPr wrap="square" lIns="91440" tIns="45720" rIns="91440" bIns="45720">
-              <a:spAutoFit/>
-            </a:bodyPr>
-            <a:lstStyle/>
-            <a:p>
-              <a:pPr algn="ctr"/>
-              <a:r>
-                <a:rPr lang="en-US" sz="3200" b="1" cap="none" spc="0" dirty="0" smtClean="0">
-                  <a:ln w="12700" cmpd="sng">
-                    <a:solidFill>
-                      <a:schemeClr val="accent2">
-                        <a:lumMod val="75000"/>
-                      </a:schemeClr>
-                    </a:solidFill>
-                    <a:prstDash val="solid"/>
-                  </a:ln>
-                  <a:solidFill>
-                    <a:srgbClr val="FFFFFF"/>
-                  </a:solidFill>
-                  <a:effectLst>
-                    <a:outerShdw blurRad="50800" dist="38100" dir="2700000" algn="tl" rotWithShape="0">
-                      <a:prstClr val="black">
-                        <a:alpha val="40000"/>
-                      </a:prstClr>
-                    </a:outerShdw>
-                    <a:reflection blurRad="6350" stA="60000" endA="900" endPos="58000" dist="177800" dir="5400000" sy="-100000" algn="bl" rotWithShape="0"/>
-                  </a:effectLst>
-                </a:rPr>
-                <a:t>&lt;/&gt;</a:t>
-              </a:r>
-              <a:endParaRPr lang="en-US" sz="3200" b="1" cap="none" spc="0" dirty="0">
-                <a:ln w="12700" cmpd="sng">
-                  <a:solidFill>
-                    <a:schemeClr val="accent2">
-                      <a:lumMod val="75000"/>
+                    <a:schemeClr val="bg2">
+                      <a:lumMod val="25000"/>
                     </a:schemeClr>
                   </a:solidFill>
                   <a:prstDash val="solid"/>
@@ -11319,7 +12090,11 @@
           <a:p>
             <a:r>
               <a:rPr lang="de-DE" dirty="0" smtClean="0"/>
-              <a:t>OTA Service</a:t>
+              <a:t>OTA </a:t>
+            </a:r>
+            <a:r>
+              <a:rPr lang="de-DE" dirty="0" smtClean="0"/>
+              <a:t>Service</a:t>
             </a:r>
             <a:endParaRPr lang="de-DE" dirty="0"/>
           </a:p>
@@ -11333,8 +12108,8 @@
         </p:nvSpPr>
         <p:spPr bwMode="gray">
           <a:xfrm>
-            <a:off x="4225379" y="5229994"/>
-            <a:ext cx="6835519" cy="1080120"/>
+            <a:off x="5127575" y="3045149"/>
+            <a:ext cx="1930405" cy="1752796"/>
           </a:xfrm>
           <a:prstGeom prst="rect">
             <a:avLst/>
@@ -11344,7 +12119,7 @@
               <a:lumMod val="75000"/>
             </a:schemeClr>
           </a:solidFill>
-          <a:ln>
+          <a:ln cap="rnd">
             <a:solidFill>
               <a:schemeClr val="tx2">
                 <a:lumMod val="50000"/>
@@ -11410,16 +12185,6 @@
               </a:rPr>
               <a:t>OTA Service</a:t>
             </a:r>
-            <a:endParaRPr kumimoji="0" lang="de-DE" sz="3200" b="1" i="0" u="none" strike="noStrike" kern="0" cap="none" spc="0" normalizeH="0" baseline="0" noProof="0" dirty="0" smtClean="0">
-              <a:ln>
-                <a:noFill/>
-              </a:ln>
-              <a:effectLst/>
-              <a:uLnTx/>
-              <a:uFillTx/>
-              <a:ea typeface="Arial Unicode MS" pitchFamily="34" charset="-128"/>
-              <a:cs typeface="Arial Unicode MS" pitchFamily="34" charset="-128"/>
-            </a:endParaRPr>
           </a:p>
         </p:txBody>
       </p:sp>
@@ -11431,10 +12196,10 @@
         </p:nvGrpSpPr>
         <p:grpSpPr>
           <a:xfrm>
-            <a:off x="5091425" y="4845204"/>
-            <a:ext cx="718130" cy="384790"/>
-            <a:chOff x="2029135" y="4845204"/>
-            <a:chExt cx="718130" cy="384790"/>
+            <a:off x="5881563" y="2417756"/>
+            <a:ext cx="428002" cy="616714"/>
+            <a:chOff x="1925954" y="4613280"/>
+            <a:chExt cx="428002" cy="616714"/>
           </a:xfrm>
         </p:grpSpPr>
         <p:grpSp>
@@ -11558,7 +12323,7 @@
           </p:nvSpPr>
           <p:spPr>
             <a:xfrm>
-              <a:off x="2319263" y="4869954"/>
+              <a:off x="1925954" y="4613280"/>
               <a:ext cx="428002" cy="184666"/>
             </a:xfrm>
             <a:prstGeom prst="rect">
@@ -11596,31 +12361,22 @@
                 </a:rPr>
                 <a:t>HTML</a:t>
               </a:r>
-              <a:endParaRPr lang="de-DE" sz="1200" b="1" kern="0" dirty="0" smtClean="0">
-                <a:solidFill>
-                  <a:schemeClr val="tx2">
-                    <a:lumMod val="50000"/>
-                  </a:schemeClr>
-                </a:solidFill>
-                <a:ea typeface="Arial Unicode MS" pitchFamily="34" charset="-128"/>
-                <a:cs typeface="Arial Unicode MS" pitchFamily="34" charset="-128"/>
-              </a:endParaRPr>
             </a:p>
           </p:txBody>
         </p:sp>
       </p:grpSp>
       <p:grpSp>
         <p:nvGrpSpPr>
-          <p:cNvPr id="32" name="Group 31"/>
+          <p:cNvPr id="12" name="Group 11"/>
           <p:cNvGrpSpPr/>
           <p:nvPr/>
         </p:nvGrpSpPr>
         <p:grpSpPr>
-          <a:xfrm>
-            <a:off x="7681763" y="4845204"/>
-            <a:ext cx="727748" cy="384790"/>
-            <a:chOff x="2029135" y="4845204"/>
-            <a:chExt cx="727748" cy="384790"/>
+          <a:xfrm rot="16200000">
+            <a:off x="7093675" y="3484206"/>
+            <a:ext cx="485957" cy="557347"/>
+            <a:chOff x="7681763" y="4701188"/>
+            <a:chExt cx="485957" cy="557347"/>
           </a:xfrm>
         </p:grpSpPr>
         <p:grpSp>
@@ -11631,23 +12387,21 @@
           </p:nvGrpSpPr>
           <p:grpSpPr>
             <a:xfrm>
-              <a:off x="2029135" y="4845204"/>
+              <a:off x="7681763" y="4701188"/>
               <a:ext cx="216024" cy="384790"/>
-              <a:chOff x="2029135" y="4845204"/>
+              <a:chOff x="2029135" y="4701188"/>
               <a:chExt cx="216024" cy="384790"/>
             </a:xfrm>
           </p:grpSpPr>
           <p:cxnSp>
             <p:nvCxnSpPr>
               <p:cNvPr id="35" name="Straight Connector 34"/>
-              <p:cNvCxnSpPr>
-                <a:endCxn id="36" idx="4"/>
-              </p:cNvCxnSpPr>
+              <p:cNvCxnSpPr/>
               <p:nvPr/>
             </p:nvCxnSpPr>
             <p:spPr>
               <a:xfrm flipV="1">
-                <a:off x="2137147" y="5061228"/>
+                <a:off x="2137147" y="4701188"/>
                 <a:ext cx="0" cy="168766"/>
               </a:xfrm>
               <a:prstGeom prst="line">
@@ -11684,7 +12438,7 @@
             </p:nvSpPr>
             <p:spPr bwMode="gray">
               <a:xfrm>
-                <a:off x="2029135" y="4845204"/>
+                <a:off x="2029135" y="4869954"/>
                 <a:ext cx="216024" cy="216024"/>
               </a:xfrm>
               <a:prstGeom prst="ellipse">
@@ -11743,8 +12497,8 @@
             <p:nvPr/>
           </p:nvSpPr>
           <p:spPr>
-            <a:xfrm>
-              <a:off x="2319263" y="4869954"/>
+            <a:xfrm rot="5400000">
+              <a:off x="7856577" y="4947392"/>
               <a:ext cx="437620" cy="184666"/>
             </a:xfrm>
             <a:prstGeom prst="rect">
@@ -11782,15 +12536,6 @@
                 </a:rPr>
                 <a:t>PLIST</a:t>
               </a:r>
-              <a:endParaRPr lang="de-DE" sz="1200" b="1" kern="0" dirty="0" smtClean="0">
-                <a:solidFill>
-                  <a:schemeClr val="tx2">
-                    <a:lumMod val="50000"/>
-                  </a:schemeClr>
-                </a:solidFill>
-                <a:ea typeface="Arial Unicode MS" pitchFamily="34" charset="-128"/>
-                <a:cs typeface="Arial Unicode MS" pitchFamily="34" charset="-128"/>
-              </a:endParaRPr>
             </a:p>
           </p:txBody>
         </p:sp>
@@ -11803,10 +12548,10 @@
         </p:nvGrpSpPr>
         <p:grpSpPr>
           <a:xfrm>
-            <a:off x="696987" y="1364423"/>
-            <a:ext cx="2035561" cy="2173108"/>
+            <a:off x="696988" y="1989634"/>
+            <a:ext cx="1440160" cy="1655468"/>
             <a:chOff x="467154" y="1976766"/>
-            <a:chExt cx="3118619" cy="2173108"/>
+            <a:chExt cx="3118619" cy="2202572"/>
           </a:xfrm>
           <a:solidFill>
             <a:schemeClr val="accent4">
@@ -11954,8 +12699,8 @@
           </p:nvSpPr>
           <p:spPr>
             <a:xfrm>
-              <a:off x="467154" y="2116875"/>
-              <a:ext cx="1014048" cy="246221"/>
+              <a:off x="467154" y="2127375"/>
+              <a:ext cx="1014049" cy="225220"/>
             </a:xfrm>
             <a:prstGeom prst="rect">
               <a:avLst/>
@@ -11991,16 +12736,12 @@
                 <a:buSzPct val="80000"/>
               </a:pPr>
               <a:r>
-                <a:rPr lang="de-DE" sz="1600" b="1" kern="0" dirty="0" smtClean="0">
+                <a:rPr lang="de-DE" sz="1100" b="1" kern="0" dirty="0" smtClean="0">
                   <a:ea typeface="Arial Unicode MS" pitchFamily="34" charset="-128"/>
                   <a:cs typeface="Arial Unicode MS" pitchFamily="34" charset="-128"/>
                 </a:rPr>
                 <a:t>HTML</a:t>
               </a:r>
-              <a:endParaRPr lang="de-DE" sz="1600" b="1" kern="0" dirty="0" smtClean="0">
-                <a:ea typeface="Arial Unicode MS" pitchFamily="34" charset="-128"/>
-                <a:cs typeface="Arial Unicode MS" pitchFamily="34" charset="-128"/>
-              </a:endParaRPr>
             </a:p>
           </p:txBody>
         </p:sp>
@@ -12012,8 +12753,8 @@
           </p:nvSpPr>
           <p:spPr>
             <a:xfrm>
-              <a:off x="696987" y="3565099"/>
-              <a:ext cx="2880320" cy="584775"/>
+              <a:off x="696988" y="3565100"/>
+              <a:ext cx="2880320" cy="614238"/>
             </a:xfrm>
             <a:prstGeom prst="rect">
               <a:avLst/>
@@ -12028,7 +12769,7 @@
             <a:p>
               <a:pPr algn="ctr"/>
               <a:r>
-                <a:rPr lang="en-US" sz="3200" b="1" cap="none" spc="0" dirty="0" smtClean="0">
+                <a:rPr lang="en-US" sz="2400" b="1" cap="none" spc="0" dirty="0" smtClean="0">
                   <a:ln w="12700" cmpd="sng">
                     <a:gradFill>
                       <a:gsLst>
@@ -12063,7 +12804,7 @@
                 </a:rPr>
                 <a:t>&lt;/&gt;</a:t>
               </a:r>
-              <a:endParaRPr lang="en-US" sz="3200" b="1" cap="none" spc="0" dirty="0">
+              <a:endParaRPr lang="en-US" sz="2400" b="1" cap="none" spc="0" dirty="0">
                 <a:ln w="12700" cmpd="sng">
                   <a:gradFill>
                     <a:gsLst>
@@ -12108,8 +12849,8 @@
         </p:nvSpPr>
         <p:spPr bwMode="gray">
           <a:xfrm>
-            <a:off x="4474822" y="2248211"/>
-            <a:ext cx="1421182" cy="352191"/>
+            <a:off x="10224200" y="2878057"/>
+            <a:ext cx="1083346" cy="263705"/>
           </a:xfrm>
           <a:prstGeom prst="rect">
             <a:avLst/>
@@ -12163,7 +12904,7 @@
               <a:tabLst/>
             </a:pPr>
             <a:r>
-              <a:rPr kumimoji="0" lang="de-DE" sz="1600" b="1" i="0" u="none" strike="noStrike" kern="0" cap="none" spc="0" normalizeH="0" baseline="0" noProof="0" dirty="0" err="1" smtClean="0">
+              <a:rPr kumimoji="0" lang="de-DE" sz="1200" b="1" i="0" u="none" strike="noStrike" kern="0" cap="none" spc="0" normalizeH="0" baseline="0" noProof="0" dirty="0" err="1" smtClean="0">
                 <a:ln>
                   <a:noFill/>
                 </a:ln>
@@ -12176,7 +12917,7 @@
               <a:t>Install</a:t>
             </a:r>
             <a:r>
-              <a:rPr kumimoji="0" lang="de-DE" sz="1600" b="1" i="0" u="none" strike="noStrike" kern="0" cap="none" spc="0" normalizeH="0" noProof="0" dirty="0" smtClean="0">
+              <a:rPr kumimoji="0" lang="de-DE" sz="1200" b="1" i="0" u="none" strike="noStrike" kern="0" cap="none" spc="0" normalizeH="0" noProof="0" dirty="0" smtClean="0">
                 <a:ln>
                   <a:noFill/>
                 </a:ln>
@@ -12189,7 +12930,7 @@
               <a:t> </a:t>
             </a:r>
             <a:r>
-              <a:rPr kumimoji="0" lang="de-DE" sz="1600" b="1" i="0" u="none" strike="noStrike" kern="0" cap="none" spc="0" normalizeH="0" baseline="0" noProof="0" dirty="0" smtClean="0">
+              <a:rPr kumimoji="0" lang="de-DE" sz="1200" b="1" i="0" u="none" strike="noStrike" kern="0" cap="none" spc="0" normalizeH="0" baseline="0" noProof="0" dirty="0" smtClean="0">
                 <a:ln>
                   <a:noFill/>
                 </a:ln>
@@ -12201,291 +12942,9 @@
               </a:rPr>
               <a:t>Link</a:t>
             </a:r>
-            <a:endParaRPr kumimoji="0" lang="de-DE" sz="1600" b="1" i="0" u="none" strike="noStrike" kern="0" cap="none" spc="0" normalizeH="0" baseline="0" noProof="0" dirty="0" smtClean="0">
-              <a:ln>
-                <a:noFill/>
-              </a:ln>
-              <a:effectLst/>
-              <a:uLnTx/>
-              <a:uFillTx/>
-              <a:ea typeface="Arial Unicode MS" pitchFamily="34" charset="-128"/>
-              <a:cs typeface="Arial Unicode MS" pitchFamily="34" charset="-128"/>
-            </a:endParaRPr>
           </a:p>
         </p:txBody>
       </p:sp>
-      <p:cxnSp>
-        <p:nvCxnSpPr>
-          <p:cNvPr id="58" name="Straight Arrow Connector 57"/>
-          <p:cNvCxnSpPr/>
-          <p:nvPr/>
-        </p:nvCxnSpPr>
-        <p:spPr>
-          <a:xfrm>
-            <a:off x="2281163" y="2997745"/>
-            <a:ext cx="2664296" cy="1800201"/>
-          </a:xfrm>
-          <a:prstGeom prst="straightConnector1">
-            <a:avLst/>
-          </a:prstGeom>
-          <a:ln w="38100">
-            <a:solidFill>
-              <a:schemeClr val="tx2">
-                <a:lumMod val="75000"/>
-              </a:schemeClr>
-            </a:solidFill>
-            <a:round/>
-            <a:tailEnd type="arrow"/>
-          </a:ln>
-          <a:effectLst>
-            <a:outerShdw blurRad="50800" dist="38100" dir="2700000" algn="tl" rotWithShape="0">
-              <a:prstClr val="black">
-                <a:alpha val="40000"/>
-              </a:prstClr>
-            </a:outerShdw>
-          </a:effectLst>
-        </p:spPr>
-        <p:style>
-          <a:lnRef idx="1">
-            <a:schemeClr val="accent1"/>
-          </a:lnRef>
-          <a:fillRef idx="0">
-            <a:schemeClr val="accent1"/>
-          </a:fillRef>
-          <a:effectRef idx="0">
-            <a:schemeClr val="accent1"/>
-          </a:effectRef>
-          <a:fontRef idx="minor">
-            <a:schemeClr val="tx1"/>
-          </a:fontRef>
-        </p:style>
-      </p:cxnSp>
-      <p:cxnSp>
-        <p:nvCxnSpPr>
-          <p:cNvPr id="60" name="Straight Arrow Connector 59"/>
-          <p:cNvCxnSpPr/>
-          <p:nvPr/>
-        </p:nvCxnSpPr>
-        <p:spPr>
-          <a:xfrm flipH="1" flipV="1">
-            <a:off x="5185413" y="3645818"/>
-            <a:ext cx="14024" cy="1080120"/>
-          </a:xfrm>
-          <a:prstGeom prst="straightConnector1">
-            <a:avLst/>
-          </a:prstGeom>
-          <a:ln w="38100">
-            <a:solidFill>
-              <a:schemeClr val="tx2">
-                <a:lumMod val="75000"/>
-              </a:schemeClr>
-            </a:solidFill>
-            <a:round/>
-            <a:tailEnd type="arrow"/>
-          </a:ln>
-          <a:effectLst>
-            <a:outerShdw blurRad="50800" dist="38100" dir="2700000" algn="tl" rotWithShape="0">
-              <a:prstClr val="black">
-                <a:alpha val="40000"/>
-              </a:prstClr>
-            </a:outerShdw>
-          </a:effectLst>
-        </p:spPr>
-        <p:style>
-          <a:lnRef idx="1">
-            <a:schemeClr val="accent1"/>
-          </a:lnRef>
-          <a:fillRef idx="0">
-            <a:schemeClr val="accent1"/>
-          </a:fillRef>
-          <a:effectRef idx="0">
-            <a:schemeClr val="accent1"/>
-          </a:effectRef>
-          <a:fontRef idx="minor">
-            <a:schemeClr val="tx1"/>
-          </a:fontRef>
-        </p:style>
-      </p:cxnSp>
-      <p:cxnSp>
-        <p:nvCxnSpPr>
-          <p:cNvPr id="66" name="Straight Arrow Connector 65"/>
-          <p:cNvCxnSpPr/>
-          <p:nvPr/>
-        </p:nvCxnSpPr>
-        <p:spPr>
-          <a:xfrm flipH="1" flipV="1">
-            <a:off x="7764110" y="3645818"/>
-            <a:ext cx="14024" cy="1080120"/>
-          </a:xfrm>
-          <a:prstGeom prst="straightConnector1">
-            <a:avLst/>
-          </a:prstGeom>
-          <a:ln w="38100">
-            <a:solidFill>
-              <a:schemeClr val="tx2">
-                <a:lumMod val="75000"/>
-              </a:schemeClr>
-            </a:solidFill>
-            <a:round/>
-            <a:tailEnd type="arrow"/>
-          </a:ln>
-          <a:effectLst>
-            <a:outerShdw blurRad="50800" dist="38100" dir="2700000" algn="tl" rotWithShape="0">
-              <a:prstClr val="black">
-                <a:alpha val="40000"/>
-              </a:prstClr>
-            </a:outerShdw>
-          </a:effectLst>
-        </p:spPr>
-        <p:style>
-          <a:lnRef idx="1">
-            <a:schemeClr val="accent1"/>
-          </a:lnRef>
-          <a:fillRef idx="0">
-            <a:schemeClr val="accent1"/>
-          </a:fillRef>
-          <a:effectRef idx="0">
-            <a:schemeClr val="accent1"/>
-          </a:effectRef>
-          <a:fontRef idx="minor">
-            <a:schemeClr val="tx1"/>
-          </a:fontRef>
-        </p:style>
-      </p:cxnSp>
-      <p:sp>
-        <p:nvSpPr>
-          <p:cNvPr id="67" name="Rectangle 66"/>
-          <p:cNvSpPr/>
-          <p:nvPr/>
-        </p:nvSpPr>
-        <p:spPr bwMode="gray">
-          <a:xfrm>
-            <a:off x="7060531" y="2278691"/>
-            <a:ext cx="1421182" cy="352191"/>
-          </a:xfrm>
-          <a:prstGeom prst="rect">
-            <a:avLst/>
-          </a:prstGeom>
-          <a:ln>
-            <a:headEnd/>
-            <a:tailEnd/>
-          </a:ln>
-          <a:effectLst>
-            <a:outerShdw blurRad="50800" dist="38100" dir="2700000" algn="tl" rotWithShape="0">
-              <a:prstClr val="black">
-                <a:alpha val="40000"/>
-              </a:prstClr>
-            </a:outerShdw>
-          </a:effectLst>
-        </p:spPr>
-        <p:style>
-          <a:lnRef idx="2">
-            <a:schemeClr val="accent3">
-              <a:shade val="50000"/>
-            </a:schemeClr>
-          </a:lnRef>
-          <a:fillRef idx="1">
-            <a:schemeClr val="accent3"/>
-          </a:fillRef>
-          <a:effectRef idx="0">
-            <a:schemeClr val="accent3"/>
-          </a:effectRef>
-          <a:fontRef idx="minor">
-            <a:schemeClr val="lt1"/>
-          </a:fontRef>
-        </p:style>
-        <p:txBody>
-          <a:bodyPr lIns="90000" tIns="72000" rIns="90000" bIns="72000" rtlCol="0" anchor="ctr"/>
-          <a:lstStyle/>
-          <a:p>
-            <a:pPr marR="0" algn="ctr" defTabSz="914400" eaLnBrk="1" fontAlgn="base" latinLnBrk="0" hangingPunct="1">
-              <a:lnSpc>
-                <a:spcPct val="100000"/>
-              </a:lnSpc>
-              <a:spcBef>
-                <a:spcPct val="50000"/>
-              </a:spcBef>
-              <a:spcAft>
-                <a:spcPct val="0"/>
-              </a:spcAft>
-              <a:buClr>
-                <a:srgbClr val="F0AB00"/>
-              </a:buClr>
-              <a:buSzPct val="80000"/>
-              <a:tabLst/>
-            </a:pPr>
-            <a:r>
-              <a:rPr kumimoji="0" lang="de-DE" sz="1600" b="1" i="0" u="none" strike="noStrike" kern="0" cap="none" spc="0" normalizeH="0" baseline="0" noProof="0" dirty="0" smtClean="0">
-                <a:ln>
-                  <a:noFill/>
-                </a:ln>
-                <a:effectLst/>
-                <a:uLnTx/>
-                <a:uFillTx/>
-                <a:ea typeface="Arial Unicode MS" pitchFamily="34" charset="-128"/>
-                <a:cs typeface="Arial Unicode MS" pitchFamily="34" charset="-128"/>
-              </a:rPr>
-              <a:t>IPA URL</a:t>
-            </a:r>
-            <a:endParaRPr kumimoji="0" lang="de-DE" sz="1600" b="1" i="0" u="none" strike="noStrike" kern="0" cap="none" spc="0" normalizeH="0" baseline="0" noProof="0" dirty="0" smtClean="0">
-              <a:ln>
-                <a:noFill/>
-              </a:ln>
-              <a:effectLst/>
-              <a:uLnTx/>
-              <a:uFillTx/>
-              <a:ea typeface="Arial Unicode MS" pitchFamily="34" charset="-128"/>
-              <a:cs typeface="Arial Unicode MS" pitchFamily="34" charset="-128"/>
-            </a:endParaRPr>
-          </a:p>
-        </p:txBody>
-      </p:sp>
-      <p:cxnSp>
-        <p:nvCxnSpPr>
-          <p:cNvPr id="68" name="Straight Arrow Connector 67"/>
-          <p:cNvCxnSpPr/>
-          <p:nvPr/>
-        </p:nvCxnSpPr>
-        <p:spPr>
-          <a:xfrm>
-            <a:off x="5595554" y="2709714"/>
-            <a:ext cx="1942194" cy="2088232"/>
-          </a:xfrm>
-          <a:prstGeom prst="straightConnector1">
-            <a:avLst/>
-          </a:prstGeom>
-          <a:ln w="38100">
-            <a:solidFill>
-              <a:schemeClr val="tx2">
-                <a:lumMod val="75000"/>
-              </a:schemeClr>
-            </a:solidFill>
-            <a:round/>
-            <a:tailEnd type="arrow"/>
-          </a:ln>
-          <a:effectLst>
-            <a:outerShdw blurRad="50800" dist="38100" dir="2700000" algn="tl" rotWithShape="0">
-              <a:prstClr val="black">
-                <a:alpha val="40000"/>
-              </a:prstClr>
-            </a:outerShdw>
-          </a:effectLst>
-        </p:spPr>
-        <p:style>
-          <a:lnRef idx="1">
-            <a:schemeClr val="accent1"/>
-          </a:lnRef>
-          <a:fillRef idx="0">
-            <a:schemeClr val="accent1"/>
-          </a:fillRef>
-          <a:effectRef idx="0">
-            <a:schemeClr val="accent1"/>
-          </a:effectRef>
-          <a:fontRef idx="minor">
-            <a:schemeClr val="tx1"/>
-          </a:fontRef>
-        </p:style>
-      </p:cxnSp>
       <p:sp>
         <p:nvSpPr>
           <p:cNvPr id="74" name="Rectangle 73"/>
@@ -12494,8 +12953,8 @@
         </p:nvSpPr>
         <p:spPr bwMode="gray">
           <a:xfrm>
-            <a:off x="1076421" y="1917626"/>
-            <a:ext cx="1421182" cy="1080119"/>
+            <a:off x="989211" y="2404154"/>
+            <a:ext cx="946112" cy="720876"/>
           </a:xfrm>
           <a:prstGeom prst="rect">
             <a:avLst/>
@@ -12559,7 +13018,7 @@
               <a:tabLst/>
             </a:pPr>
             <a:r>
-              <a:rPr kumimoji="0" lang="de-DE" sz="1600" b="1" i="0" u="none" strike="noStrike" kern="0" cap="none" spc="0" normalizeH="0" baseline="0" noProof="0" dirty="0" smtClean="0">
+              <a:rPr kumimoji="0" lang="de-DE" sz="1200" b="1" i="0" u="none" strike="noStrike" kern="0" cap="none" spc="0" normalizeH="0" baseline="0" noProof="0" dirty="0" smtClean="0">
                 <a:ln>
                   <a:noFill/>
                 </a:ln>
@@ -12577,7 +13036,7 @@
               <a:t>&lt;</a:t>
             </a:r>
             <a:r>
-              <a:rPr kumimoji="0" lang="de-DE" sz="1600" b="1" i="0" u="none" strike="noStrike" kern="0" cap="none" spc="0" normalizeH="0" baseline="0" noProof="0" dirty="0" err="1" smtClean="0">
+              <a:rPr kumimoji="0" lang="de-DE" sz="1200" b="1" i="0" u="none" strike="noStrike" kern="0" cap="none" spc="0" normalizeH="0" baseline="0" noProof="0" dirty="0" err="1" smtClean="0">
                 <a:ln>
                   <a:noFill/>
                 </a:ln>
@@ -12595,7 +13054,7 @@
               <a:t>iframe</a:t>
             </a:r>
             <a:r>
-              <a:rPr kumimoji="0" lang="de-DE" sz="1600" b="1" i="0" u="none" strike="noStrike" kern="0" cap="none" spc="0" normalizeH="0" baseline="0" noProof="0" dirty="0" smtClean="0">
+              <a:rPr kumimoji="0" lang="de-DE" sz="1200" b="1" i="0" u="none" strike="noStrike" kern="0" cap="none" spc="0" normalizeH="0" baseline="0" noProof="0" dirty="0" smtClean="0">
                 <a:ln>
                   <a:noFill/>
                 </a:ln>
@@ -12612,37 +13071,21 @@
               </a:rPr>
               <a:t>/&gt;</a:t>
             </a:r>
-            <a:endParaRPr kumimoji="0" lang="de-DE" sz="1600" b="1" i="0" u="none" strike="noStrike" kern="0" cap="none" spc="0" normalizeH="0" baseline="0" noProof="0" dirty="0" smtClean="0">
-              <a:ln>
-                <a:noFill/>
-              </a:ln>
-              <a:solidFill>
-                <a:schemeClr val="tx2">
-                  <a:lumMod val="50000"/>
-                </a:schemeClr>
-              </a:solidFill>
-              <a:effectLst/>
-              <a:uLnTx/>
-              <a:uFillTx/>
-              <a:ea typeface="Arial Unicode MS" pitchFamily="34" charset="-128"/>
-              <a:cs typeface="Arial Unicode MS" pitchFamily="34" charset="-128"/>
-            </a:endParaRPr>
           </a:p>
         </p:txBody>
       </p:sp>
       <p:cxnSp>
         <p:nvCxnSpPr>
-          <p:cNvPr id="77" name="Straight Arrow Connector 76"/>
+          <p:cNvPr id="59" name="Straight Arrow Connector 58"/>
           <p:cNvCxnSpPr>
-            <a:stCxn id="67" idx="3"/>
-            <a:endCxn id="45" idx="2"/>
+            <a:stCxn id="74" idx="3"/>
           </p:cNvCxnSpPr>
           <p:nvPr/>
         </p:nvCxnSpPr>
         <p:spPr>
-          <a:xfrm flipV="1">
-            <a:off x="8481713" y="2447167"/>
-            <a:ext cx="959291" cy="7620"/>
+          <a:xfrm>
+            <a:off x="1935323" y="2764592"/>
+            <a:ext cx="3946240" cy="0"/>
           </a:xfrm>
           <a:prstGeom prst="straightConnector1">
             <a:avLst/>
@@ -12679,10 +13122,1168 @@
           </a:fontRef>
         </p:style>
       </p:cxnSp>
+      <p:cxnSp>
+        <p:nvCxnSpPr>
+          <p:cNvPr id="61" name="Straight Arrow Connector 60"/>
+          <p:cNvCxnSpPr/>
+          <p:nvPr/>
+        </p:nvCxnSpPr>
+        <p:spPr>
+          <a:xfrm>
+            <a:off x="6385619" y="2759198"/>
+            <a:ext cx="3528392" cy="0"/>
+          </a:xfrm>
+          <a:prstGeom prst="straightConnector1">
+            <a:avLst/>
+          </a:prstGeom>
+          <a:ln w="38100">
+            <a:solidFill>
+              <a:schemeClr val="tx2">
+                <a:lumMod val="75000"/>
+              </a:schemeClr>
+            </a:solidFill>
+            <a:round/>
+            <a:tailEnd type="arrow"/>
+          </a:ln>
+          <a:effectLst>
+            <a:outerShdw blurRad="50800" dist="38100" dir="2700000" algn="tl" rotWithShape="0">
+              <a:prstClr val="black">
+                <a:alpha val="40000"/>
+              </a:prstClr>
+            </a:outerShdw>
+          </a:effectLst>
+        </p:spPr>
+        <p:style>
+          <a:lnRef idx="1">
+            <a:schemeClr val="accent1"/>
+          </a:lnRef>
+          <a:fillRef idx="0">
+            <a:schemeClr val="accent1"/>
+          </a:fillRef>
+          <a:effectRef idx="0">
+            <a:schemeClr val="accent1"/>
+          </a:effectRef>
+          <a:fontRef idx="minor">
+            <a:schemeClr val="tx1"/>
+          </a:fontRef>
+        </p:style>
+      </p:cxnSp>
+      <p:cxnSp>
+        <p:nvCxnSpPr>
+          <p:cNvPr id="63" name="Straight Arrow Connector 62"/>
+          <p:cNvCxnSpPr>
+            <a:stCxn id="9" idx="1"/>
+          </p:cNvCxnSpPr>
+          <p:nvPr/>
+        </p:nvCxnSpPr>
+        <p:spPr>
+          <a:xfrm flipH="1">
+            <a:off x="7537747" y="3009910"/>
+            <a:ext cx="2686453" cy="851932"/>
+          </a:xfrm>
+          <a:prstGeom prst="straightConnector1">
+            <a:avLst/>
+          </a:prstGeom>
+          <a:ln w="38100">
+            <a:solidFill>
+              <a:schemeClr val="tx2">
+                <a:lumMod val="75000"/>
+              </a:schemeClr>
+            </a:solidFill>
+            <a:round/>
+            <a:tailEnd type="arrow"/>
+          </a:ln>
+          <a:effectLst>
+            <a:outerShdw blurRad="50800" dist="38100" dir="2700000" algn="tl" rotWithShape="0">
+              <a:prstClr val="black">
+                <a:alpha val="40000"/>
+              </a:prstClr>
+            </a:outerShdw>
+          </a:effectLst>
+        </p:spPr>
+        <p:style>
+          <a:lnRef idx="1">
+            <a:schemeClr val="accent1"/>
+          </a:lnRef>
+          <a:fillRef idx="0">
+            <a:schemeClr val="accent1"/>
+          </a:fillRef>
+          <a:effectRef idx="0">
+            <a:schemeClr val="accent1"/>
+          </a:effectRef>
+          <a:fontRef idx="minor">
+            <a:schemeClr val="tx1"/>
+          </a:fontRef>
+        </p:style>
+      </p:cxnSp>
+      <p:cxnSp>
+        <p:nvCxnSpPr>
+          <p:cNvPr id="64" name="Straight Arrow Connector 63"/>
+          <p:cNvCxnSpPr/>
+          <p:nvPr/>
+        </p:nvCxnSpPr>
+        <p:spPr>
+          <a:xfrm>
+            <a:off x="7537747" y="3933850"/>
+            <a:ext cx="2448272" cy="720080"/>
+          </a:xfrm>
+          <a:prstGeom prst="straightConnector1">
+            <a:avLst/>
+          </a:prstGeom>
+          <a:ln w="38100">
+            <a:solidFill>
+              <a:schemeClr val="tx2">
+                <a:lumMod val="75000"/>
+              </a:schemeClr>
+            </a:solidFill>
+            <a:round/>
+            <a:tailEnd type="arrow"/>
+          </a:ln>
+          <a:effectLst>
+            <a:outerShdw blurRad="50800" dist="38100" dir="2700000" algn="tl" rotWithShape="0">
+              <a:prstClr val="black">
+                <a:alpha val="40000"/>
+              </a:prstClr>
+            </a:outerShdw>
+          </a:effectLst>
+        </p:spPr>
+        <p:style>
+          <a:lnRef idx="1">
+            <a:schemeClr val="accent1"/>
+          </a:lnRef>
+          <a:fillRef idx="0">
+            <a:schemeClr val="accent1"/>
+          </a:fillRef>
+          <a:effectRef idx="0">
+            <a:schemeClr val="accent1"/>
+          </a:effectRef>
+          <a:fontRef idx="minor">
+            <a:schemeClr val="tx1"/>
+          </a:fontRef>
+        </p:style>
+      </p:cxnSp>
+      <p:sp>
+        <p:nvSpPr>
+          <p:cNvPr id="69" name="TextBox 68"/>
+          <p:cNvSpPr txBox="1"/>
+          <p:nvPr/>
+        </p:nvSpPr>
+        <p:spPr>
+          <a:xfrm>
+            <a:off x="3865339" y="2540437"/>
+            <a:ext cx="1734449" cy="169277"/>
+          </a:xfrm>
+          <a:prstGeom prst="rect">
+            <a:avLst/>
+          </a:prstGeom>
+          <a:noFill/>
+        </p:spPr>
+        <p:txBody>
+          <a:bodyPr wrap="none" lIns="0" tIns="0" rIns="0" bIns="0" rtlCol="0">
+            <a:spAutoFit/>
+          </a:bodyPr>
+          <a:lstStyle/>
+          <a:p>
+            <a:pPr fontAlgn="base">
+              <a:spcBef>
+                <a:spcPct val="50000"/>
+              </a:spcBef>
+              <a:spcAft>
+                <a:spcPct val="0"/>
+              </a:spcAft>
+              <a:buClr>
+                <a:srgbClr val="F0AB00"/>
+              </a:buClr>
+              <a:buSzPct val="80000"/>
+            </a:pPr>
+            <a:r>
+              <a:rPr lang="de-DE" sz="1100" b="1" kern="0" dirty="0" smtClean="0">
+                <a:solidFill>
+                  <a:schemeClr val="tx2">
+                    <a:lumMod val="50000"/>
+                  </a:schemeClr>
+                </a:solidFill>
+                <a:ea typeface="Arial Unicode MS" pitchFamily="34" charset="-128"/>
+                <a:cs typeface="Arial Unicode MS" pitchFamily="34" charset="-128"/>
+              </a:rPr>
+              <a:t>App Parameters + </a:t>
+            </a:r>
+            <a:r>
+              <a:rPr lang="de-DE" sz="1100" b="1" kern="0" dirty="0" err="1" smtClean="0">
+                <a:solidFill>
+                  <a:srgbClr val="FFC000"/>
+                </a:solidFill>
+                <a:ea typeface="Arial Unicode MS" pitchFamily="34" charset="-128"/>
+                <a:cs typeface="Arial Unicode MS" pitchFamily="34" charset="-128"/>
+              </a:rPr>
+              <a:t>Referer</a:t>
+            </a:r>
+            <a:endParaRPr lang="de-DE" sz="1100" b="1" kern="0" dirty="0" smtClean="0">
+              <a:solidFill>
+                <a:srgbClr val="FFC000"/>
+              </a:solidFill>
+              <a:ea typeface="Arial Unicode MS" pitchFamily="34" charset="-128"/>
+              <a:cs typeface="Arial Unicode MS" pitchFamily="34" charset="-128"/>
+            </a:endParaRPr>
+          </a:p>
+        </p:txBody>
+      </p:sp>
+      <p:sp>
+        <p:nvSpPr>
+          <p:cNvPr id="70" name="TextBox 69"/>
+          <p:cNvSpPr txBox="1"/>
+          <p:nvPr/>
+        </p:nvSpPr>
+        <p:spPr>
+          <a:xfrm rot="20538618">
+            <a:off x="7942535" y="3205154"/>
+            <a:ext cx="1734449" cy="169277"/>
+          </a:xfrm>
+          <a:prstGeom prst="rect">
+            <a:avLst/>
+          </a:prstGeom>
+          <a:noFill/>
+        </p:spPr>
+        <p:txBody>
+          <a:bodyPr wrap="none" lIns="0" tIns="0" rIns="0" bIns="0" rtlCol="0">
+            <a:spAutoFit/>
+          </a:bodyPr>
+          <a:lstStyle/>
+          <a:p>
+            <a:pPr fontAlgn="base">
+              <a:spcBef>
+                <a:spcPct val="50000"/>
+              </a:spcBef>
+              <a:spcAft>
+                <a:spcPct val="0"/>
+              </a:spcAft>
+              <a:buClr>
+                <a:srgbClr val="F0AB00"/>
+              </a:buClr>
+              <a:buSzPct val="80000"/>
+            </a:pPr>
+            <a:r>
+              <a:rPr lang="de-DE" sz="1100" b="1" kern="0" dirty="0" smtClean="0">
+                <a:solidFill>
+                  <a:schemeClr val="tx2">
+                    <a:lumMod val="50000"/>
+                  </a:schemeClr>
+                </a:solidFill>
+                <a:ea typeface="Arial Unicode MS" pitchFamily="34" charset="-128"/>
+                <a:cs typeface="Arial Unicode MS" pitchFamily="34" charset="-128"/>
+              </a:rPr>
+              <a:t>App Parameters + </a:t>
+            </a:r>
+            <a:r>
+              <a:rPr lang="de-DE" sz="1100" b="1" kern="0" dirty="0" err="1" smtClean="0">
+                <a:solidFill>
+                  <a:srgbClr val="FFC000"/>
+                </a:solidFill>
+                <a:ea typeface="Arial Unicode MS" pitchFamily="34" charset="-128"/>
+                <a:cs typeface="Arial Unicode MS" pitchFamily="34" charset="-128"/>
+              </a:rPr>
+              <a:t>Referer</a:t>
+            </a:r>
+            <a:endParaRPr lang="de-DE" sz="1100" b="1" kern="0" dirty="0" smtClean="0">
+              <a:solidFill>
+                <a:srgbClr val="FFC000"/>
+              </a:solidFill>
+              <a:ea typeface="Arial Unicode MS" pitchFamily="34" charset="-128"/>
+              <a:cs typeface="Arial Unicode MS" pitchFamily="34" charset="-128"/>
+            </a:endParaRPr>
+          </a:p>
+        </p:txBody>
+      </p:sp>
+      <p:grpSp>
+        <p:nvGrpSpPr>
+          <p:cNvPr id="78" name="Group 77"/>
+          <p:cNvGrpSpPr/>
+          <p:nvPr/>
+        </p:nvGrpSpPr>
+        <p:grpSpPr>
+          <a:xfrm>
+            <a:off x="693079" y="4150590"/>
+            <a:ext cx="1440160" cy="1655468"/>
+            <a:chOff x="467154" y="1976766"/>
+            <a:chExt cx="3118619" cy="2202572"/>
+          </a:xfrm>
+          <a:solidFill>
+            <a:schemeClr val="accent4">
+              <a:lumMod val="40000"/>
+              <a:lumOff val="60000"/>
+            </a:schemeClr>
+          </a:solidFill>
+        </p:grpSpPr>
+        <p:sp>
+          <p:nvSpPr>
+            <p:cNvPr id="79" name="Snip Single Corner Rectangle 78"/>
+            <p:cNvSpPr/>
+            <p:nvPr/>
+          </p:nvSpPr>
+          <p:spPr bwMode="gray">
+            <a:xfrm>
+              <a:off x="696987" y="1984386"/>
+              <a:ext cx="2880320" cy="2165488"/>
+            </a:xfrm>
+            <a:prstGeom prst="snip1Rect">
+              <a:avLst/>
+            </a:prstGeom>
+            <a:solidFill>
+              <a:srgbClr val="FFC000"/>
+            </a:solidFill>
+            <a:ln w="6350" algn="ctr">
+              <a:solidFill>
+                <a:schemeClr val="tx1"/>
+              </a:solidFill>
+              <a:miter lim="800000"/>
+              <a:headEnd/>
+              <a:tailEnd/>
+            </a:ln>
+            <a:effectLst>
+              <a:reflection blurRad="6350" stA="52000" endA="300" endPos="35000" dir="5400000" sy="-100000" algn="bl" rotWithShape="0"/>
+            </a:effectLst>
+          </p:spPr>
+          <p:txBody>
+            <a:bodyPr lIns="90000" tIns="72000" rIns="90000" bIns="72000" rtlCol="0" anchor="ctr"/>
+            <a:lstStyle/>
+            <a:p>
+              <a:pPr marR="0" algn="ctr" defTabSz="914400" eaLnBrk="1" fontAlgn="base" latinLnBrk="0" hangingPunct="1">
+                <a:lnSpc>
+                  <a:spcPct val="100000"/>
+                </a:lnSpc>
+                <a:spcBef>
+                  <a:spcPct val="50000"/>
+                </a:spcBef>
+                <a:spcAft>
+                  <a:spcPct val="0"/>
+                </a:spcAft>
+                <a:buClr>
+                  <a:srgbClr val="F0AB00"/>
+                </a:buClr>
+                <a:buSzPct val="80000"/>
+                <a:tabLst/>
+              </a:pPr>
+              <a:endParaRPr kumimoji="0" lang="de-DE" sz="2000" b="0" i="0" u="none" strike="noStrike" kern="0" cap="none" spc="0" normalizeH="0" baseline="0" noProof="0" dirty="0" err="1" smtClean="0">
+                <a:ln>
+                  <a:noFill/>
+                </a:ln>
+                <a:effectLst/>
+                <a:uLnTx/>
+                <a:uFillTx/>
+                <a:ea typeface="Arial Unicode MS" pitchFamily="34" charset="-128"/>
+                <a:cs typeface="Arial Unicode MS" pitchFamily="34" charset="-128"/>
+              </a:endParaRPr>
+            </a:p>
+          </p:txBody>
+        </p:sp>
+        <p:sp>
+          <p:nvSpPr>
+            <p:cNvPr id="80" name="Right Triangle 79"/>
+            <p:cNvSpPr/>
+            <p:nvPr/>
+          </p:nvSpPr>
+          <p:spPr bwMode="gray">
+            <a:xfrm>
+              <a:off x="3089383" y="1976766"/>
+              <a:ext cx="496390" cy="324000"/>
+            </a:xfrm>
+            <a:prstGeom prst="rtTriangle">
+              <a:avLst/>
+            </a:prstGeom>
+            <a:solidFill>
+              <a:schemeClr val="accent1">
+                <a:lumMod val="40000"/>
+                <a:lumOff val="60000"/>
+              </a:schemeClr>
+            </a:solidFill>
+            <a:ln w="6350" algn="ctr">
+              <a:solidFill>
+                <a:schemeClr val="tx1"/>
+              </a:solidFill>
+              <a:miter lim="800000"/>
+              <a:headEnd/>
+              <a:tailEnd/>
+            </a:ln>
+            <a:effectLst>
+              <a:outerShdw blurRad="50800" dir="8100000" sx="110000" sy="110000" algn="tr" rotWithShape="0">
+                <a:prstClr val="black">
+                  <a:alpha val="40000"/>
+                </a:prstClr>
+              </a:outerShdw>
+            </a:effectLst>
+          </p:spPr>
+          <p:txBody>
+            <a:bodyPr lIns="90000" tIns="72000" rIns="90000" bIns="72000" rtlCol="0" anchor="ctr"/>
+            <a:lstStyle/>
+            <a:p>
+              <a:pPr marR="0" algn="ctr" defTabSz="914400" eaLnBrk="1" fontAlgn="base" latinLnBrk="0" hangingPunct="1">
+                <a:lnSpc>
+                  <a:spcPct val="100000"/>
+                </a:lnSpc>
+                <a:spcBef>
+                  <a:spcPct val="50000"/>
+                </a:spcBef>
+                <a:spcAft>
+                  <a:spcPct val="0"/>
+                </a:spcAft>
+                <a:buClr>
+                  <a:srgbClr val="F0AB00"/>
+                </a:buClr>
+                <a:buSzPct val="80000"/>
+                <a:tabLst/>
+              </a:pPr>
+              <a:endParaRPr kumimoji="0" lang="de-DE" sz="2000" b="0" i="0" u="none" strike="noStrike" kern="0" cap="none" spc="0" normalizeH="0" baseline="0" noProof="0" dirty="0" err="1" smtClean="0">
+                <a:ln>
+                  <a:noFill/>
+                </a:ln>
+                <a:effectLst/>
+                <a:uLnTx/>
+                <a:uFillTx/>
+                <a:ea typeface="Arial Unicode MS" pitchFamily="34" charset="-128"/>
+                <a:cs typeface="Arial Unicode MS" pitchFamily="34" charset="-128"/>
+              </a:endParaRPr>
+            </a:p>
+          </p:txBody>
+        </p:sp>
+        <p:sp>
+          <p:nvSpPr>
+            <p:cNvPr id="81" name="TextBox 80"/>
+            <p:cNvSpPr txBox="1"/>
+            <p:nvPr/>
+          </p:nvSpPr>
+          <p:spPr>
+            <a:xfrm>
+              <a:off x="467154" y="2127375"/>
+              <a:ext cx="1014049" cy="225220"/>
+            </a:xfrm>
+            <a:prstGeom prst="rect">
+              <a:avLst/>
+            </a:prstGeom>
+            <a:solidFill>
+              <a:schemeClr val="accent1">
+                <a:lumMod val="40000"/>
+                <a:lumOff val="60000"/>
+              </a:schemeClr>
+            </a:solidFill>
+            <a:ln>
+              <a:solidFill>
+                <a:schemeClr val="tx1"/>
+              </a:solidFill>
+            </a:ln>
+          </p:spPr>
+          <p:txBody>
+            <a:bodyPr wrap="square" lIns="0" tIns="0" rIns="0" bIns="0" rtlCol="0" anchor="ctr" anchorCtr="0">
+              <a:spAutoFit/>
+            </a:bodyPr>
+            <a:lstStyle/>
+            <a:p>
+              <a:pPr algn="ctr" fontAlgn="base">
+                <a:spcBef>
+                  <a:spcPct val="50000"/>
+                </a:spcBef>
+                <a:spcAft>
+                  <a:spcPct val="0"/>
+                </a:spcAft>
+                <a:buClr>
+                  <a:srgbClr val="F0AB00"/>
+                </a:buClr>
+                <a:buSzPct val="80000"/>
+              </a:pPr>
+              <a:r>
+                <a:rPr lang="de-DE" sz="1100" b="1" kern="0" dirty="0" smtClean="0">
+                  <a:ea typeface="Arial Unicode MS" pitchFamily="34" charset="-128"/>
+                  <a:cs typeface="Arial Unicode MS" pitchFamily="34" charset="-128"/>
+                </a:rPr>
+                <a:t>IPA</a:t>
+              </a:r>
+              <a:endParaRPr lang="de-DE" sz="1100" b="1" kern="0" dirty="0" smtClean="0">
+                <a:ea typeface="Arial Unicode MS" pitchFamily="34" charset="-128"/>
+                <a:cs typeface="Arial Unicode MS" pitchFamily="34" charset="-128"/>
+              </a:endParaRPr>
+            </a:p>
+          </p:txBody>
+        </p:sp>
+        <p:sp>
+          <p:nvSpPr>
+            <p:cNvPr id="82" name="Rectangle 81"/>
+            <p:cNvSpPr/>
+            <p:nvPr/>
+          </p:nvSpPr>
+          <p:spPr>
+            <a:xfrm>
+              <a:off x="696988" y="3565101"/>
+              <a:ext cx="2880320" cy="614237"/>
+            </a:xfrm>
+            <a:prstGeom prst="rect">
+              <a:avLst/>
+            </a:prstGeom>
+            <a:noFill/>
+          </p:spPr>
+          <p:txBody>
+            <a:bodyPr wrap="square" lIns="91440" tIns="45720" rIns="91440" bIns="45720">
+              <a:spAutoFit/>
+            </a:bodyPr>
+            <a:lstStyle/>
+            <a:p>
+              <a:pPr algn="ctr"/>
+              <a:r>
+                <a:rPr lang="en-US" sz="2400" b="1" cap="none" spc="0" dirty="0" smtClean="0">
+                  <a:ln w="12700" cmpd="sng">
+                    <a:gradFill>
+                      <a:gsLst>
+                        <a:gs pos="25000">
+                          <a:schemeClr val="accent1">
+                            <a:shade val="25000"/>
+                            <a:satMod val="190000"/>
+                          </a:schemeClr>
+                        </a:gs>
+                        <a:gs pos="80000">
+                          <a:schemeClr val="accent1">
+                            <a:tint val="75000"/>
+                            <a:satMod val="190000"/>
+                          </a:schemeClr>
+                        </a:gs>
+                      </a:gsLst>
+                      <a:lin ang="5400000"/>
+                    </a:gradFill>
+                    <a:prstDash val="solid"/>
+                  </a:ln>
+                  <a:solidFill>
+                    <a:srgbClr val="FFFFFF"/>
+                  </a:solidFill>
+                  <a:effectLst>
+                    <a:outerShdw blurRad="50800" dist="38100" dir="2700000" algn="tl" rotWithShape="0">
+                      <a:prstClr val="black">
+                        <a:alpha val="40000"/>
+                      </a:prstClr>
+                    </a:outerShdw>
+                    <a:reflection blurRad="6350" stA="60000" endA="900" endPos="58000" dist="177800" dir="5400000" sy="-100000" algn="bl" rotWithShape="0"/>
+                  </a:effectLst>
+                </a:rPr>
+                <a:t>010001</a:t>
+              </a:r>
+              <a:endParaRPr lang="en-US" sz="2400" b="1" cap="none" spc="0" dirty="0">
+                <a:ln w="12700" cmpd="sng">
+                  <a:gradFill>
+                    <a:gsLst>
+                      <a:gs pos="25000">
+                        <a:schemeClr val="accent1">
+                          <a:shade val="25000"/>
+                          <a:satMod val="190000"/>
+                        </a:schemeClr>
+                      </a:gs>
+                      <a:gs pos="80000">
+                        <a:schemeClr val="accent1">
+                          <a:tint val="75000"/>
+                          <a:satMod val="190000"/>
+                        </a:schemeClr>
+                      </a:gs>
+                    </a:gsLst>
+                    <a:lin ang="5400000"/>
+                  </a:gradFill>
+                  <a:prstDash val="solid"/>
+                </a:ln>
+                <a:solidFill>
+                  <a:srgbClr val="FFFFFF"/>
+                </a:solidFill>
+                <a:effectLst>
+                  <a:outerShdw blurRad="50800" dist="38100" dir="2700000" algn="tl" rotWithShape="0">
+                    <a:prstClr val="black">
+                      <a:alpha val="40000"/>
+                    </a:prstClr>
+                  </a:outerShdw>
+                  <a:reflection blurRad="6350" stA="60000" endA="900" endPos="58000" dist="177800" dir="5400000" sy="-100000" algn="bl" rotWithShape="0"/>
+                </a:effectLst>
+              </a:endParaRPr>
+            </a:p>
+          </p:txBody>
+        </p:sp>
+      </p:grpSp>
+      <p:grpSp>
+        <p:nvGrpSpPr>
+          <p:cNvPr id="88" name="Group 87"/>
+          <p:cNvGrpSpPr/>
+          <p:nvPr/>
+        </p:nvGrpSpPr>
+        <p:grpSpPr>
+          <a:xfrm>
+            <a:off x="9986019" y="4156317"/>
+            <a:ext cx="1440160" cy="1655468"/>
+            <a:chOff x="467154" y="1976766"/>
+            <a:chExt cx="3118619" cy="2202572"/>
+          </a:xfrm>
+          <a:solidFill>
+            <a:schemeClr val="accent4">
+              <a:lumMod val="40000"/>
+              <a:lumOff val="60000"/>
+            </a:schemeClr>
+          </a:solidFill>
+        </p:grpSpPr>
+        <p:sp>
+          <p:nvSpPr>
+            <p:cNvPr id="89" name="Snip Single Corner Rectangle 88"/>
+            <p:cNvSpPr/>
+            <p:nvPr/>
+          </p:nvSpPr>
+          <p:spPr bwMode="gray">
+            <a:xfrm>
+              <a:off x="696987" y="1984386"/>
+              <a:ext cx="2880320" cy="2165488"/>
+            </a:xfrm>
+            <a:prstGeom prst="snip1Rect">
+              <a:avLst/>
+            </a:prstGeom>
+            <a:solidFill>
+              <a:schemeClr val="bg1">
+                <a:lumMod val="75000"/>
+              </a:schemeClr>
+            </a:solidFill>
+            <a:ln w="6350" algn="ctr">
+              <a:solidFill>
+                <a:schemeClr val="tx1"/>
+              </a:solidFill>
+              <a:miter lim="800000"/>
+              <a:headEnd/>
+              <a:tailEnd/>
+            </a:ln>
+            <a:effectLst>
+              <a:reflection blurRad="6350" stA="52000" endA="300" endPos="35000" dir="5400000" sy="-100000" algn="bl" rotWithShape="0"/>
+            </a:effectLst>
+          </p:spPr>
+          <p:txBody>
+            <a:bodyPr lIns="90000" tIns="72000" rIns="90000" bIns="72000" rtlCol="0" anchor="ctr"/>
+            <a:lstStyle/>
+            <a:p>
+              <a:pPr marR="0" algn="ctr" defTabSz="914400" eaLnBrk="1" fontAlgn="base" latinLnBrk="0" hangingPunct="1">
+                <a:lnSpc>
+                  <a:spcPct val="100000"/>
+                </a:lnSpc>
+                <a:spcBef>
+                  <a:spcPct val="50000"/>
+                </a:spcBef>
+                <a:spcAft>
+                  <a:spcPct val="0"/>
+                </a:spcAft>
+                <a:buClr>
+                  <a:srgbClr val="F0AB00"/>
+                </a:buClr>
+                <a:buSzPct val="80000"/>
+                <a:tabLst/>
+              </a:pPr>
+              <a:endParaRPr kumimoji="0" lang="de-DE" sz="2000" b="0" i="0" u="none" strike="noStrike" kern="0" cap="none" spc="0" normalizeH="0" baseline="0" noProof="0" dirty="0" err="1" smtClean="0">
+                <a:ln>
+                  <a:noFill/>
+                </a:ln>
+                <a:effectLst/>
+                <a:uLnTx/>
+                <a:uFillTx/>
+                <a:ea typeface="Arial Unicode MS" pitchFamily="34" charset="-128"/>
+                <a:cs typeface="Arial Unicode MS" pitchFamily="34" charset="-128"/>
+              </a:endParaRPr>
+            </a:p>
+          </p:txBody>
+        </p:sp>
+        <p:sp>
+          <p:nvSpPr>
+            <p:cNvPr id="90" name="Right Triangle 89"/>
+            <p:cNvSpPr/>
+            <p:nvPr/>
+          </p:nvSpPr>
+          <p:spPr bwMode="gray">
+            <a:xfrm>
+              <a:off x="3089383" y="1976766"/>
+              <a:ext cx="496390" cy="324000"/>
+            </a:xfrm>
+            <a:prstGeom prst="rtTriangle">
+              <a:avLst/>
+            </a:prstGeom>
+            <a:solidFill>
+              <a:schemeClr val="bg1">
+                <a:lumMod val="95000"/>
+              </a:schemeClr>
+            </a:solidFill>
+            <a:ln w="6350" algn="ctr">
+              <a:solidFill>
+                <a:schemeClr val="tx1"/>
+              </a:solidFill>
+              <a:miter lim="800000"/>
+              <a:headEnd/>
+              <a:tailEnd/>
+            </a:ln>
+            <a:effectLst>
+              <a:outerShdw blurRad="50800" dir="8100000" sx="110000" sy="110000" algn="tr" rotWithShape="0">
+                <a:prstClr val="black">
+                  <a:alpha val="40000"/>
+                </a:prstClr>
+              </a:outerShdw>
+            </a:effectLst>
+          </p:spPr>
+          <p:txBody>
+            <a:bodyPr lIns="90000" tIns="72000" rIns="90000" bIns="72000" rtlCol="0" anchor="ctr"/>
+            <a:lstStyle/>
+            <a:p>
+              <a:pPr marR="0" algn="ctr" defTabSz="914400" eaLnBrk="1" fontAlgn="base" latinLnBrk="0" hangingPunct="1">
+                <a:lnSpc>
+                  <a:spcPct val="100000"/>
+                </a:lnSpc>
+                <a:spcBef>
+                  <a:spcPct val="50000"/>
+                </a:spcBef>
+                <a:spcAft>
+                  <a:spcPct val="0"/>
+                </a:spcAft>
+                <a:buClr>
+                  <a:srgbClr val="F0AB00"/>
+                </a:buClr>
+                <a:buSzPct val="80000"/>
+                <a:tabLst/>
+              </a:pPr>
+              <a:endParaRPr kumimoji="0" lang="de-DE" sz="2000" b="0" i="0" u="none" strike="noStrike" kern="0" cap="none" spc="0" normalizeH="0" baseline="0" noProof="0" dirty="0" err="1" smtClean="0">
+                <a:ln>
+                  <a:noFill/>
+                </a:ln>
+                <a:effectLst/>
+                <a:uLnTx/>
+                <a:uFillTx/>
+                <a:ea typeface="Arial Unicode MS" pitchFamily="34" charset="-128"/>
+                <a:cs typeface="Arial Unicode MS" pitchFamily="34" charset="-128"/>
+              </a:endParaRPr>
+            </a:p>
+          </p:txBody>
+        </p:sp>
+        <p:sp>
+          <p:nvSpPr>
+            <p:cNvPr id="91" name="TextBox 90"/>
+            <p:cNvSpPr txBox="1"/>
+            <p:nvPr/>
+          </p:nvSpPr>
+          <p:spPr>
+            <a:xfrm>
+              <a:off x="467154" y="2127375"/>
+              <a:ext cx="1014049" cy="225220"/>
+            </a:xfrm>
+            <a:prstGeom prst="rect">
+              <a:avLst/>
+            </a:prstGeom>
+            <a:solidFill>
+              <a:schemeClr val="bg1">
+                <a:lumMod val="95000"/>
+              </a:schemeClr>
+            </a:solidFill>
+            <a:ln>
+              <a:solidFill>
+                <a:schemeClr val="tx1"/>
+              </a:solidFill>
+            </a:ln>
+          </p:spPr>
+          <p:txBody>
+            <a:bodyPr wrap="square" lIns="0" tIns="0" rIns="0" bIns="0" rtlCol="0" anchor="ctr" anchorCtr="0">
+              <a:spAutoFit/>
+            </a:bodyPr>
+            <a:lstStyle/>
+            <a:p>
+              <a:pPr algn="ctr" fontAlgn="base">
+                <a:spcBef>
+                  <a:spcPct val="50000"/>
+                </a:spcBef>
+                <a:spcAft>
+                  <a:spcPct val="0"/>
+                </a:spcAft>
+                <a:buClr>
+                  <a:srgbClr val="F0AB00"/>
+                </a:buClr>
+                <a:buSzPct val="80000"/>
+              </a:pPr>
+              <a:r>
+                <a:rPr lang="de-DE" sz="1100" b="1" kern="0" dirty="0" smtClean="0">
+                  <a:ea typeface="Arial Unicode MS" pitchFamily="34" charset="-128"/>
+                  <a:cs typeface="Arial Unicode MS" pitchFamily="34" charset="-128"/>
+                </a:rPr>
+                <a:t>PLIST</a:t>
+              </a:r>
+              <a:endParaRPr lang="de-DE" sz="1100" b="1" kern="0" dirty="0" smtClean="0">
+                <a:ea typeface="Arial Unicode MS" pitchFamily="34" charset="-128"/>
+                <a:cs typeface="Arial Unicode MS" pitchFamily="34" charset="-128"/>
+              </a:endParaRPr>
+            </a:p>
+          </p:txBody>
+        </p:sp>
+        <p:sp>
+          <p:nvSpPr>
+            <p:cNvPr id="92" name="Rectangle 91"/>
+            <p:cNvSpPr/>
+            <p:nvPr/>
+          </p:nvSpPr>
+          <p:spPr>
+            <a:xfrm>
+              <a:off x="696988" y="3565101"/>
+              <a:ext cx="2880320" cy="614237"/>
+            </a:xfrm>
+            <a:prstGeom prst="rect">
+              <a:avLst/>
+            </a:prstGeom>
+            <a:noFill/>
+          </p:spPr>
+          <p:txBody>
+            <a:bodyPr wrap="square" lIns="91440" tIns="45720" rIns="91440" bIns="45720">
+              <a:spAutoFit/>
+            </a:bodyPr>
+            <a:lstStyle/>
+            <a:p>
+              <a:pPr algn="ctr"/>
+              <a:r>
+                <a:rPr lang="en-US" sz="2400" b="1" cap="none" spc="0" dirty="0" smtClean="0">
+                  <a:ln w="12700" cmpd="sng">
+                    <a:solidFill>
+                      <a:schemeClr val="bg2">
+                        <a:lumMod val="25000"/>
+                      </a:schemeClr>
+                    </a:solidFill>
+                    <a:prstDash val="solid"/>
+                  </a:ln>
+                  <a:solidFill>
+                    <a:srgbClr val="FFFFFF"/>
+                  </a:solidFill>
+                  <a:effectLst>
+                    <a:outerShdw blurRad="50800" dist="38100" dir="2700000" algn="tl" rotWithShape="0">
+                      <a:prstClr val="black">
+                        <a:alpha val="40000"/>
+                      </a:prstClr>
+                    </a:outerShdw>
+                    <a:reflection blurRad="6350" stA="60000" endA="900" endPos="58000" dist="177800" dir="5400000" sy="-100000" algn="bl" rotWithShape="0"/>
+                  </a:effectLst>
+                </a:rPr>
+                <a:t>&lt;/&gt;</a:t>
+              </a:r>
+              <a:endParaRPr lang="en-US" sz="2400" b="1" cap="none" spc="0" dirty="0">
+                <a:ln w="12700" cmpd="sng">
+                  <a:solidFill>
+                    <a:schemeClr val="bg2">
+                      <a:lumMod val="25000"/>
+                    </a:schemeClr>
+                  </a:solidFill>
+                  <a:prstDash val="solid"/>
+                </a:ln>
+                <a:solidFill>
+                  <a:srgbClr val="FFFFFF"/>
+                </a:solidFill>
+                <a:effectLst>
+                  <a:outerShdw blurRad="50800" dist="38100" dir="2700000" algn="tl" rotWithShape="0">
+                    <a:prstClr val="black">
+                      <a:alpha val="40000"/>
+                    </a:prstClr>
+                  </a:outerShdw>
+                  <a:reflection blurRad="6350" stA="60000" endA="900" endPos="58000" dist="177800" dir="5400000" sy="-100000" algn="bl" rotWithShape="0"/>
+                </a:effectLst>
+              </a:endParaRPr>
+            </a:p>
+          </p:txBody>
+        </p:sp>
+      </p:grpSp>
+      <p:sp>
+        <p:nvSpPr>
+          <p:cNvPr id="103" name="Rectangle 102"/>
+          <p:cNvSpPr/>
+          <p:nvPr/>
+        </p:nvSpPr>
+        <p:spPr bwMode="gray">
+          <a:xfrm>
+            <a:off x="10219191" y="5008801"/>
+            <a:ext cx="1083346" cy="263705"/>
+          </a:xfrm>
+          <a:prstGeom prst="rect">
+            <a:avLst/>
+          </a:prstGeom>
+          <a:ln>
+            <a:headEnd/>
+            <a:tailEnd/>
+          </a:ln>
+        </p:spPr>
+        <p:style>
+          <a:lnRef idx="2">
+            <a:schemeClr val="accent1">
+              <a:shade val="50000"/>
+            </a:schemeClr>
+          </a:lnRef>
+          <a:fillRef idx="1">
+            <a:schemeClr val="accent1"/>
+          </a:fillRef>
+          <a:effectRef idx="0">
+            <a:schemeClr val="accent1"/>
+          </a:effectRef>
+          <a:fontRef idx="minor">
+            <a:schemeClr val="lt1"/>
+          </a:fontRef>
+        </p:style>
+        <p:txBody>
+          <a:bodyPr lIns="90000" tIns="72000" rIns="90000" bIns="72000" rtlCol="0" anchor="ctr"/>
+          <a:lstStyle/>
+          <a:p>
+            <a:pPr marR="0" algn="ctr" defTabSz="914400" eaLnBrk="1" fontAlgn="base" latinLnBrk="0" hangingPunct="1">
+              <a:lnSpc>
+                <a:spcPct val="100000"/>
+              </a:lnSpc>
+              <a:spcBef>
+                <a:spcPct val="50000"/>
+              </a:spcBef>
+              <a:spcAft>
+                <a:spcPct val="0"/>
+              </a:spcAft>
+              <a:buClr>
+                <a:srgbClr val="F0AB00"/>
+              </a:buClr>
+              <a:buSzPct val="80000"/>
+              <a:tabLst/>
+            </a:pPr>
+            <a:r>
+              <a:rPr kumimoji="0" lang="de-DE" sz="1200" b="1" i="0" u="none" strike="noStrike" kern="0" cap="none" spc="0" normalizeH="0" baseline="0" noProof="0" dirty="0" smtClean="0">
+                <a:ln>
+                  <a:noFill/>
+                </a:ln>
+                <a:effectLst/>
+                <a:uLnTx/>
+                <a:uFillTx/>
+                <a:ea typeface="Arial Unicode MS" pitchFamily="34" charset="-128"/>
+                <a:cs typeface="Arial Unicode MS" pitchFamily="34" charset="-128"/>
+              </a:rPr>
+              <a:t>IPA URL</a:t>
+            </a:r>
+            <a:endParaRPr kumimoji="0" lang="de-DE" sz="1200" b="1" i="0" u="none" strike="noStrike" kern="0" cap="none" spc="0" normalizeH="0" baseline="0" noProof="0" dirty="0" smtClean="0">
+              <a:ln>
+                <a:noFill/>
+              </a:ln>
+              <a:effectLst/>
+              <a:uLnTx/>
+              <a:uFillTx/>
+              <a:ea typeface="Arial Unicode MS" pitchFamily="34" charset="-128"/>
+              <a:cs typeface="Arial Unicode MS" pitchFamily="34" charset="-128"/>
+            </a:endParaRPr>
+          </a:p>
+        </p:txBody>
+      </p:sp>
+      <p:cxnSp>
+        <p:nvCxnSpPr>
+          <p:cNvPr id="65" name="Straight Arrow Connector 64"/>
+          <p:cNvCxnSpPr/>
+          <p:nvPr/>
+        </p:nvCxnSpPr>
+        <p:spPr>
+          <a:xfrm flipH="1">
+            <a:off x="2281163" y="5157986"/>
+            <a:ext cx="7938028" cy="0"/>
+          </a:xfrm>
+          <a:prstGeom prst="straightConnector1">
+            <a:avLst/>
+          </a:prstGeom>
+          <a:ln w="38100">
+            <a:solidFill>
+              <a:schemeClr val="tx2">
+                <a:lumMod val="75000"/>
+              </a:schemeClr>
+            </a:solidFill>
+            <a:round/>
+            <a:tailEnd type="arrow"/>
+          </a:ln>
+          <a:effectLst>
+            <a:outerShdw blurRad="50800" dist="38100" dir="2700000" algn="tl" rotWithShape="0">
+              <a:prstClr val="black">
+                <a:alpha val="40000"/>
+              </a:prstClr>
+            </a:outerShdw>
+          </a:effectLst>
+        </p:spPr>
+        <p:style>
+          <a:lnRef idx="1">
+            <a:schemeClr val="accent1"/>
+          </a:lnRef>
+          <a:fillRef idx="0">
+            <a:schemeClr val="accent1"/>
+          </a:fillRef>
+          <a:effectRef idx="0">
+            <a:schemeClr val="accent1"/>
+          </a:effectRef>
+          <a:fontRef idx="minor">
+            <a:schemeClr val="tx1"/>
+          </a:fontRef>
+        </p:style>
+      </p:cxnSp>
+      <p:sp>
+        <p:nvSpPr>
+          <p:cNvPr id="123" name="TextBox 122"/>
+          <p:cNvSpPr txBox="1"/>
+          <p:nvPr/>
+        </p:nvSpPr>
+        <p:spPr>
+          <a:xfrm>
+            <a:off x="336948" y="1341562"/>
+            <a:ext cx="2304256" cy="276999"/>
+          </a:xfrm>
+          <a:prstGeom prst="rect">
+            <a:avLst/>
+          </a:prstGeom>
+          <a:noFill/>
+          <a:effectLst>
+            <a:outerShdw blurRad="38100" dist="12700" dir="2700000" algn="tl" rotWithShape="0">
+              <a:prstClr val="black">
+                <a:alpha val="40000"/>
+              </a:prstClr>
+            </a:outerShdw>
+          </a:effectLst>
+        </p:spPr>
+        <p:txBody>
+          <a:bodyPr wrap="square" lIns="0" tIns="0" rIns="0" bIns="0" rtlCol="0">
+            <a:spAutoFit/>
+          </a:bodyPr>
+          <a:lstStyle/>
+          <a:p>
+            <a:pPr algn="ctr" fontAlgn="base">
+              <a:spcBef>
+                <a:spcPct val="50000"/>
+              </a:spcBef>
+              <a:spcAft>
+                <a:spcPct val="0"/>
+              </a:spcAft>
+              <a:buClr>
+                <a:srgbClr val="F0AB00"/>
+              </a:buClr>
+              <a:buSzPct val="80000"/>
+            </a:pPr>
+            <a:r>
+              <a:rPr lang="de-DE" sz="1800" b="1" kern="0" dirty="0" smtClean="0">
+                <a:latin typeface="+mn-lt"/>
+                <a:ea typeface="Arial Unicode MS" pitchFamily="34" charset="-128"/>
+                <a:cs typeface="Arial Unicode MS" pitchFamily="34" charset="-128"/>
+              </a:rPr>
+              <a:t>Web Server</a:t>
+            </a:r>
+            <a:endParaRPr lang="de-DE" sz="1800" b="1" kern="0" dirty="0" smtClean="0">
+              <a:latin typeface="+mn-lt"/>
+              <a:ea typeface="Arial Unicode MS" pitchFamily="34" charset="-128"/>
+              <a:cs typeface="Arial Unicode MS" pitchFamily="34" charset="-128"/>
+            </a:endParaRPr>
+          </a:p>
+        </p:txBody>
+      </p:sp>
+      <p:sp>
+        <p:nvSpPr>
+          <p:cNvPr id="127" name="TextBox 126"/>
+          <p:cNvSpPr txBox="1"/>
+          <p:nvPr/>
+        </p:nvSpPr>
+        <p:spPr>
+          <a:xfrm>
+            <a:off x="7726978" y="2540437"/>
+            <a:ext cx="588303" cy="169277"/>
+          </a:xfrm>
+          <a:prstGeom prst="rect">
+            <a:avLst/>
+          </a:prstGeom>
+          <a:noFill/>
+        </p:spPr>
+        <p:txBody>
+          <a:bodyPr wrap="none" lIns="0" tIns="0" rIns="0" bIns="0" rtlCol="0">
+            <a:spAutoFit/>
+          </a:bodyPr>
+          <a:lstStyle/>
+          <a:p>
+            <a:pPr fontAlgn="base">
+              <a:spcBef>
+                <a:spcPct val="50000"/>
+              </a:spcBef>
+              <a:spcAft>
+                <a:spcPct val="0"/>
+              </a:spcAft>
+              <a:buClr>
+                <a:srgbClr val="F0AB00"/>
+              </a:buClr>
+              <a:buSzPct val="80000"/>
+            </a:pPr>
+            <a:r>
+              <a:rPr lang="de-DE" sz="1100" b="1" kern="0" dirty="0" err="1">
+                <a:solidFill>
+                  <a:schemeClr val="bg2">
+                    <a:lumMod val="50000"/>
+                  </a:schemeClr>
+                </a:solidFill>
+                <a:ea typeface="Arial Unicode MS" pitchFamily="34" charset="-128"/>
+                <a:cs typeface="Arial Unicode MS" pitchFamily="34" charset="-128"/>
+              </a:rPr>
+              <a:t>generate</a:t>
+            </a:r>
+            <a:endParaRPr lang="de-DE" sz="1100" b="1" kern="0" dirty="0">
+              <a:solidFill>
+                <a:schemeClr val="bg2">
+                  <a:lumMod val="50000"/>
+                </a:schemeClr>
+              </a:solidFill>
+              <a:ea typeface="Arial Unicode MS" pitchFamily="34" charset="-128"/>
+              <a:cs typeface="Arial Unicode MS" pitchFamily="34" charset="-128"/>
+            </a:endParaRPr>
+          </a:p>
+        </p:txBody>
+      </p:sp>
+      <p:sp>
+        <p:nvSpPr>
+          <p:cNvPr id="128" name="TextBox 127"/>
+          <p:cNvSpPr txBox="1"/>
+          <p:nvPr/>
+        </p:nvSpPr>
+        <p:spPr>
+          <a:xfrm rot="1026420">
+            <a:off x="8599109" y="4101372"/>
+            <a:ext cx="588303" cy="169277"/>
+          </a:xfrm>
+          <a:prstGeom prst="rect">
+            <a:avLst/>
+          </a:prstGeom>
+          <a:noFill/>
+        </p:spPr>
+        <p:txBody>
+          <a:bodyPr wrap="none" lIns="0" tIns="0" rIns="0" bIns="0" rtlCol="0">
+            <a:spAutoFit/>
+          </a:bodyPr>
+          <a:lstStyle/>
+          <a:p>
+            <a:pPr fontAlgn="base">
+              <a:spcBef>
+                <a:spcPct val="50000"/>
+              </a:spcBef>
+              <a:spcAft>
+                <a:spcPct val="0"/>
+              </a:spcAft>
+              <a:buClr>
+                <a:srgbClr val="F0AB00"/>
+              </a:buClr>
+              <a:buSzPct val="80000"/>
+            </a:pPr>
+            <a:r>
+              <a:rPr lang="de-DE" sz="1100" b="1" kern="0" dirty="0" err="1">
+                <a:solidFill>
+                  <a:schemeClr val="bg2">
+                    <a:lumMod val="50000"/>
+                  </a:schemeClr>
+                </a:solidFill>
+                <a:ea typeface="Arial Unicode MS" pitchFamily="34" charset="-128"/>
+                <a:cs typeface="Arial Unicode MS" pitchFamily="34" charset="-128"/>
+              </a:rPr>
+              <a:t>generate</a:t>
+            </a:r>
+            <a:endParaRPr lang="de-DE" sz="1100" b="1" kern="0" dirty="0">
+              <a:solidFill>
+                <a:schemeClr val="bg2">
+                  <a:lumMod val="50000"/>
+                </a:schemeClr>
+              </a:solidFill>
+              <a:ea typeface="Arial Unicode MS" pitchFamily="34" charset="-128"/>
+              <a:cs typeface="Arial Unicode MS" pitchFamily="34" charset="-128"/>
+            </a:endParaRPr>
+          </a:p>
+        </p:txBody>
+      </p:sp>
     </p:spTree>
     <p:extLst>
       <p:ext uri="{BB962C8B-B14F-4D97-AF65-F5344CB8AC3E}">
-        <p14:creationId xmlns:p14="http://schemas.microsoft.com/office/powerpoint/2010/main" val="2828835695"/>
+        <p14:creationId xmlns:p14="http://schemas.microsoft.com/office/powerpoint/2010/main" val="62820651"/>
       </p:ext>
     </p:extLst>
   </p:cSld>
@@ -12718,6 +14319,2774 @@
       </p:grpSpPr>
       <p:sp>
         <p:nvSpPr>
+          <p:cNvPr id="119" name="Rectangle 118"/>
+          <p:cNvSpPr/>
+          <p:nvPr/>
+        </p:nvSpPr>
+        <p:spPr bwMode="gray">
+          <a:xfrm>
+            <a:off x="336947" y="1773610"/>
+            <a:ext cx="2304256" cy="4608512"/>
+          </a:xfrm>
+          <a:prstGeom prst="rect">
+            <a:avLst/>
+          </a:prstGeom>
+          <a:gradFill>
+            <a:gsLst>
+              <a:gs pos="0">
+                <a:schemeClr val="bg1">
+                  <a:lumMod val="85000"/>
+                </a:schemeClr>
+              </a:gs>
+              <a:gs pos="50000">
+                <a:schemeClr val="bg1">
+                  <a:lumMod val="95000"/>
+                </a:schemeClr>
+              </a:gs>
+              <a:gs pos="100000">
+                <a:schemeClr val="bg1"/>
+              </a:gs>
+            </a:gsLst>
+            <a:lin ang="3000000" scaled="0"/>
+          </a:gradFill>
+          <a:ln w="60325" algn="ctr">
+            <a:solidFill>
+              <a:srgbClr val="FFC000"/>
+            </a:solidFill>
+            <a:miter lim="800000"/>
+            <a:headEnd/>
+            <a:tailEnd/>
+          </a:ln>
+          <a:effectLst>
+            <a:outerShdw blurRad="50800" dist="38100" dir="2700000" algn="tl" rotWithShape="0">
+              <a:prstClr val="black">
+                <a:alpha val="40000"/>
+              </a:prstClr>
+            </a:outerShdw>
+          </a:effectLst>
+        </p:spPr>
+        <p:txBody>
+          <a:bodyPr lIns="90000" tIns="72000" rIns="90000" bIns="72000" rtlCol="0" anchor="ctr"/>
+          <a:lstStyle/>
+          <a:p>
+            <a:pPr marR="0" algn="ctr" defTabSz="914400" eaLnBrk="1" fontAlgn="base" latinLnBrk="0" hangingPunct="1">
+              <a:lnSpc>
+                <a:spcPct val="100000"/>
+              </a:lnSpc>
+              <a:spcBef>
+                <a:spcPct val="50000"/>
+              </a:spcBef>
+              <a:spcAft>
+                <a:spcPct val="0"/>
+              </a:spcAft>
+              <a:buClr>
+                <a:srgbClr val="F0AB00"/>
+              </a:buClr>
+              <a:buSzPct val="80000"/>
+              <a:tabLst/>
+            </a:pPr>
+            <a:endParaRPr kumimoji="0" lang="de-DE" sz="2000" b="0" i="0" u="none" strike="noStrike" kern="0" cap="none" spc="0" normalizeH="0" baseline="0" noProof="0" dirty="0" err="1" smtClean="0">
+              <a:ln>
+                <a:noFill/>
+              </a:ln>
+              <a:effectLst/>
+              <a:uLnTx/>
+              <a:uFillTx/>
+              <a:ea typeface="Arial Unicode MS" pitchFamily="34" charset="-128"/>
+              <a:cs typeface="Arial Unicode MS" pitchFamily="34" charset="-128"/>
+            </a:endParaRPr>
+          </a:p>
+        </p:txBody>
+      </p:sp>
+      <p:grpSp>
+        <p:nvGrpSpPr>
+          <p:cNvPr id="83" name="Group 82"/>
+          <p:cNvGrpSpPr/>
+          <p:nvPr/>
+        </p:nvGrpSpPr>
+        <p:grpSpPr>
+          <a:xfrm>
+            <a:off x="9986019" y="1995361"/>
+            <a:ext cx="1440160" cy="1655468"/>
+            <a:chOff x="467154" y="1976766"/>
+            <a:chExt cx="3118619" cy="2202572"/>
+          </a:xfrm>
+          <a:solidFill>
+            <a:schemeClr val="accent4">
+              <a:lumMod val="40000"/>
+              <a:lumOff val="60000"/>
+            </a:schemeClr>
+          </a:solidFill>
+        </p:grpSpPr>
+        <p:sp>
+          <p:nvSpPr>
+            <p:cNvPr id="84" name="Snip Single Corner Rectangle 83"/>
+            <p:cNvSpPr/>
+            <p:nvPr/>
+          </p:nvSpPr>
+          <p:spPr bwMode="gray">
+            <a:xfrm>
+              <a:off x="696987" y="1984386"/>
+              <a:ext cx="2880320" cy="2165488"/>
+            </a:xfrm>
+            <a:prstGeom prst="snip1Rect">
+              <a:avLst/>
+            </a:prstGeom>
+            <a:solidFill>
+              <a:schemeClr val="bg1">
+                <a:lumMod val="75000"/>
+              </a:schemeClr>
+            </a:solidFill>
+            <a:ln w="6350" algn="ctr">
+              <a:solidFill>
+                <a:schemeClr val="tx1"/>
+              </a:solidFill>
+              <a:miter lim="800000"/>
+              <a:headEnd/>
+              <a:tailEnd/>
+            </a:ln>
+            <a:effectLst>
+              <a:reflection blurRad="6350" stA="52000" endA="300" endPos="35000" dir="5400000" sy="-100000" algn="bl" rotWithShape="0"/>
+            </a:effectLst>
+          </p:spPr>
+          <p:txBody>
+            <a:bodyPr lIns="90000" tIns="72000" rIns="90000" bIns="72000" rtlCol="0" anchor="ctr"/>
+            <a:lstStyle/>
+            <a:p>
+              <a:pPr marR="0" algn="ctr" defTabSz="914400" eaLnBrk="1" fontAlgn="base" latinLnBrk="0" hangingPunct="1">
+                <a:lnSpc>
+                  <a:spcPct val="100000"/>
+                </a:lnSpc>
+                <a:spcBef>
+                  <a:spcPct val="50000"/>
+                </a:spcBef>
+                <a:spcAft>
+                  <a:spcPct val="0"/>
+                </a:spcAft>
+                <a:buClr>
+                  <a:srgbClr val="F0AB00"/>
+                </a:buClr>
+                <a:buSzPct val="80000"/>
+                <a:tabLst/>
+              </a:pPr>
+              <a:endParaRPr kumimoji="0" lang="de-DE" sz="2000" b="0" i="0" u="none" strike="noStrike" kern="0" cap="none" spc="0" normalizeH="0" baseline="0" noProof="0" dirty="0" err="1" smtClean="0">
+                <a:ln>
+                  <a:noFill/>
+                </a:ln>
+                <a:effectLst/>
+                <a:uLnTx/>
+                <a:uFillTx/>
+                <a:ea typeface="Arial Unicode MS" pitchFamily="34" charset="-128"/>
+                <a:cs typeface="Arial Unicode MS" pitchFamily="34" charset="-128"/>
+              </a:endParaRPr>
+            </a:p>
+          </p:txBody>
+        </p:sp>
+        <p:sp>
+          <p:nvSpPr>
+            <p:cNvPr id="85" name="Right Triangle 84"/>
+            <p:cNvSpPr/>
+            <p:nvPr/>
+          </p:nvSpPr>
+          <p:spPr bwMode="gray">
+            <a:xfrm>
+              <a:off x="3089383" y="1976766"/>
+              <a:ext cx="496390" cy="324000"/>
+            </a:xfrm>
+            <a:prstGeom prst="rtTriangle">
+              <a:avLst/>
+            </a:prstGeom>
+            <a:solidFill>
+              <a:schemeClr val="bg1">
+                <a:lumMod val="95000"/>
+              </a:schemeClr>
+            </a:solidFill>
+            <a:ln w="6350" algn="ctr">
+              <a:solidFill>
+                <a:schemeClr val="tx1"/>
+              </a:solidFill>
+              <a:miter lim="800000"/>
+              <a:headEnd/>
+              <a:tailEnd/>
+            </a:ln>
+            <a:effectLst>
+              <a:outerShdw blurRad="50800" dir="8100000" sx="110000" sy="110000" algn="tr" rotWithShape="0">
+                <a:prstClr val="black">
+                  <a:alpha val="40000"/>
+                </a:prstClr>
+              </a:outerShdw>
+            </a:effectLst>
+          </p:spPr>
+          <p:txBody>
+            <a:bodyPr lIns="90000" tIns="72000" rIns="90000" bIns="72000" rtlCol="0" anchor="ctr"/>
+            <a:lstStyle/>
+            <a:p>
+              <a:pPr marR="0" algn="ctr" defTabSz="914400" eaLnBrk="1" fontAlgn="base" latinLnBrk="0" hangingPunct="1">
+                <a:lnSpc>
+                  <a:spcPct val="100000"/>
+                </a:lnSpc>
+                <a:spcBef>
+                  <a:spcPct val="50000"/>
+                </a:spcBef>
+                <a:spcAft>
+                  <a:spcPct val="0"/>
+                </a:spcAft>
+                <a:buClr>
+                  <a:srgbClr val="F0AB00"/>
+                </a:buClr>
+                <a:buSzPct val="80000"/>
+                <a:tabLst/>
+              </a:pPr>
+              <a:endParaRPr kumimoji="0" lang="de-DE" sz="2000" b="0" i="0" u="none" strike="noStrike" kern="0" cap="none" spc="0" normalizeH="0" baseline="0" noProof="0" dirty="0" err="1" smtClean="0">
+                <a:ln>
+                  <a:noFill/>
+                </a:ln>
+                <a:effectLst/>
+                <a:uLnTx/>
+                <a:uFillTx/>
+                <a:ea typeface="Arial Unicode MS" pitchFamily="34" charset="-128"/>
+                <a:cs typeface="Arial Unicode MS" pitchFamily="34" charset="-128"/>
+              </a:endParaRPr>
+            </a:p>
+          </p:txBody>
+        </p:sp>
+        <p:sp>
+          <p:nvSpPr>
+            <p:cNvPr id="86" name="TextBox 85"/>
+            <p:cNvSpPr txBox="1"/>
+            <p:nvPr/>
+          </p:nvSpPr>
+          <p:spPr>
+            <a:xfrm>
+              <a:off x="467154" y="2127375"/>
+              <a:ext cx="1014049" cy="225220"/>
+            </a:xfrm>
+            <a:prstGeom prst="rect">
+              <a:avLst/>
+            </a:prstGeom>
+            <a:solidFill>
+              <a:schemeClr val="bg1">
+                <a:lumMod val="95000"/>
+              </a:schemeClr>
+            </a:solidFill>
+            <a:ln>
+              <a:solidFill>
+                <a:schemeClr val="tx1"/>
+              </a:solidFill>
+            </a:ln>
+          </p:spPr>
+          <p:txBody>
+            <a:bodyPr wrap="square" lIns="0" tIns="0" rIns="0" bIns="0" rtlCol="0" anchor="ctr" anchorCtr="0">
+              <a:spAutoFit/>
+            </a:bodyPr>
+            <a:lstStyle/>
+            <a:p>
+              <a:pPr algn="ctr" fontAlgn="base">
+                <a:spcBef>
+                  <a:spcPct val="50000"/>
+                </a:spcBef>
+                <a:spcAft>
+                  <a:spcPct val="0"/>
+                </a:spcAft>
+                <a:buClr>
+                  <a:srgbClr val="F0AB00"/>
+                </a:buClr>
+                <a:buSzPct val="80000"/>
+              </a:pPr>
+              <a:r>
+                <a:rPr lang="de-DE" sz="1100" b="1" kern="0" dirty="0" smtClean="0">
+                  <a:ea typeface="Arial Unicode MS" pitchFamily="34" charset="-128"/>
+                  <a:cs typeface="Arial Unicode MS" pitchFamily="34" charset="-128"/>
+                </a:rPr>
+                <a:t>HTML</a:t>
+              </a:r>
+              <a:endParaRPr lang="de-DE" sz="1100" b="1" kern="0" dirty="0" smtClean="0">
+                <a:ea typeface="Arial Unicode MS" pitchFamily="34" charset="-128"/>
+                <a:cs typeface="Arial Unicode MS" pitchFamily="34" charset="-128"/>
+              </a:endParaRPr>
+            </a:p>
+          </p:txBody>
+        </p:sp>
+        <p:sp>
+          <p:nvSpPr>
+            <p:cNvPr id="87" name="Rectangle 86"/>
+            <p:cNvSpPr/>
+            <p:nvPr/>
+          </p:nvSpPr>
+          <p:spPr>
+            <a:xfrm>
+              <a:off x="696988" y="3565101"/>
+              <a:ext cx="2880320" cy="614237"/>
+            </a:xfrm>
+            <a:prstGeom prst="rect">
+              <a:avLst/>
+            </a:prstGeom>
+            <a:noFill/>
+          </p:spPr>
+          <p:txBody>
+            <a:bodyPr wrap="square" lIns="91440" tIns="45720" rIns="91440" bIns="45720">
+              <a:spAutoFit/>
+            </a:bodyPr>
+            <a:lstStyle/>
+            <a:p>
+              <a:pPr algn="ctr"/>
+              <a:r>
+                <a:rPr lang="en-US" sz="2400" b="1" cap="none" spc="0" dirty="0" smtClean="0">
+                  <a:ln w="12700" cmpd="sng">
+                    <a:solidFill>
+                      <a:schemeClr val="bg2">
+                        <a:lumMod val="25000"/>
+                      </a:schemeClr>
+                    </a:solidFill>
+                    <a:prstDash val="solid"/>
+                  </a:ln>
+                  <a:solidFill>
+                    <a:srgbClr val="FFFFFF"/>
+                  </a:solidFill>
+                  <a:effectLst>
+                    <a:outerShdw blurRad="50800" dist="38100" dir="2700000" algn="tl" rotWithShape="0">
+                      <a:prstClr val="black">
+                        <a:alpha val="40000"/>
+                      </a:prstClr>
+                    </a:outerShdw>
+                    <a:reflection blurRad="6350" stA="60000" endA="900" endPos="58000" dist="177800" dir="5400000" sy="-100000" algn="bl" rotWithShape="0"/>
+                  </a:effectLst>
+                </a:rPr>
+                <a:t>&lt;/&gt;</a:t>
+              </a:r>
+              <a:endParaRPr lang="en-US" sz="2400" b="1" cap="none" spc="0" dirty="0">
+                <a:ln w="12700" cmpd="sng">
+                  <a:solidFill>
+                    <a:schemeClr val="bg2">
+                      <a:lumMod val="25000"/>
+                    </a:schemeClr>
+                  </a:solidFill>
+                  <a:prstDash val="solid"/>
+                </a:ln>
+                <a:solidFill>
+                  <a:srgbClr val="FFFFFF"/>
+                </a:solidFill>
+                <a:effectLst>
+                  <a:outerShdw blurRad="50800" dist="38100" dir="2700000" algn="tl" rotWithShape="0">
+                    <a:prstClr val="black">
+                      <a:alpha val="40000"/>
+                    </a:prstClr>
+                  </a:outerShdw>
+                  <a:reflection blurRad="6350" stA="60000" endA="900" endPos="58000" dist="177800" dir="5400000" sy="-100000" algn="bl" rotWithShape="0"/>
+                </a:effectLst>
+              </a:endParaRPr>
+            </a:p>
+          </p:txBody>
+        </p:sp>
+      </p:grpSp>
+      <p:sp>
+        <p:nvSpPr>
+          <p:cNvPr id="7" name="Title 6"/>
+          <p:cNvSpPr>
+            <a:spLocks noGrp="1"/>
+          </p:cNvSpPr>
+          <p:nvPr>
+            <p:ph type="title"/>
+          </p:nvPr>
+        </p:nvSpPr>
+        <p:spPr/>
+        <p:txBody>
+          <a:bodyPr/>
+          <a:lstStyle/>
+          <a:p>
+            <a:r>
+              <a:rPr lang="de-DE" dirty="0" smtClean="0"/>
+              <a:t>OTA </a:t>
+            </a:r>
+            <a:r>
+              <a:rPr lang="de-DE" dirty="0" smtClean="0"/>
+              <a:t>Service – </a:t>
+            </a:r>
+            <a:r>
+              <a:rPr lang="de-DE" dirty="0" err="1" smtClean="0"/>
+              <a:t>with</a:t>
+            </a:r>
+            <a:r>
+              <a:rPr lang="de-DE" dirty="0" smtClean="0"/>
+              <a:t> Firewall</a:t>
+            </a:r>
+            <a:endParaRPr lang="de-DE" dirty="0"/>
+          </a:p>
+        </p:txBody>
+      </p:sp>
+      <p:sp>
+        <p:nvSpPr>
+          <p:cNvPr id="2" name="Rectangle 1"/>
+          <p:cNvSpPr/>
+          <p:nvPr/>
+        </p:nvSpPr>
+        <p:spPr bwMode="gray">
+          <a:xfrm>
+            <a:off x="5127575" y="3045149"/>
+            <a:ext cx="1930405" cy="1752796"/>
+          </a:xfrm>
+          <a:prstGeom prst="rect">
+            <a:avLst/>
+          </a:prstGeom>
+          <a:solidFill>
+            <a:schemeClr val="tx2">
+              <a:lumMod val="75000"/>
+            </a:schemeClr>
+          </a:solidFill>
+          <a:ln cap="rnd">
+            <a:solidFill>
+              <a:schemeClr val="tx2">
+                <a:lumMod val="50000"/>
+              </a:schemeClr>
+            </a:solidFill>
+            <a:headEnd/>
+            <a:tailEnd/>
+          </a:ln>
+          <a:effectLst>
+            <a:outerShdw blurRad="50800" dist="38100" dir="2700000" algn="tl" rotWithShape="0">
+              <a:prstClr val="black">
+                <a:alpha val="40000"/>
+              </a:prstClr>
+            </a:outerShdw>
+          </a:effectLst>
+        </p:spPr>
+        <p:style>
+          <a:lnRef idx="2">
+            <a:schemeClr val="accent3">
+              <a:shade val="50000"/>
+            </a:schemeClr>
+          </a:lnRef>
+          <a:fillRef idx="1">
+            <a:schemeClr val="accent3"/>
+          </a:fillRef>
+          <a:effectRef idx="0">
+            <a:schemeClr val="accent3"/>
+          </a:effectRef>
+          <a:fontRef idx="minor">
+            <a:schemeClr val="lt1"/>
+          </a:fontRef>
+        </p:style>
+        <p:txBody>
+          <a:bodyPr lIns="90000" tIns="72000" rIns="90000" bIns="72000" rtlCol="0" anchor="ctr"/>
+          <a:lstStyle/>
+          <a:p>
+            <a:pPr marR="0" algn="ctr" defTabSz="914400" eaLnBrk="1" fontAlgn="base" latinLnBrk="0" hangingPunct="1">
+              <a:lnSpc>
+                <a:spcPct val="100000"/>
+              </a:lnSpc>
+              <a:spcBef>
+                <a:spcPct val="50000"/>
+              </a:spcBef>
+              <a:spcAft>
+                <a:spcPct val="0"/>
+              </a:spcAft>
+              <a:buClr>
+                <a:srgbClr val="F0AB00"/>
+              </a:buClr>
+              <a:buSzPct val="80000"/>
+              <a:tabLst/>
+            </a:pPr>
+            <a:r>
+              <a:rPr kumimoji="0" lang="de-DE" sz="3200" b="1" i="0" u="none" strike="noStrike" kern="0" cap="none" spc="0" normalizeH="0" baseline="0" noProof="0" dirty="0" smtClean="0">
+                <a:ln>
+                  <a:noFill/>
+                </a:ln>
+                <a:effectLst/>
+                <a:uLnTx/>
+                <a:uFillTx/>
+                <a:ea typeface="Arial Unicode MS" pitchFamily="34" charset="-128"/>
+                <a:cs typeface="Arial Unicode MS" pitchFamily="34" charset="-128"/>
+              </a:rPr>
+              <a:t>OTA Service</a:t>
+            </a:r>
+          </a:p>
+        </p:txBody>
+      </p:sp>
+      <p:grpSp>
+        <p:nvGrpSpPr>
+          <p:cNvPr id="11" name="Group 10"/>
+          <p:cNvGrpSpPr/>
+          <p:nvPr/>
+        </p:nvGrpSpPr>
+        <p:grpSpPr>
+          <a:xfrm>
+            <a:off x="5881563" y="2417756"/>
+            <a:ext cx="428002" cy="616714"/>
+            <a:chOff x="1925954" y="4613280"/>
+            <a:chExt cx="428002" cy="616714"/>
+          </a:xfrm>
+        </p:grpSpPr>
+        <p:grpSp>
+          <p:nvGrpSpPr>
+            <p:cNvPr id="8" name="Group 7"/>
+            <p:cNvGrpSpPr/>
+            <p:nvPr/>
+          </p:nvGrpSpPr>
+          <p:grpSpPr>
+            <a:xfrm>
+              <a:off x="2029135" y="4845204"/>
+              <a:ext cx="216024" cy="384790"/>
+              <a:chOff x="2029135" y="4845204"/>
+              <a:chExt cx="216024" cy="384790"/>
+            </a:xfrm>
+          </p:grpSpPr>
+          <p:cxnSp>
+            <p:nvCxnSpPr>
+              <p:cNvPr id="4" name="Straight Connector 3"/>
+              <p:cNvCxnSpPr>
+                <a:endCxn id="5" idx="4"/>
+              </p:cNvCxnSpPr>
+              <p:nvPr/>
+            </p:nvCxnSpPr>
+            <p:spPr>
+              <a:xfrm flipV="1">
+                <a:off x="2137147" y="5061228"/>
+                <a:ext cx="0" cy="168766"/>
+              </a:xfrm>
+              <a:prstGeom prst="line">
+                <a:avLst/>
+              </a:prstGeom>
+              <a:ln w="38100">
+                <a:solidFill>
+                  <a:schemeClr val="tx2">
+                    <a:lumMod val="50000"/>
+                  </a:schemeClr>
+                </a:solidFill>
+              </a:ln>
+            </p:spPr>
+            <p:style>
+              <a:lnRef idx="1">
+                <a:schemeClr val="accent1"/>
+              </a:lnRef>
+              <a:fillRef idx="0">
+                <a:schemeClr val="accent1"/>
+              </a:fillRef>
+              <a:effectRef idx="0">
+                <a:schemeClr val="accent1"/>
+              </a:effectRef>
+              <a:fontRef idx="minor">
+                <a:schemeClr val="tx1"/>
+              </a:fontRef>
+            </p:style>
+          </p:cxnSp>
+          <p:sp>
+            <p:nvSpPr>
+              <p:cNvPr id="5" name="Oval 4"/>
+              <p:cNvSpPr/>
+              <p:nvPr/>
+            </p:nvSpPr>
+            <p:spPr bwMode="gray">
+              <a:xfrm>
+                <a:off x="2029135" y="4845204"/>
+                <a:ext cx="216024" cy="216024"/>
+              </a:xfrm>
+              <a:prstGeom prst="ellipse">
+                <a:avLst/>
+              </a:prstGeom>
+              <a:noFill/>
+              <a:ln w="38100" algn="ctr">
+                <a:solidFill>
+                  <a:schemeClr val="tx2">
+                    <a:lumMod val="50000"/>
+                  </a:schemeClr>
+                </a:solidFill>
+                <a:miter lim="800000"/>
+                <a:headEnd/>
+                <a:tailEnd/>
+              </a:ln>
+            </p:spPr>
+            <p:txBody>
+              <a:bodyPr lIns="90000" tIns="72000" rIns="90000" bIns="72000" rtlCol="0" anchor="ctr"/>
+              <a:lstStyle/>
+              <a:p>
+                <a:pPr marR="0" algn="ctr" defTabSz="914400" eaLnBrk="1" fontAlgn="base" latinLnBrk="0" hangingPunct="1">
+                  <a:lnSpc>
+                    <a:spcPct val="100000"/>
+                  </a:lnSpc>
+                  <a:spcBef>
+                    <a:spcPct val="50000"/>
+                  </a:spcBef>
+                  <a:spcAft>
+                    <a:spcPct val="0"/>
+                  </a:spcAft>
+                  <a:buClr>
+                    <a:srgbClr val="F0AB00"/>
+                  </a:buClr>
+                  <a:buSzPct val="80000"/>
+                  <a:tabLst/>
+                </a:pPr>
+                <a:endParaRPr kumimoji="0" lang="de-DE" sz="2000" b="0" i="0" u="none" strike="noStrike" kern="0" cap="none" spc="0" normalizeH="0" baseline="0" noProof="0" dirty="0" err="1" smtClean="0">
+                  <a:ln>
+                    <a:noFill/>
+                  </a:ln>
+                  <a:effectLst/>
+                  <a:uLnTx/>
+                  <a:uFillTx/>
+                  <a:ea typeface="Arial Unicode MS" pitchFamily="34" charset="-128"/>
+                  <a:cs typeface="Arial Unicode MS" pitchFamily="34" charset="-128"/>
+                </a:endParaRPr>
+              </a:p>
+            </p:txBody>
+          </p:sp>
+        </p:grpSp>
+        <p:sp>
+          <p:nvSpPr>
+            <p:cNvPr id="10" name="TextBox 9"/>
+            <p:cNvSpPr txBox="1"/>
+            <p:nvPr/>
+          </p:nvSpPr>
+          <p:spPr>
+            <a:xfrm>
+              <a:off x="1925954" y="4613280"/>
+              <a:ext cx="428002" cy="184666"/>
+            </a:xfrm>
+            <a:prstGeom prst="rect">
+              <a:avLst/>
+            </a:prstGeom>
+            <a:noFill/>
+          </p:spPr>
+          <p:txBody>
+            <a:bodyPr wrap="none" lIns="0" tIns="0" rIns="0" bIns="0" rtlCol="0">
+              <a:spAutoFit/>
+            </a:bodyPr>
+            <a:lstStyle/>
+            <a:p>
+              <a:pPr fontAlgn="base">
+                <a:spcBef>
+                  <a:spcPct val="50000"/>
+                </a:spcBef>
+                <a:spcAft>
+                  <a:spcPct val="0"/>
+                </a:spcAft>
+                <a:buClr>
+                  <a:srgbClr val="F0AB00"/>
+                </a:buClr>
+                <a:buSzPct val="80000"/>
+              </a:pPr>
+              <a:r>
+                <a:rPr lang="de-DE" sz="1200" b="1" kern="0" dirty="0" smtClean="0">
+                  <a:solidFill>
+                    <a:schemeClr val="tx2">
+                      <a:lumMod val="50000"/>
+                    </a:schemeClr>
+                  </a:solidFill>
+                  <a:ea typeface="Arial Unicode MS" pitchFamily="34" charset="-128"/>
+                  <a:cs typeface="Arial Unicode MS" pitchFamily="34" charset="-128"/>
+                </a:rPr>
+                <a:t>HTML</a:t>
+              </a:r>
+            </a:p>
+          </p:txBody>
+        </p:sp>
+      </p:grpSp>
+      <p:grpSp>
+        <p:nvGrpSpPr>
+          <p:cNvPr id="12" name="Group 11"/>
+          <p:cNvGrpSpPr/>
+          <p:nvPr/>
+        </p:nvGrpSpPr>
+        <p:grpSpPr>
+          <a:xfrm rot="16200000">
+            <a:off x="7093675" y="3484206"/>
+            <a:ext cx="485957" cy="557347"/>
+            <a:chOff x="7681763" y="4701188"/>
+            <a:chExt cx="485957" cy="557347"/>
+          </a:xfrm>
+        </p:grpSpPr>
+        <p:grpSp>
+          <p:nvGrpSpPr>
+            <p:cNvPr id="33" name="Group 32"/>
+            <p:cNvGrpSpPr/>
+            <p:nvPr/>
+          </p:nvGrpSpPr>
+          <p:grpSpPr>
+            <a:xfrm>
+              <a:off x="7681763" y="4701188"/>
+              <a:ext cx="216024" cy="384790"/>
+              <a:chOff x="2029135" y="4701188"/>
+              <a:chExt cx="216024" cy="384790"/>
+            </a:xfrm>
+          </p:grpSpPr>
+          <p:cxnSp>
+            <p:nvCxnSpPr>
+              <p:cNvPr id="35" name="Straight Connector 34"/>
+              <p:cNvCxnSpPr/>
+              <p:nvPr/>
+            </p:nvCxnSpPr>
+            <p:spPr>
+              <a:xfrm flipV="1">
+                <a:off x="2137147" y="4701188"/>
+                <a:ext cx="0" cy="168766"/>
+              </a:xfrm>
+              <a:prstGeom prst="line">
+                <a:avLst/>
+              </a:prstGeom>
+              <a:ln w="38100">
+                <a:solidFill>
+                  <a:schemeClr val="tx2">
+                    <a:lumMod val="50000"/>
+                  </a:schemeClr>
+                </a:solidFill>
+              </a:ln>
+            </p:spPr>
+            <p:style>
+              <a:lnRef idx="1">
+                <a:schemeClr val="accent1"/>
+              </a:lnRef>
+              <a:fillRef idx="0">
+                <a:schemeClr val="accent1"/>
+              </a:fillRef>
+              <a:effectRef idx="0">
+                <a:schemeClr val="accent1"/>
+              </a:effectRef>
+              <a:fontRef idx="minor">
+                <a:schemeClr val="tx1"/>
+              </a:fontRef>
+            </p:style>
+          </p:cxnSp>
+          <p:sp>
+            <p:nvSpPr>
+              <p:cNvPr id="36" name="Oval 35"/>
+              <p:cNvSpPr/>
+              <p:nvPr/>
+            </p:nvSpPr>
+            <p:spPr bwMode="gray">
+              <a:xfrm>
+                <a:off x="2029135" y="4869954"/>
+                <a:ext cx="216024" cy="216024"/>
+              </a:xfrm>
+              <a:prstGeom prst="ellipse">
+                <a:avLst/>
+              </a:prstGeom>
+              <a:noFill/>
+              <a:ln w="38100" algn="ctr">
+                <a:solidFill>
+                  <a:schemeClr val="tx2">
+                    <a:lumMod val="50000"/>
+                  </a:schemeClr>
+                </a:solidFill>
+                <a:miter lim="800000"/>
+                <a:headEnd/>
+                <a:tailEnd/>
+              </a:ln>
+            </p:spPr>
+            <p:txBody>
+              <a:bodyPr lIns="90000" tIns="72000" rIns="90000" bIns="72000" rtlCol="0" anchor="ctr"/>
+              <a:lstStyle/>
+              <a:p>
+                <a:pPr marR="0" algn="ctr" defTabSz="914400" eaLnBrk="1" fontAlgn="base" latinLnBrk="0" hangingPunct="1">
+                  <a:lnSpc>
+                    <a:spcPct val="100000"/>
+                  </a:lnSpc>
+                  <a:spcBef>
+                    <a:spcPct val="50000"/>
+                  </a:spcBef>
+                  <a:spcAft>
+                    <a:spcPct val="0"/>
+                  </a:spcAft>
+                  <a:buClr>
+                    <a:srgbClr val="F0AB00"/>
+                  </a:buClr>
+                  <a:buSzPct val="80000"/>
+                  <a:tabLst/>
+                </a:pPr>
+                <a:endParaRPr kumimoji="0" lang="de-DE" sz="2000" b="0" i="0" u="none" strike="noStrike" kern="0" cap="none" spc="0" normalizeH="0" baseline="0" noProof="0" dirty="0" err="1" smtClean="0">
+                  <a:ln>
+                    <a:noFill/>
+                  </a:ln>
+                  <a:effectLst/>
+                  <a:uLnTx/>
+                  <a:uFillTx/>
+                  <a:ea typeface="Arial Unicode MS" pitchFamily="34" charset="-128"/>
+                  <a:cs typeface="Arial Unicode MS" pitchFamily="34" charset="-128"/>
+                </a:endParaRPr>
+              </a:p>
+            </p:txBody>
+          </p:sp>
+        </p:grpSp>
+        <p:sp>
+          <p:nvSpPr>
+            <p:cNvPr id="34" name="TextBox 33"/>
+            <p:cNvSpPr txBox="1"/>
+            <p:nvPr/>
+          </p:nvSpPr>
+          <p:spPr>
+            <a:xfrm rot="5400000">
+              <a:off x="7856577" y="4947392"/>
+              <a:ext cx="437620" cy="184666"/>
+            </a:xfrm>
+            <a:prstGeom prst="rect">
+              <a:avLst/>
+            </a:prstGeom>
+            <a:noFill/>
+          </p:spPr>
+          <p:txBody>
+            <a:bodyPr wrap="none" lIns="0" tIns="0" rIns="0" bIns="0" rtlCol="0">
+              <a:spAutoFit/>
+            </a:bodyPr>
+            <a:lstStyle/>
+            <a:p>
+              <a:pPr fontAlgn="base">
+                <a:spcBef>
+                  <a:spcPct val="50000"/>
+                </a:spcBef>
+                <a:spcAft>
+                  <a:spcPct val="0"/>
+                </a:spcAft>
+                <a:buClr>
+                  <a:srgbClr val="F0AB00"/>
+                </a:buClr>
+                <a:buSzPct val="80000"/>
+              </a:pPr>
+              <a:r>
+                <a:rPr lang="de-DE" sz="1200" b="1" kern="0" dirty="0" smtClean="0">
+                  <a:solidFill>
+                    <a:schemeClr val="tx2">
+                      <a:lumMod val="50000"/>
+                    </a:schemeClr>
+                  </a:solidFill>
+                  <a:ea typeface="Arial Unicode MS" pitchFamily="34" charset="-128"/>
+                  <a:cs typeface="Arial Unicode MS" pitchFamily="34" charset="-128"/>
+                </a:rPr>
+                <a:t>PLIST</a:t>
+              </a:r>
+            </a:p>
+          </p:txBody>
+        </p:sp>
+      </p:grpSp>
+      <p:grpSp>
+        <p:nvGrpSpPr>
+          <p:cNvPr id="49" name="Group 48"/>
+          <p:cNvGrpSpPr/>
+          <p:nvPr/>
+        </p:nvGrpSpPr>
+        <p:grpSpPr>
+          <a:xfrm>
+            <a:off x="696988" y="1989634"/>
+            <a:ext cx="1440160" cy="1655468"/>
+            <a:chOff x="467154" y="1976766"/>
+            <a:chExt cx="3118619" cy="2202572"/>
+          </a:xfrm>
+          <a:solidFill>
+            <a:schemeClr val="accent4">
+              <a:lumMod val="40000"/>
+              <a:lumOff val="60000"/>
+            </a:schemeClr>
+          </a:solidFill>
+        </p:grpSpPr>
+        <p:sp>
+          <p:nvSpPr>
+            <p:cNvPr id="50" name="Snip Single Corner Rectangle 49"/>
+            <p:cNvSpPr/>
+            <p:nvPr/>
+          </p:nvSpPr>
+          <p:spPr bwMode="gray">
+            <a:xfrm>
+              <a:off x="696987" y="1984386"/>
+              <a:ext cx="2880320" cy="2165488"/>
+            </a:xfrm>
+            <a:prstGeom prst="snip1Rect">
+              <a:avLst/>
+            </a:prstGeom>
+            <a:solidFill>
+              <a:srgbClr val="FFC000"/>
+            </a:solidFill>
+            <a:ln w="6350" algn="ctr">
+              <a:solidFill>
+                <a:schemeClr val="tx1"/>
+              </a:solidFill>
+              <a:miter lim="800000"/>
+              <a:headEnd/>
+              <a:tailEnd/>
+            </a:ln>
+            <a:effectLst>
+              <a:reflection blurRad="6350" stA="52000" endA="300" endPos="35000" dir="5400000" sy="-100000" algn="bl" rotWithShape="0"/>
+            </a:effectLst>
+          </p:spPr>
+          <p:txBody>
+            <a:bodyPr lIns="90000" tIns="72000" rIns="90000" bIns="72000" rtlCol="0" anchor="ctr"/>
+            <a:lstStyle/>
+            <a:p>
+              <a:pPr marR="0" algn="ctr" defTabSz="914400" eaLnBrk="1" fontAlgn="base" latinLnBrk="0" hangingPunct="1">
+                <a:lnSpc>
+                  <a:spcPct val="100000"/>
+                </a:lnSpc>
+                <a:spcBef>
+                  <a:spcPct val="50000"/>
+                </a:spcBef>
+                <a:spcAft>
+                  <a:spcPct val="0"/>
+                </a:spcAft>
+                <a:buClr>
+                  <a:srgbClr val="F0AB00"/>
+                </a:buClr>
+                <a:buSzPct val="80000"/>
+                <a:tabLst/>
+              </a:pPr>
+              <a:endParaRPr kumimoji="0" lang="de-DE" sz="2000" b="0" i="0" u="none" strike="noStrike" kern="0" cap="none" spc="0" normalizeH="0" baseline="0" noProof="0" dirty="0" err="1" smtClean="0">
+                <a:ln>
+                  <a:noFill/>
+                </a:ln>
+                <a:effectLst/>
+                <a:uLnTx/>
+                <a:uFillTx/>
+                <a:ea typeface="Arial Unicode MS" pitchFamily="34" charset="-128"/>
+                <a:cs typeface="Arial Unicode MS" pitchFamily="34" charset="-128"/>
+              </a:endParaRPr>
+            </a:p>
+          </p:txBody>
+        </p:sp>
+        <p:sp>
+          <p:nvSpPr>
+            <p:cNvPr id="51" name="Right Triangle 50"/>
+            <p:cNvSpPr/>
+            <p:nvPr/>
+          </p:nvSpPr>
+          <p:spPr bwMode="gray">
+            <a:xfrm>
+              <a:off x="3089383" y="1976766"/>
+              <a:ext cx="496390" cy="324000"/>
+            </a:xfrm>
+            <a:prstGeom prst="rtTriangle">
+              <a:avLst/>
+            </a:prstGeom>
+            <a:solidFill>
+              <a:schemeClr val="accent1">
+                <a:lumMod val="40000"/>
+                <a:lumOff val="60000"/>
+              </a:schemeClr>
+            </a:solidFill>
+            <a:ln w="6350" algn="ctr">
+              <a:solidFill>
+                <a:schemeClr val="tx1"/>
+              </a:solidFill>
+              <a:miter lim="800000"/>
+              <a:headEnd/>
+              <a:tailEnd/>
+            </a:ln>
+            <a:effectLst>
+              <a:outerShdw blurRad="50800" dir="8100000" sx="110000" sy="110000" algn="tr" rotWithShape="0">
+                <a:prstClr val="black">
+                  <a:alpha val="40000"/>
+                </a:prstClr>
+              </a:outerShdw>
+            </a:effectLst>
+          </p:spPr>
+          <p:txBody>
+            <a:bodyPr lIns="90000" tIns="72000" rIns="90000" bIns="72000" rtlCol="0" anchor="ctr"/>
+            <a:lstStyle/>
+            <a:p>
+              <a:pPr marR="0" algn="ctr" defTabSz="914400" eaLnBrk="1" fontAlgn="base" latinLnBrk="0" hangingPunct="1">
+                <a:lnSpc>
+                  <a:spcPct val="100000"/>
+                </a:lnSpc>
+                <a:spcBef>
+                  <a:spcPct val="50000"/>
+                </a:spcBef>
+                <a:spcAft>
+                  <a:spcPct val="0"/>
+                </a:spcAft>
+                <a:buClr>
+                  <a:srgbClr val="F0AB00"/>
+                </a:buClr>
+                <a:buSzPct val="80000"/>
+                <a:tabLst/>
+              </a:pPr>
+              <a:endParaRPr kumimoji="0" lang="de-DE" sz="2000" b="0" i="0" u="none" strike="noStrike" kern="0" cap="none" spc="0" normalizeH="0" baseline="0" noProof="0" dirty="0" err="1" smtClean="0">
+                <a:ln>
+                  <a:noFill/>
+                </a:ln>
+                <a:effectLst/>
+                <a:uLnTx/>
+                <a:uFillTx/>
+                <a:ea typeface="Arial Unicode MS" pitchFamily="34" charset="-128"/>
+                <a:cs typeface="Arial Unicode MS" pitchFamily="34" charset="-128"/>
+              </a:endParaRPr>
+            </a:p>
+          </p:txBody>
+        </p:sp>
+        <p:sp>
+          <p:nvSpPr>
+            <p:cNvPr id="52" name="TextBox 51"/>
+            <p:cNvSpPr txBox="1"/>
+            <p:nvPr/>
+          </p:nvSpPr>
+          <p:spPr>
+            <a:xfrm>
+              <a:off x="467154" y="2127375"/>
+              <a:ext cx="1014049" cy="225220"/>
+            </a:xfrm>
+            <a:prstGeom prst="rect">
+              <a:avLst/>
+            </a:prstGeom>
+            <a:solidFill>
+              <a:schemeClr val="accent1">
+                <a:lumMod val="40000"/>
+                <a:lumOff val="60000"/>
+              </a:schemeClr>
+            </a:solidFill>
+            <a:ln>
+              <a:solidFill>
+                <a:schemeClr val="tx1"/>
+              </a:solidFill>
+            </a:ln>
+          </p:spPr>
+          <p:txBody>
+            <a:bodyPr wrap="square" lIns="0" tIns="0" rIns="0" bIns="0" rtlCol="0" anchor="ctr" anchorCtr="0">
+              <a:spAutoFit/>
+            </a:bodyPr>
+            <a:lstStyle/>
+            <a:p>
+              <a:pPr algn="ctr" fontAlgn="base">
+                <a:spcBef>
+                  <a:spcPct val="50000"/>
+                </a:spcBef>
+                <a:spcAft>
+                  <a:spcPct val="0"/>
+                </a:spcAft>
+                <a:buClr>
+                  <a:srgbClr val="F0AB00"/>
+                </a:buClr>
+                <a:buSzPct val="80000"/>
+              </a:pPr>
+              <a:r>
+                <a:rPr lang="de-DE" sz="1100" b="1" kern="0" dirty="0" smtClean="0">
+                  <a:ea typeface="Arial Unicode MS" pitchFamily="34" charset="-128"/>
+                  <a:cs typeface="Arial Unicode MS" pitchFamily="34" charset="-128"/>
+                </a:rPr>
+                <a:t>HTML</a:t>
+              </a:r>
+            </a:p>
+          </p:txBody>
+        </p:sp>
+        <p:sp>
+          <p:nvSpPr>
+            <p:cNvPr id="53" name="Rectangle 52"/>
+            <p:cNvSpPr/>
+            <p:nvPr/>
+          </p:nvSpPr>
+          <p:spPr>
+            <a:xfrm>
+              <a:off x="696988" y="3565100"/>
+              <a:ext cx="2880320" cy="614238"/>
+            </a:xfrm>
+            <a:prstGeom prst="rect">
+              <a:avLst/>
+            </a:prstGeom>
+            <a:noFill/>
+          </p:spPr>
+          <p:txBody>
+            <a:bodyPr wrap="square" lIns="91440" tIns="45720" rIns="91440" bIns="45720">
+              <a:spAutoFit/>
+            </a:bodyPr>
+            <a:lstStyle/>
+            <a:p>
+              <a:pPr algn="ctr"/>
+              <a:r>
+                <a:rPr lang="en-US" sz="2400" b="1" cap="none" spc="0" dirty="0" smtClean="0">
+                  <a:ln w="12700" cmpd="sng">
+                    <a:gradFill>
+                      <a:gsLst>
+                        <a:gs pos="25000">
+                          <a:schemeClr val="accent1">
+                            <a:shade val="25000"/>
+                            <a:satMod val="190000"/>
+                          </a:schemeClr>
+                        </a:gs>
+                        <a:gs pos="80000">
+                          <a:schemeClr val="accent1">
+                            <a:tint val="75000"/>
+                            <a:satMod val="190000"/>
+                          </a:schemeClr>
+                        </a:gs>
+                      </a:gsLst>
+                      <a:lin ang="5400000"/>
+                    </a:gradFill>
+                    <a:prstDash val="solid"/>
+                  </a:ln>
+                  <a:solidFill>
+                    <a:srgbClr val="FFFFFF"/>
+                  </a:solidFill>
+                  <a:effectLst>
+                    <a:outerShdw blurRad="50800" dist="38100" dir="2700000" algn="tl" rotWithShape="0">
+                      <a:prstClr val="black">
+                        <a:alpha val="40000"/>
+                      </a:prstClr>
+                    </a:outerShdw>
+                    <a:reflection blurRad="6350" stA="60000" endA="900" endPos="58000" dist="177800" dir="5400000" sy="-100000" algn="bl" rotWithShape="0"/>
+                  </a:effectLst>
+                </a:rPr>
+                <a:t>&lt;/&gt;</a:t>
+              </a:r>
+              <a:endParaRPr lang="en-US" sz="2400" b="1" cap="none" spc="0" dirty="0">
+                <a:ln w="12700" cmpd="sng">
+                  <a:gradFill>
+                    <a:gsLst>
+                      <a:gs pos="25000">
+                        <a:schemeClr val="accent1">
+                          <a:shade val="25000"/>
+                          <a:satMod val="190000"/>
+                        </a:schemeClr>
+                      </a:gs>
+                      <a:gs pos="80000">
+                        <a:schemeClr val="accent1">
+                          <a:tint val="75000"/>
+                          <a:satMod val="190000"/>
+                        </a:schemeClr>
+                      </a:gs>
+                    </a:gsLst>
+                    <a:lin ang="5400000"/>
+                  </a:gradFill>
+                  <a:prstDash val="solid"/>
+                </a:ln>
+                <a:solidFill>
+                  <a:srgbClr val="FFFFFF"/>
+                </a:solidFill>
+                <a:effectLst>
+                  <a:outerShdw blurRad="50800" dist="38100" dir="2700000" algn="tl" rotWithShape="0">
+                    <a:prstClr val="black">
+                      <a:alpha val="40000"/>
+                    </a:prstClr>
+                  </a:outerShdw>
+                  <a:reflection blurRad="6350" stA="60000" endA="900" endPos="58000" dist="177800" dir="5400000" sy="-100000" algn="bl" rotWithShape="0"/>
+                </a:effectLst>
+              </a:endParaRPr>
+            </a:p>
+          </p:txBody>
+        </p:sp>
+      </p:grpSp>
+      <p:sp>
+        <p:nvSpPr>
+          <p:cNvPr id="9" name="Rectangle 8"/>
+          <p:cNvSpPr/>
+          <p:nvPr/>
+        </p:nvSpPr>
+        <p:spPr bwMode="gray">
+          <a:xfrm>
+            <a:off x="10224200" y="2878057"/>
+            <a:ext cx="1083346" cy="263705"/>
+          </a:xfrm>
+          <a:prstGeom prst="rect">
+            <a:avLst/>
+          </a:prstGeom>
+          <a:ln>
+            <a:headEnd/>
+            <a:tailEnd/>
+          </a:ln>
+          <a:effectLst>
+            <a:outerShdw blurRad="50800" dist="38100" dir="2700000" algn="tl" rotWithShape="0">
+              <a:prstClr val="black">
+                <a:alpha val="40000"/>
+              </a:prstClr>
+            </a:outerShdw>
+          </a:effectLst>
+        </p:spPr>
+        <p:style>
+          <a:lnRef idx="2">
+            <a:schemeClr val="accent3">
+              <a:shade val="50000"/>
+            </a:schemeClr>
+          </a:lnRef>
+          <a:fillRef idx="1">
+            <a:schemeClr val="accent3"/>
+          </a:fillRef>
+          <a:effectRef idx="0">
+            <a:schemeClr val="accent3"/>
+          </a:effectRef>
+          <a:fontRef idx="minor">
+            <a:schemeClr val="lt1"/>
+          </a:fontRef>
+        </p:style>
+        <p:txBody>
+          <a:bodyPr lIns="90000" tIns="72000" rIns="90000" bIns="72000" rtlCol="0" anchor="ctr"/>
+          <a:lstStyle/>
+          <a:p>
+            <a:pPr marR="0" algn="ctr" defTabSz="914400" eaLnBrk="1" fontAlgn="base" latinLnBrk="0" hangingPunct="1">
+              <a:lnSpc>
+                <a:spcPct val="100000"/>
+              </a:lnSpc>
+              <a:spcBef>
+                <a:spcPct val="50000"/>
+              </a:spcBef>
+              <a:spcAft>
+                <a:spcPct val="0"/>
+              </a:spcAft>
+              <a:buClr>
+                <a:srgbClr val="F0AB00"/>
+              </a:buClr>
+              <a:buSzPct val="80000"/>
+              <a:tabLst/>
+            </a:pPr>
+            <a:r>
+              <a:rPr kumimoji="0" lang="de-DE" sz="1200" b="1" i="0" u="none" strike="noStrike" kern="0" cap="none" spc="0" normalizeH="0" baseline="0" noProof="0" dirty="0" err="1" smtClean="0">
+                <a:ln>
+                  <a:noFill/>
+                </a:ln>
+                <a:effectLst/>
+                <a:uLnTx/>
+                <a:uFillTx/>
+                <a:ea typeface="Arial Unicode MS" pitchFamily="34" charset="-128"/>
+                <a:cs typeface="Arial Unicode MS" pitchFamily="34" charset="-128"/>
+              </a:rPr>
+              <a:t>Install</a:t>
+            </a:r>
+            <a:r>
+              <a:rPr kumimoji="0" lang="de-DE" sz="1200" b="1" i="0" u="none" strike="noStrike" kern="0" cap="none" spc="0" normalizeH="0" noProof="0" dirty="0" smtClean="0">
+                <a:ln>
+                  <a:noFill/>
+                </a:ln>
+                <a:effectLst/>
+                <a:uLnTx/>
+                <a:uFillTx/>
+                <a:ea typeface="Arial Unicode MS" pitchFamily="34" charset="-128"/>
+                <a:cs typeface="Arial Unicode MS" pitchFamily="34" charset="-128"/>
+              </a:rPr>
+              <a:t> </a:t>
+            </a:r>
+            <a:r>
+              <a:rPr kumimoji="0" lang="de-DE" sz="1200" b="1" i="0" u="none" strike="noStrike" kern="0" cap="none" spc="0" normalizeH="0" baseline="0" noProof="0" dirty="0" smtClean="0">
+                <a:ln>
+                  <a:noFill/>
+                </a:ln>
+                <a:effectLst/>
+                <a:uLnTx/>
+                <a:uFillTx/>
+                <a:ea typeface="Arial Unicode MS" pitchFamily="34" charset="-128"/>
+                <a:cs typeface="Arial Unicode MS" pitchFamily="34" charset="-128"/>
+              </a:rPr>
+              <a:t>Link</a:t>
+            </a:r>
+          </a:p>
+        </p:txBody>
+      </p:sp>
+      <p:sp>
+        <p:nvSpPr>
+          <p:cNvPr id="74" name="Rectangle 73"/>
+          <p:cNvSpPr/>
+          <p:nvPr/>
+        </p:nvSpPr>
+        <p:spPr bwMode="gray">
+          <a:xfrm>
+            <a:off x="989211" y="2404154"/>
+            <a:ext cx="946112" cy="720876"/>
+          </a:xfrm>
+          <a:prstGeom prst="rect">
+            <a:avLst/>
+          </a:prstGeom>
+          <a:solidFill>
+            <a:schemeClr val="bg1">
+              <a:lumMod val="95000"/>
+            </a:schemeClr>
+          </a:solidFill>
+          <a:ln>
+            <a:solidFill>
+              <a:schemeClr val="tx2">
+                <a:lumMod val="75000"/>
+              </a:schemeClr>
+            </a:solidFill>
+            <a:headEnd/>
+            <a:tailEnd/>
+          </a:ln>
+          <a:effectLst>
+            <a:outerShdw blurRad="50800" dist="38100" dir="2700000" algn="tl" rotWithShape="0">
+              <a:prstClr val="black">
+                <a:alpha val="40000"/>
+              </a:prstClr>
+            </a:outerShdw>
+          </a:effectLst>
+        </p:spPr>
+        <p:style>
+          <a:lnRef idx="2">
+            <a:schemeClr val="accent3">
+              <a:shade val="50000"/>
+            </a:schemeClr>
+          </a:lnRef>
+          <a:fillRef idx="1">
+            <a:schemeClr val="accent3"/>
+          </a:fillRef>
+          <a:effectRef idx="0">
+            <a:schemeClr val="accent3"/>
+          </a:effectRef>
+          <a:fontRef idx="minor">
+            <a:schemeClr val="lt1"/>
+          </a:fontRef>
+        </p:style>
+        <p:txBody>
+          <a:bodyPr lIns="90000" tIns="72000" rIns="90000" bIns="72000" rtlCol="0" anchor="ctr"/>
+          <a:lstStyle/>
+          <a:p>
+            <a:pPr marR="0" algn="ctr" defTabSz="914400" eaLnBrk="1" fontAlgn="base" latinLnBrk="0" hangingPunct="1">
+              <a:lnSpc>
+                <a:spcPct val="100000"/>
+              </a:lnSpc>
+              <a:spcBef>
+                <a:spcPct val="50000"/>
+              </a:spcBef>
+              <a:spcAft>
+                <a:spcPct val="0"/>
+              </a:spcAft>
+              <a:buClr>
+                <a:srgbClr val="F0AB00"/>
+              </a:buClr>
+              <a:buSzPct val="80000"/>
+              <a:tabLst/>
+            </a:pPr>
+            <a:r>
+              <a:rPr kumimoji="0" lang="de-DE" sz="1200" b="1" i="0" u="none" strike="noStrike" kern="0" cap="none" spc="0" normalizeH="0" baseline="0" noProof="0" dirty="0" smtClean="0">
+                <a:ln>
+                  <a:noFill/>
+                </a:ln>
+                <a:solidFill>
+                  <a:schemeClr val="tx2">
+                    <a:lumMod val="50000"/>
+                  </a:schemeClr>
+                </a:solidFill>
+                <a:effectLst/>
+                <a:uLnTx/>
+                <a:uFillTx/>
+                <a:ea typeface="Arial Unicode MS" pitchFamily="34" charset="-128"/>
+                <a:cs typeface="Arial Unicode MS" pitchFamily="34" charset="-128"/>
+              </a:rPr>
+              <a:t>&lt;</a:t>
+            </a:r>
+            <a:r>
+              <a:rPr kumimoji="0" lang="de-DE" sz="1200" b="1" i="0" u="none" strike="noStrike" kern="0" cap="none" spc="0" normalizeH="0" baseline="0" noProof="0" dirty="0" err="1" smtClean="0">
+                <a:ln>
+                  <a:noFill/>
+                </a:ln>
+                <a:solidFill>
+                  <a:schemeClr val="tx2">
+                    <a:lumMod val="50000"/>
+                  </a:schemeClr>
+                </a:solidFill>
+                <a:effectLst/>
+                <a:uLnTx/>
+                <a:uFillTx/>
+                <a:ea typeface="Arial Unicode MS" pitchFamily="34" charset="-128"/>
+                <a:cs typeface="Arial Unicode MS" pitchFamily="34" charset="-128"/>
+              </a:rPr>
+              <a:t>iframe</a:t>
+            </a:r>
+            <a:r>
+              <a:rPr kumimoji="0" lang="de-DE" sz="1200" b="1" i="0" u="none" strike="noStrike" kern="0" cap="none" spc="0" normalizeH="0" baseline="0" noProof="0" dirty="0" smtClean="0">
+                <a:ln>
+                  <a:noFill/>
+                </a:ln>
+                <a:solidFill>
+                  <a:schemeClr val="tx2">
+                    <a:lumMod val="50000"/>
+                  </a:schemeClr>
+                </a:solidFill>
+                <a:effectLst/>
+                <a:uLnTx/>
+                <a:uFillTx/>
+                <a:ea typeface="Arial Unicode MS" pitchFamily="34" charset="-128"/>
+                <a:cs typeface="Arial Unicode MS" pitchFamily="34" charset="-128"/>
+              </a:rPr>
+              <a:t>/&gt;</a:t>
+            </a:r>
+          </a:p>
+        </p:txBody>
+      </p:sp>
+      <p:cxnSp>
+        <p:nvCxnSpPr>
+          <p:cNvPr id="59" name="Straight Arrow Connector 58"/>
+          <p:cNvCxnSpPr>
+            <a:stCxn id="74" idx="3"/>
+          </p:cNvCxnSpPr>
+          <p:nvPr/>
+        </p:nvCxnSpPr>
+        <p:spPr>
+          <a:xfrm>
+            <a:off x="1935323" y="2764592"/>
+            <a:ext cx="3946240" cy="0"/>
+          </a:xfrm>
+          <a:prstGeom prst="straightConnector1">
+            <a:avLst/>
+          </a:prstGeom>
+          <a:ln w="38100">
+            <a:solidFill>
+              <a:schemeClr val="tx2">
+                <a:lumMod val="75000"/>
+              </a:schemeClr>
+            </a:solidFill>
+            <a:round/>
+            <a:tailEnd type="arrow"/>
+          </a:ln>
+          <a:effectLst>
+            <a:outerShdw blurRad="50800" dist="38100" dir="2700000" algn="tl" rotWithShape="0">
+              <a:prstClr val="black">
+                <a:alpha val="40000"/>
+              </a:prstClr>
+            </a:outerShdw>
+          </a:effectLst>
+        </p:spPr>
+        <p:style>
+          <a:lnRef idx="1">
+            <a:schemeClr val="accent1"/>
+          </a:lnRef>
+          <a:fillRef idx="0">
+            <a:schemeClr val="accent1"/>
+          </a:fillRef>
+          <a:effectRef idx="0">
+            <a:schemeClr val="accent1"/>
+          </a:effectRef>
+          <a:fontRef idx="minor">
+            <a:schemeClr val="tx1"/>
+          </a:fontRef>
+        </p:style>
+      </p:cxnSp>
+      <p:cxnSp>
+        <p:nvCxnSpPr>
+          <p:cNvPr id="61" name="Straight Arrow Connector 60"/>
+          <p:cNvCxnSpPr/>
+          <p:nvPr/>
+        </p:nvCxnSpPr>
+        <p:spPr>
+          <a:xfrm>
+            <a:off x="6385619" y="2759198"/>
+            <a:ext cx="3528392" cy="0"/>
+          </a:xfrm>
+          <a:prstGeom prst="straightConnector1">
+            <a:avLst/>
+          </a:prstGeom>
+          <a:ln w="38100">
+            <a:solidFill>
+              <a:schemeClr val="tx2">
+                <a:lumMod val="75000"/>
+              </a:schemeClr>
+            </a:solidFill>
+            <a:round/>
+            <a:tailEnd type="arrow"/>
+          </a:ln>
+          <a:effectLst>
+            <a:outerShdw blurRad="50800" dist="38100" dir="2700000" algn="tl" rotWithShape="0">
+              <a:prstClr val="black">
+                <a:alpha val="40000"/>
+              </a:prstClr>
+            </a:outerShdw>
+          </a:effectLst>
+        </p:spPr>
+        <p:style>
+          <a:lnRef idx="1">
+            <a:schemeClr val="accent1"/>
+          </a:lnRef>
+          <a:fillRef idx="0">
+            <a:schemeClr val="accent1"/>
+          </a:fillRef>
+          <a:effectRef idx="0">
+            <a:schemeClr val="accent1"/>
+          </a:effectRef>
+          <a:fontRef idx="minor">
+            <a:schemeClr val="tx1"/>
+          </a:fontRef>
+        </p:style>
+      </p:cxnSp>
+      <p:cxnSp>
+        <p:nvCxnSpPr>
+          <p:cNvPr id="63" name="Straight Arrow Connector 62"/>
+          <p:cNvCxnSpPr>
+            <a:stCxn id="9" idx="1"/>
+          </p:cNvCxnSpPr>
+          <p:nvPr/>
+        </p:nvCxnSpPr>
+        <p:spPr>
+          <a:xfrm flipH="1">
+            <a:off x="7537747" y="3009910"/>
+            <a:ext cx="2686453" cy="851932"/>
+          </a:xfrm>
+          <a:prstGeom prst="straightConnector1">
+            <a:avLst/>
+          </a:prstGeom>
+          <a:ln w="38100">
+            <a:solidFill>
+              <a:schemeClr val="tx2">
+                <a:lumMod val="75000"/>
+              </a:schemeClr>
+            </a:solidFill>
+            <a:round/>
+            <a:tailEnd type="arrow"/>
+          </a:ln>
+          <a:effectLst>
+            <a:outerShdw blurRad="50800" dist="38100" dir="2700000" algn="tl" rotWithShape="0">
+              <a:prstClr val="black">
+                <a:alpha val="40000"/>
+              </a:prstClr>
+            </a:outerShdw>
+          </a:effectLst>
+        </p:spPr>
+        <p:style>
+          <a:lnRef idx="1">
+            <a:schemeClr val="accent1"/>
+          </a:lnRef>
+          <a:fillRef idx="0">
+            <a:schemeClr val="accent1"/>
+          </a:fillRef>
+          <a:effectRef idx="0">
+            <a:schemeClr val="accent1"/>
+          </a:effectRef>
+          <a:fontRef idx="minor">
+            <a:schemeClr val="tx1"/>
+          </a:fontRef>
+        </p:style>
+      </p:cxnSp>
+      <p:cxnSp>
+        <p:nvCxnSpPr>
+          <p:cNvPr id="64" name="Straight Arrow Connector 63"/>
+          <p:cNvCxnSpPr/>
+          <p:nvPr/>
+        </p:nvCxnSpPr>
+        <p:spPr>
+          <a:xfrm>
+            <a:off x="7537747" y="3933850"/>
+            <a:ext cx="2448272" cy="720080"/>
+          </a:xfrm>
+          <a:prstGeom prst="straightConnector1">
+            <a:avLst/>
+          </a:prstGeom>
+          <a:ln w="38100">
+            <a:solidFill>
+              <a:schemeClr val="tx2">
+                <a:lumMod val="75000"/>
+              </a:schemeClr>
+            </a:solidFill>
+            <a:round/>
+            <a:tailEnd type="arrow"/>
+          </a:ln>
+          <a:effectLst>
+            <a:outerShdw blurRad="50800" dist="38100" dir="2700000" algn="tl" rotWithShape="0">
+              <a:prstClr val="black">
+                <a:alpha val="40000"/>
+              </a:prstClr>
+            </a:outerShdw>
+          </a:effectLst>
+        </p:spPr>
+        <p:style>
+          <a:lnRef idx="1">
+            <a:schemeClr val="accent1"/>
+          </a:lnRef>
+          <a:fillRef idx="0">
+            <a:schemeClr val="accent1"/>
+          </a:fillRef>
+          <a:effectRef idx="0">
+            <a:schemeClr val="accent1"/>
+          </a:effectRef>
+          <a:fontRef idx="minor">
+            <a:schemeClr val="tx1"/>
+          </a:fontRef>
+        </p:style>
+      </p:cxnSp>
+      <p:sp>
+        <p:nvSpPr>
+          <p:cNvPr id="69" name="TextBox 68"/>
+          <p:cNvSpPr txBox="1"/>
+          <p:nvPr/>
+        </p:nvSpPr>
+        <p:spPr>
+          <a:xfrm>
+            <a:off x="3865339" y="2540437"/>
+            <a:ext cx="1734449" cy="169277"/>
+          </a:xfrm>
+          <a:prstGeom prst="rect">
+            <a:avLst/>
+          </a:prstGeom>
+          <a:noFill/>
+        </p:spPr>
+        <p:txBody>
+          <a:bodyPr wrap="none" lIns="0" tIns="0" rIns="0" bIns="0" rtlCol="0">
+            <a:spAutoFit/>
+          </a:bodyPr>
+          <a:lstStyle/>
+          <a:p>
+            <a:pPr fontAlgn="base">
+              <a:spcBef>
+                <a:spcPct val="50000"/>
+              </a:spcBef>
+              <a:spcAft>
+                <a:spcPct val="0"/>
+              </a:spcAft>
+              <a:buClr>
+                <a:srgbClr val="F0AB00"/>
+              </a:buClr>
+              <a:buSzPct val="80000"/>
+            </a:pPr>
+            <a:r>
+              <a:rPr lang="de-DE" sz="1100" b="1" kern="0" dirty="0" smtClean="0">
+                <a:solidFill>
+                  <a:schemeClr val="tx2">
+                    <a:lumMod val="50000"/>
+                  </a:schemeClr>
+                </a:solidFill>
+                <a:ea typeface="Arial Unicode MS" pitchFamily="34" charset="-128"/>
+                <a:cs typeface="Arial Unicode MS" pitchFamily="34" charset="-128"/>
+              </a:rPr>
+              <a:t>App Parameters + </a:t>
+            </a:r>
+            <a:r>
+              <a:rPr lang="de-DE" sz="1100" b="1" kern="0" dirty="0" err="1" smtClean="0">
+                <a:solidFill>
+                  <a:srgbClr val="FFC000"/>
+                </a:solidFill>
+                <a:ea typeface="Arial Unicode MS" pitchFamily="34" charset="-128"/>
+                <a:cs typeface="Arial Unicode MS" pitchFamily="34" charset="-128"/>
+              </a:rPr>
+              <a:t>Referer</a:t>
+            </a:r>
+            <a:endParaRPr lang="de-DE" sz="1100" b="1" kern="0" dirty="0" smtClean="0">
+              <a:solidFill>
+                <a:srgbClr val="FFC000"/>
+              </a:solidFill>
+              <a:ea typeface="Arial Unicode MS" pitchFamily="34" charset="-128"/>
+              <a:cs typeface="Arial Unicode MS" pitchFamily="34" charset="-128"/>
+            </a:endParaRPr>
+          </a:p>
+        </p:txBody>
+      </p:sp>
+      <p:sp>
+        <p:nvSpPr>
+          <p:cNvPr id="70" name="TextBox 69"/>
+          <p:cNvSpPr txBox="1"/>
+          <p:nvPr/>
+        </p:nvSpPr>
+        <p:spPr>
+          <a:xfrm rot="20538618">
+            <a:off x="7942535" y="3205154"/>
+            <a:ext cx="1734449" cy="169277"/>
+          </a:xfrm>
+          <a:prstGeom prst="rect">
+            <a:avLst/>
+          </a:prstGeom>
+          <a:noFill/>
+        </p:spPr>
+        <p:txBody>
+          <a:bodyPr wrap="none" lIns="0" tIns="0" rIns="0" bIns="0" rtlCol="0">
+            <a:spAutoFit/>
+          </a:bodyPr>
+          <a:lstStyle/>
+          <a:p>
+            <a:pPr fontAlgn="base">
+              <a:spcBef>
+                <a:spcPct val="50000"/>
+              </a:spcBef>
+              <a:spcAft>
+                <a:spcPct val="0"/>
+              </a:spcAft>
+              <a:buClr>
+                <a:srgbClr val="F0AB00"/>
+              </a:buClr>
+              <a:buSzPct val="80000"/>
+            </a:pPr>
+            <a:r>
+              <a:rPr lang="de-DE" sz="1100" b="1" kern="0" dirty="0" smtClean="0">
+                <a:solidFill>
+                  <a:schemeClr val="tx2">
+                    <a:lumMod val="50000"/>
+                  </a:schemeClr>
+                </a:solidFill>
+                <a:ea typeface="Arial Unicode MS" pitchFamily="34" charset="-128"/>
+                <a:cs typeface="Arial Unicode MS" pitchFamily="34" charset="-128"/>
+              </a:rPr>
+              <a:t>App Parameters + </a:t>
+            </a:r>
+            <a:r>
+              <a:rPr lang="de-DE" sz="1100" b="1" kern="0" dirty="0" err="1" smtClean="0">
+                <a:solidFill>
+                  <a:srgbClr val="FFC000"/>
+                </a:solidFill>
+                <a:ea typeface="Arial Unicode MS" pitchFamily="34" charset="-128"/>
+                <a:cs typeface="Arial Unicode MS" pitchFamily="34" charset="-128"/>
+              </a:rPr>
+              <a:t>Referer</a:t>
+            </a:r>
+            <a:endParaRPr lang="de-DE" sz="1100" b="1" kern="0" dirty="0" smtClean="0">
+              <a:solidFill>
+                <a:srgbClr val="FFC000"/>
+              </a:solidFill>
+              <a:ea typeface="Arial Unicode MS" pitchFamily="34" charset="-128"/>
+              <a:cs typeface="Arial Unicode MS" pitchFamily="34" charset="-128"/>
+            </a:endParaRPr>
+          </a:p>
+        </p:txBody>
+      </p:sp>
+      <p:grpSp>
+        <p:nvGrpSpPr>
+          <p:cNvPr id="78" name="Group 77"/>
+          <p:cNvGrpSpPr/>
+          <p:nvPr/>
+        </p:nvGrpSpPr>
+        <p:grpSpPr>
+          <a:xfrm>
+            <a:off x="693079" y="4150590"/>
+            <a:ext cx="1440160" cy="1655468"/>
+            <a:chOff x="467154" y="1976766"/>
+            <a:chExt cx="3118619" cy="2202572"/>
+          </a:xfrm>
+          <a:solidFill>
+            <a:schemeClr val="accent4">
+              <a:lumMod val="40000"/>
+              <a:lumOff val="60000"/>
+            </a:schemeClr>
+          </a:solidFill>
+        </p:grpSpPr>
+        <p:sp>
+          <p:nvSpPr>
+            <p:cNvPr id="79" name="Snip Single Corner Rectangle 78"/>
+            <p:cNvSpPr/>
+            <p:nvPr/>
+          </p:nvSpPr>
+          <p:spPr bwMode="gray">
+            <a:xfrm>
+              <a:off x="696987" y="1984386"/>
+              <a:ext cx="2880320" cy="2165488"/>
+            </a:xfrm>
+            <a:prstGeom prst="snip1Rect">
+              <a:avLst/>
+            </a:prstGeom>
+            <a:solidFill>
+              <a:srgbClr val="FFC000"/>
+            </a:solidFill>
+            <a:ln w="6350" algn="ctr">
+              <a:solidFill>
+                <a:schemeClr val="tx1"/>
+              </a:solidFill>
+              <a:miter lim="800000"/>
+              <a:headEnd/>
+              <a:tailEnd/>
+            </a:ln>
+            <a:effectLst>
+              <a:reflection blurRad="6350" stA="52000" endA="300" endPos="35000" dir="5400000" sy="-100000" algn="bl" rotWithShape="0"/>
+            </a:effectLst>
+          </p:spPr>
+          <p:txBody>
+            <a:bodyPr lIns="90000" tIns="72000" rIns="90000" bIns="72000" rtlCol="0" anchor="ctr"/>
+            <a:lstStyle/>
+            <a:p>
+              <a:pPr marR="0" algn="ctr" defTabSz="914400" eaLnBrk="1" fontAlgn="base" latinLnBrk="0" hangingPunct="1">
+                <a:lnSpc>
+                  <a:spcPct val="100000"/>
+                </a:lnSpc>
+                <a:spcBef>
+                  <a:spcPct val="50000"/>
+                </a:spcBef>
+                <a:spcAft>
+                  <a:spcPct val="0"/>
+                </a:spcAft>
+                <a:buClr>
+                  <a:srgbClr val="F0AB00"/>
+                </a:buClr>
+                <a:buSzPct val="80000"/>
+                <a:tabLst/>
+              </a:pPr>
+              <a:endParaRPr kumimoji="0" lang="de-DE" sz="2000" b="0" i="0" u="none" strike="noStrike" kern="0" cap="none" spc="0" normalizeH="0" baseline="0" noProof="0" dirty="0" err="1" smtClean="0">
+                <a:ln>
+                  <a:noFill/>
+                </a:ln>
+                <a:effectLst/>
+                <a:uLnTx/>
+                <a:uFillTx/>
+                <a:ea typeface="Arial Unicode MS" pitchFamily="34" charset="-128"/>
+                <a:cs typeface="Arial Unicode MS" pitchFamily="34" charset="-128"/>
+              </a:endParaRPr>
+            </a:p>
+          </p:txBody>
+        </p:sp>
+        <p:sp>
+          <p:nvSpPr>
+            <p:cNvPr id="80" name="Right Triangle 79"/>
+            <p:cNvSpPr/>
+            <p:nvPr/>
+          </p:nvSpPr>
+          <p:spPr bwMode="gray">
+            <a:xfrm>
+              <a:off x="3089383" y="1976766"/>
+              <a:ext cx="496390" cy="324000"/>
+            </a:xfrm>
+            <a:prstGeom prst="rtTriangle">
+              <a:avLst/>
+            </a:prstGeom>
+            <a:solidFill>
+              <a:schemeClr val="accent1">
+                <a:lumMod val="40000"/>
+                <a:lumOff val="60000"/>
+              </a:schemeClr>
+            </a:solidFill>
+            <a:ln w="6350" algn="ctr">
+              <a:solidFill>
+                <a:schemeClr val="tx1"/>
+              </a:solidFill>
+              <a:miter lim="800000"/>
+              <a:headEnd/>
+              <a:tailEnd/>
+            </a:ln>
+            <a:effectLst>
+              <a:outerShdw blurRad="50800" dir="8100000" sx="110000" sy="110000" algn="tr" rotWithShape="0">
+                <a:prstClr val="black">
+                  <a:alpha val="40000"/>
+                </a:prstClr>
+              </a:outerShdw>
+            </a:effectLst>
+          </p:spPr>
+          <p:txBody>
+            <a:bodyPr lIns="90000" tIns="72000" rIns="90000" bIns="72000" rtlCol="0" anchor="ctr"/>
+            <a:lstStyle/>
+            <a:p>
+              <a:pPr marR="0" algn="ctr" defTabSz="914400" eaLnBrk="1" fontAlgn="base" latinLnBrk="0" hangingPunct="1">
+                <a:lnSpc>
+                  <a:spcPct val="100000"/>
+                </a:lnSpc>
+                <a:spcBef>
+                  <a:spcPct val="50000"/>
+                </a:spcBef>
+                <a:spcAft>
+                  <a:spcPct val="0"/>
+                </a:spcAft>
+                <a:buClr>
+                  <a:srgbClr val="F0AB00"/>
+                </a:buClr>
+                <a:buSzPct val="80000"/>
+                <a:tabLst/>
+              </a:pPr>
+              <a:endParaRPr kumimoji="0" lang="de-DE" sz="2000" b="0" i="0" u="none" strike="noStrike" kern="0" cap="none" spc="0" normalizeH="0" baseline="0" noProof="0" dirty="0" err="1" smtClean="0">
+                <a:ln>
+                  <a:noFill/>
+                </a:ln>
+                <a:effectLst/>
+                <a:uLnTx/>
+                <a:uFillTx/>
+                <a:ea typeface="Arial Unicode MS" pitchFamily="34" charset="-128"/>
+                <a:cs typeface="Arial Unicode MS" pitchFamily="34" charset="-128"/>
+              </a:endParaRPr>
+            </a:p>
+          </p:txBody>
+        </p:sp>
+        <p:sp>
+          <p:nvSpPr>
+            <p:cNvPr id="81" name="TextBox 80"/>
+            <p:cNvSpPr txBox="1"/>
+            <p:nvPr/>
+          </p:nvSpPr>
+          <p:spPr>
+            <a:xfrm>
+              <a:off x="467154" y="2127375"/>
+              <a:ext cx="1014049" cy="225220"/>
+            </a:xfrm>
+            <a:prstGeom prst="rect">
+              <a:avLst/>
+            </a:prstGeom>
+            <a:solidFill>
+              <a:schemeClr val="accent1">
+                <a:lumMod val="40000"/>
+                <a:lumOff val="60000"/>
+              </a:schemeClr>
+            </a:solidFill>
+            <a:ln>
+              <a:solidFill>
+                <a:schemeClr val="tx1"/>
+              </a:solidFill>
+            </a:ln>
+          </p:spPr>
+          <p:txBody>
+            <a:bodyPr wrap="square" lIns="0" tIns="0" rIns="0" bIns="0" rtlCol="0" anchor="ctr" anchorCtr="0">
+              <a:spAutoFit/>
+            </a:bodyPr>
+            <a:lstStyle/>
+            <a:p>
+              <a:pPr algn="ctr" fontAlgn="base">
+                <a:spcBef>
+                  <a:spcPct val="50000"/>
+                </a:spcBef>
+                <a:spcAft>
+                  <a:spcPct val="0"/>
+                </a:spcAft>
+                <a:buClr>
+                  <a:srgbClr val="F0AB00"/>
+                </a:buClr>
+                <a:buSzPct val="80000"/>
+              </a:pPr>
+              <a:r>
+                <a:rPr lang="de-DE" sz="1100" b="1" kern="0" dirty="0" smtClean="0">
+                  <a:ea typeface="Arial Unicode MS" pitchFamily="34" charset="-128"/>
+                  <a:cs typeface="Arial Unicode MS" pitchFamily="34" charset="-128"/>
+                </a:rPr>
+                <a:t>IPA</a:t>
+              </a:r>
+              <a:endParaRPr lang="de-DE" sz="1100" b="1" kern="0" dirty="0" smtClean="0">
+                <a:ea typeface="Arial Unicode MS" pitchFamily="34" charset="-128"/>
+                <a:cs typeface="Arial Unicode MS" pitchFamily="34" charset="-128"/>
+              </a:endParaRPr>
+            </a:p>
+          </p:txBody>
+        </p:sp>
+        <p:sp>
+          <p:nvSpPr>
+            <p:cNvPr id="82" name="Rectangle 81"/>
+            <p:cNvSpPr/>
+            <p:nvPr/>
+          </p:nvSpPr>
+          <p:spPr>
+            <a:xfrm>
+              <a:off x="696988" y="3565101"/>
+              <a:ext cx="2880320" cy="614237"/>
+            </a:xfrm>
+            <a:prstGeom prst="rect">
+              <a:avLst/>
+            </a:prstGeom>
+            <a:noFill/>
+          </p:spPr>
+          <p:txBody>
+            <a:bodyPr wrap="square" lIns="91440" tIns="45720" rIns="91440" bIns="45720">
+              <a:spAutoFit/>
+            </a:bodyPr>
+            <a:lstStyle/>
+            <a:p>
+              <a:pPr algn="ctr"/>
+              <a:r>
+                <a:rPr lang="en-US" sz="2400" b="1" cap="none" spc="0" dirty="0" smtClean="0">
+                  <a:ln w="12700" cmpd="sng">
+                    <a:gradFill>
+                      <a:gsLst>
+                        <a:gs pos="25000">
+                          <a:schemeClr val="accent1">
+                            <a:shade val="25000"/>
+                            <a:satMod val="190000"/>
+                          </a:schemeClr>
+                        </a:gs>
+                        <a:gs pos="80000">
+                          <a:schemeClr val="accent1">
+                            <a:tint val="75000"/>
+                            <a:satMod val="190000"/>
+                          </a:schemeClr>
+                        </a:gs>
+                      </a:gsLst>
+                      <a:lin ang="5400000"/>
+                    </a:gradFill>
+                    <a:prstDash val="solid"/>
+                  </a:ln>
+                  <a:solidFill>
+                    <a:srgbClr val="FFFFFF"/>
+                  </a:solidFill>
+                  <a:effectLst>
+                    <a:outerShdw blurRad="50800" dist="38100" dir="2700000" algn="tl" rotWithShape="0">
+                      <a:prstClr val="black">
+                        <a:alpha val="40000"/>
+                      </a:prstClr>
+                    </a:outerShdw>
+                    <a:reflection blurRad="6350" stA="60000" endA="900" endPos="58000" dist="177800" dir="5400000" sy="-100000" algn="bl" rotWithShape="0"/>
+                  </a:effectLst>
+                </a:rPr>
+                <a:t>010001</a:t>
+              </a:r>
+              <a:endParaRPr lang="en-US" sz="2400" b="1" cap="none" spc="0" dirty="0">
+                <a:ln w="12700" cmpd="sng">
+                  <a:gradFill>
+                    <a:gsLst>
+                      <a:gs pos="25000">
+                        <a:schemeClr val="accent1">
+                          <a:shade val="25000"/>
+                          <a:satMod val="190000"/>
+                        </a:schemeClr>
+                      </a:gs>
+                      <a:gs pos="80000">
+                        <a:schemeClr val="accent1">
+                          <a:tint val="75000"/>
+                          <a:satMod val="190000"/>
+                        </a:schemeClr>
+                      </a:gs>
+                    </a:gsLst>
+                    <a:lin ang="5400000"/>
+                  </a:gradFill>
+                  <a:prstDash val="solid"/>
+                </a:ln>
+                <a:solidFill>
+                  <a:srgbClr val="FFFFFF"/>
+                </a:solidFill>
+                <a:effectLst>
+                  <a:outerShdw blurRad="50800" dist="38100" dir="2700000" algn="tl" rotWithShape="0">
+                    <a:prstClr val="black">
+                      <a:alpha val="40000"/>
+                    </a:prstClr>
+                  </a:outerShdw>
+                  <a:reflection blurRad="6350" stA="60000" endA="900" endPos="58000" dist="177800" dir="5400000" sy="-100000" algn="bl" rotWithShape="0"/>
+                </a:effectLst>
+              </a:endParaRPr>
+            </a:p>
+          </p:txBody>
+        </p:sp>
+      </p:grpSp>
+      <p:grpSp>
+        <p:nvGrpSpPr>
+          <p:cNvPr id="88" name="Group 87"/>
+          <p:cNvGrpSpPr/>
+          <p:nvPr/>
+        </p:nvGrpSpPr>
+        <p:grpSpPr>
+          <a:xfrm>
+            <a:off x="9986019" y="4156317"/>
+            <a:ext cx="1440160" cy="1655468"/>
+            <a:chOff x="467154" y="1976766"/>
+            <a:chExt cx="3118619" cy="2202572"/>
+          </a:xfrm>
+          <a:solidFill>
+            <a:schemeClr val="accent4">
+              <a:lumMod val="40000"/>
+              <a:lumOff val="60000"/>
+            </a:schemeClr>
+          </a:solidFill>
+        </p:grpSpPr>
+        <p:sp>
+          <p:nvSpPr>
+            <p:cNvPr id="89" name="Snip Single Corner Rectangle 88"/>
+            <p:cNvSpPr/>
+            <p:nvPr/>
+          </p:nvSpPr>
+          <p:spPr bwMode="gray">
+            <a:xfrm>
+              <a:off x="696987" y="1984386"/>
+              <a:ext cx="2880320" cy="2165488"/>
+            </a:xfrm>
+            <a:prstGeom prst="snip1Rect">
+              <a:avLst/>
+            </a:prstGeom>
+            <a:solidFill>
+              <a:schemeClr val="bg1">
+                <a:lumMod val="75000"/>
+              </a:schemeClr>
+            </a:solidFill>
+            <a:ln w="6350" algn="ctr">
+              <a:solidFill>
+                <a:schemeClr val="tx1"/>
+              </a:solidFill>
+              <a:miter lim="800000"/>
+              <a:headEnd/>
+              <a:tailEnd/>
+            </a:ln>
+            <a:effectLst>
+              <a:reflection blurRad="6350" stA="52000" endA="300" endPos="35000" dir="5400000" sy="-100000" algn="bl" rotWithShape="0"/>
+            </a:effectLst>
+          </p:spPr>
+          <p:txBody>
+            <a:bodyPr lIns="90000" tIns="72000" rIns="90000" bIns="72000" rtlCol="0" anchor="ctr"/>
+            <a:lstStyle/>
+            <a:p>
+              <a:pPr marR="0" algn="ctr" defTabSz="914400" eaLnBrk="1" fontAlgn="base" latinLnBrk="0" hangingPunct="1">
+                <a:lnSpc>
+                  <a:spcPct val="100000"/>
+                </a:lnSpc>
+                <a:spcBef>
+                  <a:spcPct val="50000"/>
+                </a:spcBef>
+                <a:spcAft>
+                  <a:spcPct val="0"/>
+                </a:spcAft>
+                <a:buClr>
+                  <a:srgbClr val="F0AB00"/>
+                </a:buClr>
+                <a:buSzPct val="80000"/>
+                <a:tabLst/>
+              </a:pPr>
+              <a:endParaRPr kumimoji="0" lang="de-DE" sz="2000" b="0" i="0" u="none" strike="noStrike" kern="0" cap="none" spc="0" normalizeH="0" baseline="0" noProof="0" dirty="0" err="1" smtClean="0">
+                <a:ln>
+                  <a:noFill/>
+                </a:ln>
+                <a:effectLst/>
+                <a:uLnTx/>
+                <a:uFillTx/>
+                <a:ea typeface="Arial Unicode MS" pitchFamily="34" charset="-128"/>
+                <a:cs typeface="Arial Unicode MS" pitchFamily="34" charset="-128"/>
+              </a:endParaRPr>
+            </a:p>
+          </p:txBody>
+        </p:sp>
+        <p:sp>
+          <p:nvSpPr>
+            <p:cNvPr id="90" name="Right Triangle 89"/>
+            <p:cNvSpPr/>
+            <p:nvPr/>
+          </p:nvSpPr>
+          <p:spPr bwMode="gray">
+            <a:xfrm>
+              <a:off x="3089383" y="1976766"/>
+              <a:ext cx="496390" cy="324000"/>
+            </a:xfrm>
+            <a:prstGeom prst="rtTriangle">
+              <a:avLst/>
+            </a:prstGeom>
+            <a:solidFill>
+              <a:schemeClr val="bg1">
+                <a:lumMod val="95000"/>
+              </a:schemeClr>
+            </a:solidFill>
+            <a:ln w="6350" algn="ctr">
+              <a:solidFill>
+                <a:schemeClr val="tx1"/>
+              </a:solidFill>
+              <a:miter lim="800000"/>
+              <a:headEnd/>
+              <a:tailEnd/>
+            </a:ln>
+            <a:effectLst>
+              <a:outerShdw blurRad="50800" dir="8100000" sx="110000" sy="110000" algn="tr" rotWithShape="0">
+                <a:prstClr val="black">
+                  <a:alpha val="40000"/>
+                </a:prstClr>
+              </a:outerShdw>
+            </a:effectLst>
+          </p:spPr>
+          <p:txBody>
+            <a:bodyPr lIns="90000" tIns="72000" rIns="90000" bIns="72000" rtlCol="0" anchor="ctr"/>
+            <a:lstStyle/>
+            <a:p>
+              <a:pPr marR="0" algn="ctr" defTabSz="914400" eaLnBrk="1" fontAlgn="base" latinLnBrk="0" hangingPunct="1">
+                <a:lnSpc>
+                  <a:spcPct val="100000"/>
+                </a:lnSpc>
+                <a:spcBef>
+                  <a:spcPct val="50000"/>
+                </a:spcBef>
+                <a:spcAft>
+                  <a:spcPct val="0"/>
+                </a:spcAft>
+                <a:buClr>
+                  <a:srgbClr val="F0AB00"/>
+                </a:buClr>
+                <a:buSzPct val="80000"/>
+                <a:tabLst/>
+              </a:pPr>
+              <a:endParaRPr kumimoji="0" lang="de-DE" sz="2000" b="0" i="0" u="none" strike="noStrike" kern="0" cap="none" spc="0" normalizeH="0" baseline="0" noProof="0" dirty="0" err="1" smtClean="0">
+                <a:ln>
+                  <a:noFill/>
+                </a:ln>
+                <a:effectLst/>
+                <a:uLnTx/>
+                <a:uFillTx/>
+                <a:ea typeface="Arial Unicode MS" pitchFamily="34" charset="-128"/>
+                <a:cs typeface="Arial Unicode MS" pitchFamily="34" charset="-128"/>
+              </a:endParaRPr>
+            </a:p>
+          </p:txBody>
+        </p:sp>
+        <p:sp>
+          <p:nvSpPr>
+            <p:cNvPr id="91" name="TextBox 90"/>
+            <p:cNvSpPr txBox="1"/>
+            <p:nvPr/>
+          </p:nvSpPr>
+          <p:spPr>
+            <a:xfrm>
+              <a:off x="467154" y="2127375"/>
+              <a:ext cx="1014049" cy="225220"/>
+            </a:xfrm>
+            <a:prstGeom prst="rect">
+              <a:avLst/>
+            </a:prstGeom>
+            <a:solidFill>
+              <a:schemeClr val="bg1">
+                <a:lumMod val="95000"/>
+              </a:schemeClr>
+            </a:solidFill>
+            <a:ln>
+              <a:solidFill>
+                <a:schemeClr val="tx1"/>
+              </a:solidFill>
+            </a:ln>
+          </p:spPr>
+          <p:txBody>
+            <a:bodyPr wrap="square" lIns="0" tIns="0" rIns="0" bIns="0" rtlCol="0" anchor="ctr" anchorCtr="0">
+              <a:spAutoFit/>
+            </a:bodyPr>
+            <a:lstStyle/>
+            <a:p>
+              <a:pPr algn="ctr" fontAlgn="base">
+                <a:spcBef>
+                  <a:spcPct val="50000"/>
+                </a:spcBef>
+                <a:spcAft>
+                  <a:spcPct val="0"/>
+                </a:spcAft>
+                <a:buClr>
+                  <a:srgbClr val="F0AB00"/>
+                </a:buClr>
+                <a:buSzPct val="80000"/>
+              </a:pPr>
+              <a:r>
+                <a:rPr lang="de-DE" sz="1100" b="1" kern="0" dirty="0" smtClean="0">
+                  <a:ea typeface="Arial Unicode MS" pitchFamily="34" charset="-128"/>
+                  <a:cs typeface="Arial Unicode MS" pitchFamily="34" charset="-128"/>
+                </a:rPr>
+                <a:t>PLIST</a:t>
+              </a:r>
+              <a:endParaRPr lang="de-DE" sz="1100" b="1" kern="0" dirty="0" smtClean="0">
+                <a:ea typeface="Arial Unicode MS" pitchFamily="34" charset="-128"/>
+                <a:cs typeface="Arial Unicode MS" pitchFamily="34" charset="-128"/>
+              </a:endParaRPr>
+            </a:p>
+          </p:txBody>
+        </p:sp>
+        <p:sp>
+          <p:nvSpPr>
+            <p:cNvPr id="92" name="Rectangle 91"/>
+            <p:cNvSpPr/>
+            <p:nvPr/>
+          </p:nvSpPr>
+          <p:spPr>
+            <a:xfrm>
+              <a:off x="696988" y="3565101"/>
+              <a:ext cx="2880320" cy="614237"/>
+            </a:xfrm>
+            <a:prstGeom prst="rect">
+              <a:avLst/>
+            </a:prstGeom>
+            <a:noFill/>
+          </p:spPr>
+          <p:txBody>
+            <a:bodyPr wrap="square" lIns="91440" tIns="45720" rIns="91440" bIns="45720">
+              <a:spAutoFit/>
+            </a:bodyPr>
+            <a:lstStyle/>
+            <a:p>
+              <a:pPr algn="ctr"/>
+              <a:r>
+                <a:rPr lang="en-US" sz="2400" b="1" cap="none" spc="0" dirty="0" smtClean="0">
+                  <a:ln w="12700" cmpd="sng">
+                    <a:solidFill>
+                      <a:schemeClr val="bg2">
+                        <a:lumMod val="25000"/>
+                      </a:schemeClr>
+                    </a:solidFill>
+                    <a:prstDash val="solid"/>
+                  </a:ln>
+                  <a:solidFill>
+                    <a:srgbClr val="FFFFFF"/>
+                  </a:solidFill>
+                  <a:effectLst>
+                    <a:outerShdw blurRad="50800" dist="38100" dir="2700000" algn="tl" rotWithShape="0">
+                      <a:prstClr val="black">
+                        <a:alpha val="40000"/>
+                      </a:prstClr>
+                    </a:outerShdw>
+                    <a:reflection blurRad="6350" stA="60000" endA="900" endPos="58000" dist="177800" dir="5400000" sy="-100000" algn="bl" rotWithShape="0"/>
+                  </a:effectLst>
+                </a:rPr>
+                <a:t>&lt;/&gt;</a:t>
+              </a:r>
+              <a:endParaRPr lang="en-US" sz="2400" b="1" cap="none" spc="0" dirty="0">
+                <a:ln w="12700" cmpd="sng">
+                  <a:solidFill>
+                    <a:schemeClr val="bg2">
+                      <a:lumMod val="25000"/>
+                    </a:schemeClr>
+                  </a:solidFill>
+                  <a:prstDash val="solid"/>
+                </a:ln>
+                <a:solidFill>
+                  <a:srgbClr val="FFFFFF"/>
+                </a:solidFill>
+                <a:effectLst>
+                  <a:outerShdw blurRad="50800" dist="38100" dir="2700000" algn="tl" rotWithShape="0">
+                    <a:prstClr val="black">
+                      <a:alpha val="40000"/>
+                    </a:prstClr>
+                  </a:outerShdw>
+                  <a:reflection blurRad="6350" stA="60000" endA="900" endPos="58000" dist="177800" dir="5400000" sy="-100000" algn="bl" rotWithShape="0"/>
+                </a:effectLst>
+              </a:endParaRPr>
+            </a:p>
+          </p:txBody>
+        </p:sp>
+      </p:grpSp>
+      <p:sp>
+        <p:nvSpPr>
+          <p:cNvPr id="103" name="Rectangle 102"/>
+          <p:cNvSpPr/>
+          <p:nvPr/>
+        </p:nvSpPr>
+        <p:spPr bwMode="gray">
+          <a:xfrm>
+            <a:off x="10219191" y="5008801"/>
+            <a:ext cx="1083346" cy="263705"/>
+          </a:xfrm>
+          <a:prstGeom prst="rect">
+            <a:avLst/>
+          </a:prstGeom>
+          <a:ln>
+            <a:headEnd/>
+            <a:tailEnd/>
+          </a:ln>
+        </p:spPr>
+        <p:style>
+          <a:lnRef idx="2">
+            <a:schemeClr val="accent1">
+              <a:shade val="50000"/>
+            </a:schemeClr>
+          </a:lnRef>
+          <a:fillRef idx="1">
+            <a:schemeClr val="accent1"/>
+          </a:fillRef>
+          <a:effectRef idx="0">
+            <a:schemeClr val="accent1"/>
+          </a:effectRef>
+          <a:fontRef idx="minor">
+            <a:schemeClr val="lt1"/>
+          </a:fontRef>
+        </p:style>
+        <p:txBody>
+          <a:bodyPr lIns="90000" tIns="72000" rIns="90000" bIns="72000" rtlCol="0" anchor="ctr"/>
+          <a:lstStyle/>
+          <a:p>
+            <a:pPr marR="0" algn="ctr" defTabSz="914400" eaLnBrk="1" fontAlgn="base" latinLnBrk="0" hangingPunct="1">
+              <a:lnSpc>
+                <a:spcPct val="100000"/>
+              </a:lnSpc>
+              <a:spcBef>
+                <a:spcPct val="50000"/>
+              </a:spcBef>
+              <a:spcAft>
+                <a:spcPct val="0"/>
+              </a:spcAft>
+              <a:buClr>
+                <a:srgbClr val="F0AB00"/>
+              </a:buClr>
+              <a:buSzPct val="80000"/>
+              <a:tabLst/>
+            </a:pPr>
+            <a:r>
+              <a:rPr kumimoji="0" lang="de-DE" sz="1200" b="1" i="0" u="none" strike="noStrike" kern="0" cap="none" spc="0" normalizeH="0" baseline="0" noProof="0" dirty="0" smtClean="0">
+                <a:ln>
+                  <a:noFill/>
+                </a:ln>
+                <a:effectLst/>
+                <a:uLnTx/>
+                <a:uFillTx/>
+                <a:ea typeface="Arial Unicode MS" pitchFamily="34" charset="-128"/>
+                <a:cs typeface="Arial Unicode MS" pitchFamily="34" charset="-128"/>
+              </a:rPr>
+              <a:t>IPA URL</a:t>
+            </a:r>
+            <a:endParaRPr kumimoji="0" lang="de-DE" sz="1200" b="1" i="0" u="none" strike="noStrike" kern="0" cap="none" spc="0" normalizeH="0" baseline="0" noProof="0" dirty="0" smtClean="0">
+              <a:ln>
+                <a:noFill/>
+              </a:ln>
+              <a:effectLst/>
+              <a:uLnTx/>
+              <a:uFillTx/>
+              <a:ea typeface="Arial Unicode MS" pitchFamily="34" charset="-128"/>
+              <a:cs typeface="Arial Unicode MS" pitchFamily="34" charset="-128"/>
+            </a:endParaRPr>
+          </a:p>
+        </p:txBody>
+      </p:sp>
+      <p:cxnSp>
+        <p:nvCxnSpPr>
+          <p:cNvPr id="65" name="Straight Arrow Connector 64"/>
+          <p:cNvCxnSpPr/>
+          <p:nvPr/>
+        </p:nvCxnSpPr>
+        <p:spPr>
+          <a:xfrm flipH="1">
+            <a:off x="2281163" y="5157986"/>
+            <a:ext cx="7938028" cy="0"/>
+          </a:xfrm>
+          <a:prstGeom prst="straightConnector1">
+            <a:avLst/>
+          </a:prstGeom>
+          <a:ln w="38100">
+            <a:solidFill>
+              <a:schemeClr val="tx2">
+                <a:lumMod val="75000"/>
+              </a:schemeClr>
+            </a:solidFill>
+            <a:round/>
+            <a:tailEnd type="arrow"/>
+          </a:ln>
+          <a:effectLst>
+            <a:outerShdw blurRad="50800" dist="38100" dir="2700000" algn="tl" rotWithShape="0">
+              <a:prstClr val="black">
+                <a:alpha val="40000"/>
+              </a:prstClr>
+            </a:outerShdw>
+          </a:effectLst>
+        </p:spPr>
+        <p:style>
+          <a:lnRef idx="1">
+            <a:schemeClr val="accent1"/>
+          </a:lnRef>
+          <a:fillRef idx="0">
+            <a:schemeClr val="accent1"/>
+          </a:fillRef>
+          <a:effectRef idx="0">
+            <a:schemeClr val="accent1"/>
+          </a:effectRef>
+          <a:fontRef idx="minor">
+            <a:schemeClr val="tx1"/>
+          </a:fontRef>
+        </p:style>
+      </p:cxnSp>
+      <p:grpSp>
+        <p:nvGrpSpPr>
+          <p:cNvPr id="118" name="Group 117"/>
+          <p:cNvGrpSpPr/>
+          <p:nvPr/>
+        </p:nvGrpSpPr>
+        <p:grpSpPr>
+          <a:xfrm>
+            <a:off x="3168634" y="1413570"/>
+            <a:ext cx="984737" cy="4680520"/>
+            <a:chOff x="2785219" y="1413570"/>
+            <a:chExt cx="984737" cy="4680520"/>
+          </a:xfrm>
+        </p:grpSpPr>
+        <p:cxnSp>
+          <p:nvCxnSpPr>
+            <p:cNvPr id="113" name="Straight Connector 112"/>
+            <p:cNvCxnSpPr/>
+            <p:nvPr/>
+          </p:nvCxnSpPr>
+          <p:spPr>
+            <a:xfrm>
+              <a:off x="3217267" y="1413570"/>
+              <a:ext cx="0" cy="4680520"/>
+            </a:xfrm>
+            <a:prstGeom prst="line">
+              <a:avLst/>
+            </a:prstGeom>
+            <a:ln w="44450">
+              <a:solidFill>
+                <a:srgbClr val="FF0000"/>
+              </a:solidFill>
+              <a:prstDash val="lgDash"/>
+            </a:ln>
+            <a:effectLst>
+              <a:glow rad="76200">
+                <a:srgbClr val="FFC000"/>
+              </a:glow>
+            </a:effectLst>
+          </p:spPr>
+          <p:style>
+            <a:lnRef idx="1">
+              <a:schemeClr val="accent1"/>
+            </a:lnRef>
+            <a:fillRef idx="0">
+              <a:schemeClr val="accent1"/>
+            </a:fillRef>
+            <a:effectRef idx="0">
+              <a:schemeClr val="accent1"/>
+            </a:effectRef>
+            <a:fontRef idx="minor">
+              <a:schemeClr val="tx1"/>
+            </a:fontRef>
+          </p:style>
+        </p:cxnSp>
+        <p:pic>
+          <p:nvPicPr>
+            <p:cNvPr id="1027" name="Picture 3" descr="C:\Users\d036706\AppData\Local\Microsoft\Windows\Temporary Internet Files\Low\Content.IE5\RRJAPOLF\MC900431622[1].PNG"/>
+            <p:cNvPicPr>
+              <a:picLocks noChangeAspect="1" noChangeArrowheads="1"/>
+            </p:cNvPicPr>
+            <p:nvPr/>
+          </p:nvPicPr>
+          <p:blipFill>
+            <a:blip r:embed="rId3">
+              <a:extLst>
+                <a:ext uri="{28A0092B-C50C-407E-A947-70E740481C1C}">
+                  <a14:useLocalDpi xmlns:a14="http://schemas.microsoft.com/office/drawing/2010/main" val="0"/>
+                </a:ext>
+              </a:extLst>
+            </a:blip>
+            <a:srcRect/>
+            <a:stretch>
+              <a:fillRect/>
+            </a:stretch>
+          </p:blipFill>
+          <p:spPr bwMode="auto">
+            <a:xfrm>
+              <a:off x="2785219" y="3045148"/>
+              <a:ext cx="984737" cy="984737"/>
+            </a:xfrm>
+            <a:prstGeom prst="rect">
+              <a:avLst/>
+            </a:prstGeom>
+            <a:noFill/>
+            <a:extLst>
+              <a:ext uri="{909E8E84-426E-40DD-AFC4-6F175D3DCCD1}">
+                <a14:hiddenFill xmlns:a14="http://schemas.microsoft.com/office/drawing/2010/main">
+                  <a:solidFill>
+                    <a:srgbClr val="FFFFFF"/>
+                  </a:solidFill>
+                </a14:hiddenFill>
+              </a:ext>
+            </a:extLst>
+          </p:spPr>
+        </p:pic>
+      </p:grpSp>
+      <p:sp>
+        <p:nvSpPr>
+          <p:cNvPr id="123" name="TextBox 122"/>
+          <p:cNvSpPr txBox="1"/>
+          <p:nvPr/>
+        </p:nvSpPr>
+        <p:spPr>
+          <a:xfrm>
+            <a:off x="336948" y="1341562"/>
+            <a:ext cx="2304256" cy="276999"/>
+          </a:xfrm>
+          <a:prstGeom prst="rect">
+            <a:avLst/>
+          </a:prstGeom>
+          <a:noFill/>
+          <a:effectLst>
+            <a:outerShdw blurRad="38100" dist="12700" dir="2700000" algn="tl" rotWithShape="0">
+              <a:prstClr val="black">
+                <a:alpha val="40000"/>
+              </a:prstClr>
+            </a:outerShdw>
+          </a:effectLst>
+        </p:spPr>
+        <p:txBody>
+          <a:bodyPr wrap="square" lIns="0" tIns="0" rIns="0" bIns="0" rtlCol="0">
+            <a:spAutoFit/>
+          </a:bodyPr>
+          <a:lstStyle/>
+          <a:p>
+            <a:pPr algn="ctr" fontAlgn="base">
+              <a:spcBef>
+                <a:spcPct val="50000"/>
+              </a:spcBef>
+              <a:spcAft>
+                <a:spcPct val="0"/>
+              </a:spcAft>
+              <a:buClr>
+                <a:srgbClr val="F0AB00"/>
+              </a:buClr>
+              <a:buSzPct val="80000"/>
+            </a:pPr>
+            <a:r>
+              <a:rPr lang="de-DE" sz="1800" b="1" kern="0" dirty="0" smtClean="0">
+                <a:latin typeface="+mn-lt"/>
+                <a:ea typeface="Arial Unicode MS" pitchFamily="34" charset="-128"/>
+                <a:cs typeface="Arial Unicode MS" pitchFamily="34" charset="-128"/>
+              </a:rPr>
+              <a:t>Internal Web Server</a:t>
+            </a:r>
+            <a:endParaRPr lang="de-DE" sz="1800" b="1" kern="0" dirty="0" smtClean="0">
+              <a:latin typeface="+mn-lt"/>
+              <a:ea typeface="Arial Unicode MS" pitchFamily="34" charset="-128"/>
+              <a:cs typeface="Arial Unicode MS" pitchFamily="34" charset="-128"/>
+            </a:endParaRPr>
+          </a:p>
+        </p:txBody>
+      </p:sp>
+      <p:sp>
+        <p:nvSpPr>
+          <p:cNvPr id="126" name="TextBox 125"/>
+          <p:cNvSpPr txBox="1"/>
+          <p:nvPr/>
+        </p:nvSpPr>
+        <p:spPr>
+          <a:xfrm>
+            <a:off x="3933572" y="1341562"/>
+            <a:ext cx="6158584" cy="276999"/>
+          </a:xfrm>
+          <a:prstGeom prst="rect">
+            <a:avLst/>
+          </a:prstGeom>
+          <a:noFill/>
+          <a:effectLst>
+            <a:outerShdw blurRad="38100" dist="12700" dir="2700000" algn="tl" rotWithShape="0">
+              <a:prstClr val="black">
+                <a:alpha val="40000"/>
+              </a:prstClr>
+            </a:outerShdw>
+          </a:effectLst>
+        </p:spPr>
+        <p:txBody>
+          <a:bodyPr wrap="square" lIns="0" tIns="0" rIns="0" bIns="0" rtlCol="0">
+            <a:spAutoFit/>
+          </a:bodyPr>
+          <a:lstStyle/>
+          <a:p>
+            <a:pPr algn="ctr" fontAlgn="base">
+              <a:spcBef>
+                <a:spcPct val="50000"/>
+              </a:spcBef>
+              <a:spcAft>
+                <a:spcPct val="0"/>
+              </a:spcAft>
+              <a:buClr>
+                <a:srgbClr val="F0AB00"/>
+              </a:buClr>
+              <a:buSzPct val="80000"/>
+            </a:pPr>
+            <a:r>
+              <a:rPr lang="de-DE" sz="1800" b="1" kern="0" dirty="0" smtClean="0">
+                <a:latin typeface="+mn-lt"/>
+                <a:ea typeface="Arial Unicode MS" pitchFamily="34" charset="-128"/>
+                <a:cs typeface="Arial Unicode MS" pitchFamily="34" charset="-128"/>
+              </a:rPr>
+              <a:t>Internet</a:t>
+            </a:r>
+            <a:endParaRPr lang="de-DE" sz="1800" b="1" kern="0" dirty="0" smtClean="0">
+              <a:latin typeface="+mn-lt"/>
+              <a:ea typeface="Arial Unicode MS" pitchFamily="34" charset="-128"/>
+              <a:cs typeface="Arial Unicode MS" pitchFamily="34" charset="-128"/>
+            </a:endParaRPr>
+          </a:p>
+        </p:txBody>
+      </p:sp>
+      <p:sp>
+        <p:nvSpPr>
+          <p:cNvPr id="127" name="TextBox 126"/>
+          <p:cNvSpPr txBox="1"/>
+          <p:nvPr/>
+        </p:nvSpPr>
+        <p:spPr>
+          <a:xfrm>
+            <a:off x="7726978" y="2540437"/>
+            <a:ext cx="588303" cy="169277"/>
+          </a:xfrm>
+          <a:prstGeom prst="rect">
+            <a:avLst/>
+          </a:prstGeom>
+          <a:noFill/>
+        </p:spPr>
+        <p:txBody>
+          <a:bodyPr wrap="none" lIns="0" tIns="0" rIns="0" bIns="0" rtlCol="0">
+            <a:spAutoFit/>
+          </a:bodyPr>
+          <a:lstStyle/>
+          <a:p>
+            <a:pPr fontAlgn="base">
+              <a:spcBef>
+                <a:spcPct val="50000"/>
+              </a:spcBef>
+              <a:spcAft>
+                <a:spcPct val="0"/>
+              </a:spcAft>
+              <a:buClr>
+                <a:srgbClr val="F0AB00"/>
+              </a:buClr>
+              <a:buSzPct val="80000"/>
+            </a:pPr>
+            <a:r>
+              <a:rPr lang="de-DE" sz="1100" b="1" kern="0" dirty="0" err="1">
+                <a:solidFill>
+                  <a:schemeClr val="bg2">
+                    <a:lumMod val="50000"/>
+                  </a:schemeClr>
+                </a:solidFill>
+                <a:ea typeface="Arial Unicode MS" pitchFamily="34" charset="-128"/>
+                <a:cs typeface="Arial Unicode MS" pitchFamily="34" charset="-128"/>
+              </a:rPr>
+              <a:t>generate</a:t>
+            </a:r>
+            <a:endParaRPr lang="de-DE" sz="1100" b="1" kern="0" dirty="0">
+              <a:solidFill>
+                <a:schemeClr val="bg2">
+                  <a:lumMod val="50000"/>
+                </a:schemeClr>
+              </a:solidFill>
+              <a:ea typeface="Arial Unicode MS" pitchFamily="34" charset="-128"/>
+              <a:cs typeface="Arial Unicode MS" pitchFamily="34" charset="-128"/>
+            </a:endParaRPr>
+          </a:p>
+        </p:txBody>
+      </p:sp>
+      <p:sp>
+        <p:nvSpPr>
+          <p:cNvPr id="128" name="TextBox 127"/>
+          <p:cNvSpPr txBox="1"/>
+          <p:nvPr/>
+        </p:nvSpPr>
+        <p:spPr>
+          <a:xfrm rot="1026420">
+            <a:off x="8599109" y="4101372"/>
+            <a:ext cx="588303" cy="169277"/>
+          </a:xfrm>
+          <a:prstGeom prst="rect">
+            <a:avLst/>
+          </a:prstGeom>
+          <a:noFill/>
+        </p:spPr>
+        <p:txBody>
+          <a:bodyPr wrap="none" lIns="0" tIns="0" rIns="0" bIns="0" rtlCol="0">
+            <a:spAutoFit/>
+          </a:bodyPr>
+          <a:lstStyle/>
+          <a:p>
+            <a:pPr fontAlgn="base">
+              <a:spcBef>
+                <a:spcPct val="50000"/>
+              </a:spcBef>
+              <a:spcAft>
+                <a:spcPct val="0"/>
+              </a:spcAft>
+              <a:buClr>
+                <a:srgbClr val="F0AB00"/>
+              </a:buClr>
+              <a:buSzPct val="80000"/>
+            </a:pPr>
+            <a:r>
+              <a:rPr lang="de-DE" sz="1100" b="1" kern="0" dirty="0" err="1">
+                <a:solidFill>
+                  <a:schemeClr val="bg2">
+                    <a:lumMod val="50000"/>
+                  </a:schemeClr>
+                </a:solidFill>
+                <a:ea typeface="Arial Unicode MS" pitchFamily="34" charset="-128"/>
+                <a:cs typeface="Arial Unicode MS" pitchFamily="34" charset="-128"/>
+              </a:rPr>
+              <a:t>generate</a:t>
+            </a:r>
+            <a:endParaRPr lang="de-DE" sz="1100" b="1" kern="0" dirty="0">
+              <a:solidFill>
+                <a:schemeClr val="bg2">
+                  <a:lumMod val="50000"/>
+                </a:schemeClr>
+              </a:solidFill>
+              <a:ea typeface="Arial Unicode MS" pitchFamily="34" charset="-128"/>
+              <a:cs typeface="Arial Unicode MS" pitchFamily="34" charset="-128"/>
+            </a:endParaRPr>
+          </a:p>
+        </p:txBody>
+      </p:sp>
+    </p:spTree>
+    <p:extLst>
+      <p:ext uri="{BB962C8B-B14F-4D97-AF65-F5344CB8AC3E}">
+        <p14:creationId xmlns:p14="http://schemas.microsoft.com/office/powerpoint/2010/main" val="1803351731"/>
+      </p:ext>
+    </p:extLst>
+  </p:cSld>
+  <p:clrMapOvr>
+    <a:masterClrMapping/>
+  </p:clrMapOvr>
+  <p:timing>
+    <p:tnLst>
+      <p:par>
+        <p:cTn id="1" dur="indefinite" restart="never" nodeType="tmRoot"/>
+      </p:par>
+    </p:tnLst>
+  </p:timing>
+</p:sld>
+</file>
+
+<file path=ppt/slides/slide8.xml><?xml version="1.0" encoding="utf-8"?>
+<p:sld xmlns:a="http://schemas.openxmlformats.org/drawingml/2006/main" xmlns:r="http://schemas.openxmlformats.org/officeDocument/2006/relationships" xmlns:p="http://schemas.openxmlformats.org/presentationml/2006/main">
+  <p:cSld>
+    <p:spTree>
+      <p:nvGrpSpPr>
+        <p:cNvPr id="1" name=""/>
+        <p:cNvGrpSpPr/>
+        <p:nvPr/>
+      </p:nvGrpSpPr>
+      <p:grpSpPr>
+        <a:xfrm>
+          <a:off x="0" y="0"/>
+          <a:ext cx="0" cy="0"/>
+          <a:chOff x="0" y="0"/>
+          <a:chExt cx="0" cy="0"/>
+        </a:xfrm>
+      </p:grpSpPr>
+      <p:sp>
+        <p:nvSpPr>
           <p:cNvPr id="5" name="Title 4"/>
           <p:cNvSpPr>
             <a:spLocks noGrp="1"/>
@@ -12756,11 +17125,7 @@
           <a:p>
             <a:r>
               <a:rPr lang="en-US" dirty="0" smtClean="0"/>
-              <a:t>More </a:t>
-            </a:r>
-            <a:r>
-              <a:rPr lang="en-US" dirty="0" smtClean="0"/>
-              <a:t>information:</a:t>
+              <a:t>More information:</a:t>
             </a:r>
           </a:p>
           <a:p>
@@ -12803,7 +17168,7 @@
 </p:sld>
 </file>
 
-<file path=ppt/slides/slide8.xml><?xml version="1.0" encoding="utf-8"?>
+<file path=ppt/slides/slide9.xml><?xml version="1.0" encoding="utf-8"?>
 <p:sld xmlns:a="http://schemas.openxmlformats.org/drawingml/2006/main" xmlns:r="http://schemas.openxmlformats.org/officeDocument/2006/relationships" xmlns:p="http://schemas.openxmlformats.org/presentationml/2006/main" show="0">
   <p:cSld>
     <p:spTree>
@@ -13021,10 +17386,6 @@
               </a:rPr>
               <a:t>PLIST</a:t>
             </a:r>
-            <a:endParaRPr lang="de-DE" sz="1000" b="1" kern="0" dirty="0" smtClean="0">
-              <a:ea typeface="Arial Unicode MS" pitchFamily="34" charset="-128"/>
-              <a:cs typeface="Arial Unicode MS" pitchFamily="34" charset="-128"/>
-            </a:endParaRPr>
           </a:p>
         </p:txBody>
       </p:sp>
@@ -13305,10 +17666,6 @@
               </a:rPr>
               <a:t>IPA</a:t>
             </a:r>
-            <a:endParaRPr lang="de-DE" sz="1000" b="1" kern="0" dirty="0" smtClean="0">
-              <a:ea typeface="Arial Unicode MS" pitchFamily="34" charset="-128"/>
-              <a:cs typeface="Arial Unicode MS" pitchFamily="34" charset="-128"/>
-            </a:endParaRPr>
           </a:p>
         </p:txBody>
       </p:sp>
@@ -13353,10 +17710,6 @@
               </a:rPr>
               <a:t>011010011011001100110</a:t>
             </a:r>
-            <a:endParaRPr lang="de-DE" sz="1050" kern="0" dirty="0" smtClean="0">
-              <a:ea typeface="Arial Unicode MS" pitchFamily="34" charset="-128"/>
-              <a:cs typeface="Arial Unicode MS" pitchFamily="34" charset="-128"/>
-            </a:endParaRPr>
           </a:p>
         </p:txBody>
       </p:sp>
@@ -13542,10 +17895,6 @@
               </a:rPr>
               <a:t>HTML</a:t>
             </a:r>
-            <a:endParaRPr lang="de-DE" sz="1000" b="1" kern="0" dirty="0" smtClean="0">
-              <a:ea typeface="Arial Unicode MS" pitchFamily="34" charset="-128"/>
-              <a:cs typeface="Arial Unicode MS" pitchFamily="34" charset="-128"/>
-            </a:endParaRPr>
           </a:p>
         </p:txBody>
       </p:sp>
@@ -13654,47 +18003,14 @@
   <p:clrMapOvr>
     <a:masterClrMapping/>
   </p:clrMapOvr>
-  <mc:AlternateContent xmlns:mc="http://schemas.openxmlformats.org/markup-compatibility/2006">
-    <mc:Choice xmlns:p14="http://schemas.microsoft.com/office/powerpoint/2010/main" Requires="p14">
+  <mc:AlternateContent xmlns:mc="http://schemas.openxmlformats.org/markup-compatibility/2006" xmlns:p14="http://schemas.microsoft.com/office/powerpoint/2010/main">
+    <mc:Choice Requires="p14">
       <p:transition spd="slow" p14:dur="2000"/>
     </mc:Choice>
-    <mc:Fallback>
+    <mc:Fallback xmlns="">
       <p:transition spd="slow"/>
     </mc:Fallback>
   </mc:AlternateContent>
-  <p:timing>
-    <p:tnLst>
-      <p:par>
-        <p:cTn id="1" dur="indefinite" restart="never" nodeType="tmRoot"/>
-      </p:par>
-    </p:tnLst>
-  </p:timing>
-</p:sld>
-</file>
-
-<file path=ppt/slides/slide9.xml><?xml version="1.0" encoding="utf-8"?>
-<p:sld xmlns:a="http://schemas.openxmlformats.org/drawingml/2006/main" xmlns:r="http://schemas.openxmlformats.org/officeDocument/2006/relationships" xmlns:p="http://schemas.openxmlformats.org/presentationml/2006/main" show="0">
-  <p:cSld>
-    <p:spTree>
-      <p:nvGrpSpPr>
-        <p:cNvPr id="1" name=""/>
-        <p:cNvGrpSpPr/>
-        <p:nvPr/>
-      </p:nvGrpSpPr>
-      <p:grpSpPr>
-        <a:xfrm>
-          <a:off x="0" y="0"/>
-          <a:ext cx="0" cy="0"/>
-          <a:chOff x="0" y="0"/>
-          <a:chExt cx="0" cy="0"/>
-        </a:xfrm>
-      </p:grpSpPr>
-    </p:spTree>
-  </p:cSld>
-  <p:clrMapOvr>
-    <a:masterClrMapping/>
-  </p:clrMapOvr>
-  <p:transition spd="med"/>
   <p:timing>
     <p:tnLst>
       <p:par>

--- a/docs/OTAService.pptx
+++ b/docs/OTAService.pptx
@@ -5,10 +5,10 @@
     <p:sldMasterId id="2147483660" r:id="rId1"/>
   </p:sldMasterIdLst>
   <p:notesMasterIdLst>
-    <p:notesMasterId r:id="rId16"/>
+    <p:notesMasterId r:id="rId17"/>
   </p:notesMasterIdLst>
   <p:handoutMasterIdLst>
-    <p:handoutMasterId r:id="rId17"/>
+    <p:handoutMasterId r:id="rId18"/>
   </p:handoutMasterIdLst>
   <p:sldIdLst>
     <p:sldId id="340" r:id="rId2"/>
@@ -21,10 +21,11 @@
     <p:sldId id="355" r:id="rId9"/>
     <p:sldId id="351" r:id="rId10"/>
     <p:sldId id="350" r:id="rId11"/>
-    <p:sldId id="310" r:id="rId12"/>
-    <p:sldId id="348" r:id="rId13"/>
-    <p:sldId id="265" r:id="rId14"/>
-    <p:sldId id="339" r:id="rId15"/>
+    <p:sldId id="356" r:id="rId12"/>
+    <p:sldId id="310" r:id="rId13"/>
+    <p:sldId id="348" r:id="rId14"/>
+    <p:sldId id="265" r:id="rId15"/>
+    <p:sldId id="339" r:id="rId16"/>
   </p:sldIdLst>
   <p:sldSz cx="12195175" cy="6859588"/>
   <p:notesSz cx="6858000" cy="9144000"/>
@@ -1844,31 +1845,7 @@
       </p:grpSpPr>
       <p:sp>
         <p:nvSpPr>
-          <p:cNvPr id="4" name="Slide Number Placeholder 3"/>
-          <p:cNvSpPr>
-            <a:spLocks noGrp="1"/>
-          </p:cNvSpPr>
-          <p:nvPr>
-            <p:ph type="sldNum" sz="quarter" idx="10"/>
-          </p:nvPr>
-        </p:nvSpPr>
-        <p:spPr/>
-        <p:txBody>
-          <a:bodyPr/>
-          <a:lstStyle/>
-          <a:p>
-            <a:fld id="{7D8C2C35-2B8A-446E-BEC0-FD36716C29AC}" type="slidenum">
-              <a:rPr lang="de-DE" smtClean="0"/>
-              <a:pPr/>
-              <a:t>11</a:t>
-            </a:fld>
-            <a:endParaRPr lang="de-DE" dirty="0"/>
-          </a:p>
-        </p:txBody>
-      </p:sp>
-      <p:sp>
-        <p:nvSpPr>
-          <p:cNvPr id="6" name="Slide Image Placeholder 5"/>
+          <p:cNvPr id="2" name="Slide Image Placeholder 1"/>
           <p:cNvSpPr>
             <a:spLocks noGrp="1" noRot="1" noChangeAspect="1"/>
           </p:cNvSpPr>
@@ -1885,7 +1862,7 @@
       </p:sp>
       <p:sp>
         <p:nvSpPr>
-          <p:cNvPr id="7" name="Notes Placeholder 6"/>
+          <p:cNvPr id="3" name="Notes Placeholder 2"/>
           <p:cNvSpPr>
             <a:spLocks noGrp="1"/>
           </p:cNvSpPr>
@@ -1896,15 +1873,44 @@
         <p:spPr/>
         <p:txBody>
           <a:bodyPr>
-            <a:normAutofit/>
+            <a:normAutofit lnSpcReduction="10000"/>
           </a:bodyPr>
           <a:lstStyle/>
           <a:p>
-            <a:endParaRPr lang="en-US" dirty="0"/>
+            <a:endParaRPr lang="de-DE" baseline="0" dirty="0" smtClean="0"/>
+          </a:p>
+        </p:txBody>
+      </p:sp>
+      <p:sp>
+        <p:nvSpPr>
+          <p:cNvPr id="4" name="Slide Number Placeholder 3"/>
+          <p:cNvSpPr>
+            <a:spLocks noGrp="1"/>
+          </p:cNvSpPr>
+          <p:nvPr>
+            <p:ph type="sldNum" sz="quarter" idx="10"/>
+          </p:nvPr>
+        </p:nvSpPr>
+        <p:spPr/>
+        <p:txBody>
+          <a:bodyPr/>
+          <a:lstStyle/>
+          <a:p>
+            <a:fld id="{7D8C2C35-2B8A-446E-BEC0-FD36716C29AC}" type="slidenum">
+              <a:rPr lang="de-DE" smtClean="0"/>
+              <a:pPr/>
+              <a:t>11</a:t>
+            </a:fld>
+            <a:endParaRPr lang="de-DE" dirty="0"/>
           </a:p>
         </p:txBody>
       </p:sp>
     </p:spTree>
+    <p:extLst>
+      <p:ext uri="{BB962C8B-B14F-4D97-AF65-F5344CB8AC3E}">
+        <p14:creationId xmlns:p14="http://schemas.microsoft.com/office/powerpoint/2010/main" val="898997200"/>
+      </p:ext>
+    </p:extLst>
   </p:cSld>
   <p:clrMapOvr>
     <a:masterClrMapping/>
@@ -1947,7 +1953,7 @@
             <a:fld id="{7D8C2C35-2B8A-446E-BEC0-FD36716C29AC}" type="slidenum">
               <a:rPr lang="de-DE" smtClean="0"/>
               <a:pPr/>
-              <a:t>13</a:t>
+              <a:t>12</a:t>
             </a:fld>
             <a:endParaRPr lang="de-DE" dirty="0"/>
           </a:p>
@@ -1987,7 +1993,7 @@
           </a:bodyPr>
           <a:lstStyle/>
           <a:p>
-            <a:endParaRPr lang="en-US"/>
+            <a:endParaRPr lang="en-US" dirty="0"/>
           </a:p>
         </p:txBody>
       </p:sp>
@@ -2035,6 +2041,93 @@
               <a:rPr lang="de-DE" smtClean="0"/>
               <a:pPr/>
               <a:t>14</a:t>
+            </a:fld>
+            <a:endParaRPr lang="de-DE" dirty="0"/>
+          </a:p>
+        </p:txBody>
+      </p:sp>
+      <p:sp>
+        <p:nvSpPr>
+          <p:cNvPr id="6" name="Slide Image Placeholder 5"/>
+          <p:cNvSpPr>
+            <a:spLocks noGrp="1" noRot="1" noChangeAspect="1"/>
+          </p:cNvSpPr>
+          <p:nvPr>
+            <p:ph type="sldImg"/>
+          </p:nvPr>
+        </p:nvSpPr>
+        <p:spPr>
+          <a:xfrm>
+            <a:off x="547688" y="612775"/>
+            <a:ext cx="5762625" cy="3241675"/>
+          </a:xfrm>
+        </p:spPr>
+      </p:sp>
+      <p:sp>
+        <p:nvSpPr>
+          <p:cNvPr id="7" name="Notes Placeholder 6"/>
+          <p:cNvSpPr>
+            <a:spLocks noGrp="1"/>
+          </p:cNvSpPr>
+          <p:nvPr>
+            <p:ph type="body" idx="1"/>
+          </p:nvPr>
+        </p:nvSpPr>
+        <p:spPr/>
+        <p:txBody>
+          <a:bodyPr>
+            <a:normAutofit/>
+          </a:bodyPr>
+          <a:lstStyle/>
+          <a:p>
+            <a:endParaRPr lang="en-US"/>
+          </a:p>
+        </p:txBody>
+      </p:sp>
+    </p:spTree>
+  </p:cSld>
+  <p:clrMapOvr>
+    <a:masterClrMapping/>
+  </p:clrMapOvr>
+</p:notes>
+</file>
+
+<file path=ppt/notesSlides/notesSlide14.xml><?xml version="1.0" encoding="utf-8"?>
+<p:notes xmlns:a="http://schemas.openxmlformats.org/drawingml/2006/main" xmlns:r="http://schemas.openxmlformats.org/officeDocument/2006/relationships" xmlns:p="http://schemas.openxmlformats.org/presentationml/2006/main">
+  <p:cSld>
+    <p:spTree>
+      <p:nvGrpSpPr>
+        <p:cNvPr id="1" name=""/>
+        <p:cNvGrpSpPr/>
+        <p:nvPr/>
+      </p:nvGrpSpPr>
+      <p:grpSpPr>
+        <a:xfrm>
+          <a:off x="0" y="0"/>
+          <a:ext cx="0" cy="0"/>
+          <a:chOff x="0" y="0"/>
+          <a:chExt cx="0" cy="0"/>
+        </a:xfrm>
+      </p:grpSpPr>
+      <p:sp>
+        <p:nvSpPr>
+          <p:cNvPr id="4" name="Slide Number Placeholder 3"/>
+          <p:cNvSpPr>
+            <a:spLocks noGrp="1"/>
+          </p:cNvSpPr>
+          <p:nvPr>
+            <p:ph type="sldNum" sz="quarter" idx="10"/>
+          </p:nvPr>
+        </p:nvSpPr>
+        <p:spPr/>
+        <p:txBody>
+          <a:bodyPr/>
+          <a:lstStyle/>
+          <a:p>
+            <a:fld id="{7D8C2C35-2B8A-446E-BEC0-FD36716C29AC}" type="slidenum">
+              <a:rPr lang="de-DE" smtClean="0"/>
+              <a:pPr/>
+              <a:t>15</a:t>
             </a:fld>
             <a:endParaRPr lang="de-DE" dirty="0"/>
           </a:p>
@@ -10003,7 +10096,11 @@
           <a:p>
             <a:r>
               <a:rPr lang="en-US" dirty="0" smtClean="0"/>
-              <a:t>May 28, 2013</a:t>
+              <a:t>June 25, </a:t>
+            </a:r>
+            <a:r>
+              <a:rPr lang="en-US" dirty="0" smtClean="0"/>
+              <a:t>2013</a:t>
             </a:r>
           </a:p>
         </p:txBody>
@@ -11593,72 +11690,6 @@
       </p:cxnSp>
       <p:sp>
         <p:nvSpPr>
-          <p:cNvPr id="69" name="TextBox 68"/>
-          <p:cNvSpPr txBox="1"/>
-          <p:nvPr/>
-        </p:nvSpPr>
-        <p:spPr>
-          <a:xfrm>
-            <a:off x="3865339" y="2540437"/>
-            <a:ext cx="1734449" cy="169277"/>
-          </a:xfrm>
-          <a:prstGeom prst="rect">
-            <a:avLst/>
-          </a:prstGeom>
-          <a:noFill/>
-        </p:spPr>
-        <p:txBody>
-          <a:bodyPr wrap="none" lIns="0" tIns="0" rIns="0" bIns="0" rtlCol="0">
-            <a:spAutoFit/>
-          </a:bodyPr>
-          <a:lstStyle/>
-          <a:p>
-            <a:pPr fontAlgn="base">
-              <a:spcBef>
-                <a:spcPct val="50000"/>
-              </a:spcBef>
-              <a:spcAft>
-                <a:spcPct val="0"/>
-              </a:spcAft>
-              <a:buClr>
-                <a:srgbClr val="F0AB00"/>
-              </a:buClr>
-              <a:buSzPct val="80000"/>
-            </a:pPr>
-            <a:r>
-              <a:rPr lang="de-DE" sz="1100" b="1" kern="0" dirty="0" smtClean="0">
-                <a:solidFill>
-                  <a:schemeClr val="tx2">
-                    <a:lumMod val="50000"/>
-                  </a:schemeClr>
-                </a:solidFill>
-                <a:ea typeface="Arial Unicode MS" pitchFamily="34" charset="-128"/>
-                <a:cs typeface="Arial Unicode MS" pitchFamily="34" charset="-128"/>
-              </a:rPr>
-              <a:t>App Parameters + </a:t>
-            </a:r>
-            <a:r>
-              <a:rPr lang="de-DE" sz="1100" b="1" kern="0" dirty="0" err="1" smtClean="0">
-                <a:solidFill>
-                  <a:srgbClr val="FFC000"/>
-                </a:solidFill>
-                <a:ea typeface="Arial Unicode MS" pitchFamily="34" charset="-128"/>
-                <a:cs typeface="Arial Unicode MS" pitchFamily="34" charset="-128"/>
-              </a:rPr>
-              <a:t>Referer</a:t>
-            </a:r>
-            <a:endParaRPr lang="de-DE" sz="1100" b="1" kern="0" dirty="0" smtClean="0">
-              <a:solidFill>
-                <a:srgbClr val="FFC000"/>
-              </a:solidFill>
-              <a:ea typeface="Arial Unicode MS" pitchFamily="34" charset="-128"/>
-              <a:cs typeface="Arial Unicode MS" pitchFamily="34" charset="-128"/>
-            </a:endParaRPr>
-          </a:p>
-        </p:txBody>
-      </p:sp>
-      <p:sp>
-        <p:nvSpPr>
           <p:cNvPr id="70" name="TextBox 69"/>
           <p:cNvSpPr txBox="1"/>
           <p:nvPr/>
@@ -12426,9 +12457,9 @@
         </p:nvGrpSpPr>
         <p:grpSpPr>
           <a:xfrm>
-            <a:off x="3168634" y="1413570"/>
+            <a:off x="3217267" y="1773610"/>
             <a:ext cx="984737" cy="4680520"/>
-            <a:chOff x="2785219" y="1413570"/>
+            <a:chOff x="2785219" y="1485578"/>
             <a:chExt cx="984737" cy="4680520"/>
           </a:xfrm>
         </p:grpSpPr>
@@ -12440,7 +12471,7 @@
           </p:nvCxnSpPr>
           <p:spPr>
             <a:xfrm>
-              <a:off x="3217267" y="1413570"/>
+              <a:off x="3217267" y="1485578"/>
               <a:ext cx="0" cy="4680520"/>
             </a:xfrm>
             <a:prstGeom prst="line">
@@ -12735,6 +12766,72 @@
           </a:p>
         </p:txBody>
       </p:sp>
+      <p:sp>
+        <p:nvSpPr>
+          <p:cNvPr id="67" name="TextBox 66"/>
+          <p:cNvSpPr txBox="1"/>
+          <p:nvPr/>
+        </p:nvSpPr>
+        <p:spPr>
+          <a:xfrm>
+            <a:off x="3865339" y="2540437"/>
+            <a:ext cx="1734449" cy="169277"/>
+          </a:xfrm>
+          <a:prstGeom prst="rect">
+            <a:avLst/>
+          </a:prstGeom>
+          <a:noFill/>
+        </p:spPr>
+        <p:txBody>
+          <a:bodyPr wrap="none" lIns="0" tIns="0" rIns="0" bIns="0" rtlCol="0">
+            <a:spAutoFit/>
+          </a:bodyPr>
+          <a:lstStyle/>
+          <a:p>
+            <a:pPr fontAlgn="base">
+              <a:spcBef>
+                <a:spcPct val="50000"/>
+              </a:spcBef>
+              <a:spcAft>
+                <a:spcPct val="0"/>
+              </a:spcAft>
+              <a:buClr>
+                <a:srgbClr val="F0AB00"/>
+              </a:buClr>
+              <a:buSzPct val="80000"/>
+            </a:pPr>
+            <a:r>
+              <a:rPr lang="de-DE" sz="1100" b="1" kern="0" dirty="0" smtClean="0">
+                <a:solidFill>
+                  <a:schemeClr val="tx2">
+                    <a:lumMod val="50000"/>
+                  </a:schemeClr>
+                </a:solidFill>
+                <a:ea typeface="Arial Unicode MS" pitchFamily="34" charset="-128"/>
+                <a:cs typeface="Arial Unicode MS" pitchFamily="34" charset="-128"/>
+              </a:rPr>
+              <a:t>App Parameters + </a:t>
+            </a:r>
+            <a:r>
+              <a:rPr lang="de-DE" sz="1100" b="1" kern="0" dirty="0" err="1" smtClean="0">
+                <a:solidFill>
+                  <a:srgbClr val="FFC000"/>
+                </a:solidFill>
+                <a:ea typeface="Arial Unicode MS" pitchFamily="34" charset="-128"/>
+                <a:cs typeface="Arial Unicode MS" pitchFamily="34" charset="-128"/>
+              </a:rPr>
+              <a:t>Referer</a:t>
+            </a:r>
+            <a:endParaRPr lang="de-DE" sz="1100" b="1" kern="0" dirty="0" smtClean="0">
+              <a:solidFill>
+                <a:srgbClr val="FFC000"/>
+              </a:solidFill>
+              <a:ea typeface="Arial Unicode MS" pitchFamily="34" charset="-128"/>
+              <a:cs typeface="Arial Unicode MS" pitchFamily="34" charset="-128"/>
+            </a:endParaRPr>
+          </a:p>
+        </p:txBody>
+      </p:sp>
     </p:spTree>
     <p:extLst>
       <p:ext uri="{BB962C8B-B14F-4D97-AF65-F5344CB8AC3E}">
@@ -12772,6 +12869,1591 @@
           <a:chExt cx="0" cy="0"/>
         </a:xfrm>
       </p:grpSpPr>
+      <p:pic>
+        <p:nvPicPr>
+          <p:cNvPr id="1026" name="Picture 2" descr="Apple iPhone 5 16GB Weiss &amp; Silber"/>
+          <p:cNvPicPr>
+            <a:picLocks noChangeAspect="1" noChangeArrowheads="1"/>
+          </p:cNvPicPr>
+          <p:nvPr/>
+        </p:nvPicPr>
+        <p:blipFill>
+          <a:blip r:embed="rId3" cstate="print">
+            <a:extLst>
+              <a:ext uri="{28A0092B-C50C-407E-A947-70E740481C1C}">
+                <a14:useLocalDpi xmlns:a14="http://schemas.microsoft.com/office/drawing/2010/main" val="0"/>
+              </a:ext>
+            </a:extLst>
+          </a:blip>
+          <a:srcRect/>
+          <a:stretch>
+            <a:fillRect/>
+          </a:stretch>
+        </p:blipFill>
+        <p:spPr bwMode="auto">
+          <a:xfrm>
+            <a:off x="3144441" y="2128213"/>
+            <a:ext cx="1512986" cy="1733629"/>
+          </a:xfrm>
+          <a:prstGeom prst="rect">
+            <a:avLst/>
+          </a:prstGeom>
+          <a:noFill/>
+          <a:extLst>
+            <a:ext uri="{909E8E84-426E-40DD-AFC4-6F175D3DCCD1}">
+              <a14:hiddenFill xmlns:a14="http://schemas.microsoft.com/office/drawing/2010/main">
+                <a:solidFill>
+                  <a:srgbClr val="FFFFFF"/>
+                </a:solidFill>
+              </a14:hiddenFill>
+            </a:ext>
+          </a:extLst>
+        </p:spPr>
+      </p:pic>
+      <p:sp>
+        <p:nvSpPr>
+          <p:cNvPr id="119" name="Rectangle 118"/>
+          <p:cNvSpPr/>
+          <p:nvPr/>
+        </p:nvSpPr>
+        <p:spPr bwMode="gray">
+          <a:xfrm>
+            <a:off x="336947" y="1773610"/>
+            <a:ext cx="2304256" cy="4608512"/>
+          </a:xfrm>
+          <a:prstGeom prst="rect">
+            <a:avLst/>
+          </a:prstGeom>
+          <a:gradFill>
+            <a:gsLst>
+              <a:gs pos="0">
+                <a:schemeClr val="bg1">
+                  <a:lumMod val="85000"/>
+                </a:schemeClr>
+              </a:gs>
+              <a:gs pos="50000">
+                <a:schemeClr val="bg1">
+                  <a:lumMod val="95000"/>
+                </a:schemeClr>
+              </a:gs>
+              <a:gs pos="100000">
+                <a:schemeClr val="bg1"/>
+              </a:gs>
+            </a:gsLst>
+            <a:lin ang="3000000" scaled="0"/>
+          </a:gradFill>
+          <a:ln w="60325" algn="ctr">
+            <a:solidFill>
+              <a:srgbClr val="FFC000"/>
+            </a:solidFill>
+            <a:miter lim="800000"/>
+            <a:headEnd/>
+            <a:tailEnd/>
+          </a:ln>
+          <a:effectLst>
+            <a:outerShdw blurRad="50800" dist="38100" dir="2700000" algn="tl" rotWithShape="0">
+              <a:prstClr val="black">
+                <a:alpha val="40000"/>
+              </a:prstClr>
+            </a:outerShdw>
+          </a:effectLst>
+        </p:spPr>
+        <p:txBody>
+          <a:bodyPr lIns="90000" tIns="72000" rIns="90000" bIns="72000" rtlCol="0" anchor="ctr"/>
+          <a:lstStyle/>
+          <a:p>
+            <a:pPr marR="0" algn="ctr" defTabSz="914400" eaLnBrk="1" fontAlgn="base" latinLnBrk="0" hangingPunct="1">
+              <a:lnSpc>
+                <a:spcPct val="100000"/>
+              </a:lnSpc>
+              <a:spcBef>
+                <a:spcPct val="50000"/>
+              </a:spcBef>
+              <a:spcAft>
+                <a:spcPct val="0"/>
+              </a:spcAft>
+              <a:buClr>
+                <a:srgbClr val="F0AB00"/>
+              </a:buClr>
+              <a:buSzPct val="80000"/>
+              <a:tabLst/>
+            </a:pPr>
+            <a:endParaRPr kumimoji="0" lang="de-DE" sz="2000" b="0" i="0" u="none" strike="noStrike" kern="0" cap="none" spc="0" normalizeH="0" baseline="0" noProof="0" dirty="0" err="1" smtClean="0">
+              <a:ln>
+                <a:noFill/>
+              </a:ln>
+              <a:effectLst/>
+              <a:uLnTx/>
+              <a:uFillTx/>
+              <a:ea typeface="Arial Unicode MS" pitchFamily="34" charset="-128"/>
+              <a:cs typeface="Arial Unicode MS" pitchFamily="34" charset="-128"/>
+            </a:endParaRPr>
+          </a:p>
+        </p:txBody>
+      </p:sp>
+      <p:sp>
+        <p:nvSpPr>
+          <p:cNvPr id="7" name="Title 6"/>
+          <p:cNvSpPr>
+            <a:spLocks noGrp="1"/>
+          </p:cNvSpPr>
+          <p:nvPr>
+            <p:ph type="title"/>
+          </p:nvPr>
+        </p:nvSpPr>
+        <p:spPr/>
+        <p:txBody>
+          <a:bodyPr/>
+          <a:lstStyle/>
+          <a:p>
+            <a:r>
+              <a:rPr lang="de-DE" dirty="0" smtClean="0"/>
+              <a:t>OTA Service – </a:t>
+            </a:r>
+            <a:r>
+              <a:rPr lang="de-DE" dirty="0" err="1" smtClean="0"/>
+              <a:t>with</a:t>
+            </a:r>
+            <a:r>
+              <a:rPr lang="de-DE" dirty="0" smtClean="0"/>
+              <a:t> Firewall</a:t>
+            </a:r>
+            <a:endParaRPr lang="de-DE" dirty="0"/>
+          </a:p>
+        </p:txBody>
+      </p:sp>
+      <p:sp>
+        <p:nvSpPr>
+          <p:cNvPr id="2" name="Rectangle 1"/>
+          <p:cNvSpPr/>
+          <p:nvPr/>
+        </p:nvSpPr>
+        <p:spPr bwMode="gray">
+          <a:xfrm>
+            <a:off x="8146339" y="3045149"/>
+            <a:ext cx="1930405" cy="1752796"/>
+          </a:xfrm>
+          <a:prstGeom prst="rect">
+            <a:avLst/>
+          </a:prstGeom>
+          <a:solidFill>
+            <a:schemeClr val="tx2">
+              <a:lumMod val="75000"/>
+            </a:schemeClr>
+          </a:solidFill>
+          <a:ln cap="rnd">
+            <a:solidFill>
+              <a:schemeClr val="tx2">
+                <a:lumMod val="50000"/>
+              </a:schemeClr>
+            </a:solidFill>
+            <a:headEnd/>
+            <a:tailEnd/>
+          </a:ln>
+          <a:effectLst>
+            <a:outerShdw blurRad="50800" dist="38100" dir="2700000" algn="tl" rotWithShape="0">
+              <a:prstClr val="black">
+                <a:alpha val="40000"/>
+              </a:prstClr>
+            </a:outerShdw>
+          </a:effectLst>
+        </p:spPr>
+        <p:style>
+          <a:lnRef idx="2">
+            <a:schemeClr val="accent3">
+              <a:shade val="50000"/>
+            </a:schemeClr>
+          </a:lnRef>
+          <a:fillRef idx="1">
+            <a:schemeClr val="accent3"/>
+          </a:fillRef>
+          <a:effectRef idx="0">
+            <a:schemeClr val="accent3"/>
+          </a:effectRef>
+          <a:fontRef idx="minor">
+            <a:schemeClr val="lt1"/>
+          </a:fontRef>
+        </p:style>
+        <p:txBody>
+          <a:bodyPr lIns="90000" tIns="72000" rIns="90000" bIns="72000" rtlCol="0" anchor="ctr"/>
+          <a:lstStyle/>
+          <a:p>
+            <a:pPr marR="0" algn="ctr" defTabSz="914400" eaLnBrk="1" fontAlgn="base" latinLnBrk="0" hangingPunct="1">
+              <a:lnSpc>
+                <a:spcPct val="100000"/>
+              </a:lnSpc>
+              <a:spcBef>
+                <a:spcPct val="50000"/>
+              </a:spcBef>
+              <a:spcAft>
+                <a:spcPct val="0"/>
+              </a:spcAft>
+              <a:buClr>
+                <a:srgbClr val="F0AB00"/>
+              </a:buClr>
+              <a:buSzPct val="80000"/>
+              <a:tabLst/>
+            </a:pPr>
+            <a:r>
+              <a:rPr kumimoji="0" lang="de-DE" sz="3200" b="1" i="0" u="none" strike="noStrike" kern="0" cap="none" spc="0" normalizeH="0" baseline="0" noProof="0" dirty="0" smtClean="0">
+                <a:ln>
+                  <a:noFill/>
+                </a:ln>
+                <a:effectLst/>
+                <a:uLnTx/>
+                <a:uFillTx/>
+                <a:ea typeface="Arial Unicode MS" pitchFamily="34" charset="-128"/>
+                <a:cs typeface="Arial Unicode MS" pitchFamily="34" charset="-128"/>
+              </a:rPr>
+              <a:t>OTA Service</a:t>
+            </a:r>
+          </a:p>
+        </p:txBody>
+      </p:sp>
+      <p:grpSp>
+        <p:nvGrpSpPr>
+          <p:cNvPr id="49" name="Group 48"/>
+          <p:cNvGrpSpPr/>
+          <p:nvPr/>
+        </p:nvGrpSpPr>
+        <p:grpSpPr>
+          <a:xfrm>
+            <a:off x="696988" y="1989634"/>
+            <a:ext cx="1440160" cy="1655468"/>
+            <a:chOff x="467154" y="1976766"/>
+            <a:chExt cx="3118619" cy="2202572"/>
+          </a:xfrm>
+          <a:solidFill>
+            <a:schemeClr val="accent4">
+              <a:lumMod val="40000"/>
+              <a:lumOff val="60000"/>
+            </a:schemeClr>
+          </a:solidFill>
+        </p:grpSpPr>
+        <p:sp>
+          <p:nvSpPr>
+            <p:cNvPr id="50" name="Snip Single Corner Rectangle 49"/>
+            <p:cNvSpPr/>
+            <p:nvPr/>
+          </p:nvSpPr>
+          <p:spPr bwMode="gray">
+            <a:xfrm>
+              <a:off x="696987" y="1984386"/>
+              <a:ext cx="2880320" cy="2165488"/>
+            </a:xfrm>
+            <a:prstGeom prst="snip1Rect">
+              <a:avLst/>
+            </a:prstGeom>
+            <a:solidFill>
+              <a:srgbClr val="FFC000"/>
+            </a:solidFill>
+            <a:ln w="6350" algn="ctr">
+              <a:solidFill>
+                <a:schemeClr val="tx1"/>
+              </a:solidFill>
+              <a:miter lim="800000"/>
+              <a:headEnd/>
+              <a:tailEnd/>
+            </a:ln>
+            <a:effectLst>
+              <a:reflection blurRad="6350" stA="52000" endA="300" endPos="35000" dir="5400000" sy="-100000" algn="bl" rotWithShape="0"/>
+            </a:effectLst>
+          </p:spPr>
+          <p:txBody>
+            <a:bodyPr lIns="90000" tIns="72000" rIns="90000" bIns="72000" rtlCol="0" anchor="ctr"/>
+            <a:lstStyle/>
+            <a:p>
+              <a:pPr marR="0" algn="ctr" defTabSz="914400" eaLnBrk="1" fontAlgn="base" latinLnBrk="0" hangingPunct="1">
+                <a:lnSpc>
+                  <a:spcPct val="100000"/>
+                </a:lnSpc>
+                <a:spcBef>
+                  <a:spcPct val="50000"/>
+                </a:spcBef>
+                <a:spcAft>
+                  <a:spcPct val="0"/>
+                </a:spcAft>
+                <a:buClr>
+                  <a:srgbClr val="F0AB00"/>
+                </a:buClr>
+                <a:buSzPct val="80000"/>
+                <a:tabLst/>
+              </a:pPr>
+              <a:endParaRPr kumimoji="0" lang="de-DE" sz="2000" b="0" i="0" u="none" strike="noStrike" kern="0" cap="none" spc="0" normalizeH="0" baseline="0" noProof="0" dirty="0" err="1" smtClean="0">
+                <a:ln>
+                  <a:noFill/>
+                </a:ln>
+                <a:effectLst/>
+                <a:uLnTx/>
+                <a:uFillTx/>
+                <a:ea typeface="Arial Unicode MS" pitchFamily="34" charset="-128"/>
+                <a:cs typeface="Arial Unicode MS" pitchFamily="34" charset="-128"/>
+              </a:endParaRPr>
+            </a:p>
+          </p:txBody>
+        </p:sp>
+        <p:sp>
+          <p:nvSpPr>
+            <p:cNvPr id="51" name="Right Triangle 50"/>
+            <p:cNvSpPr/>
+            <p:nvPr/>
+          </p:nvSpPr>
+          <p:spPr bwMode="gray">
+            <a:xfrm>
+              <a:off x="3089383" y="1976766"/>
+              <a:ext cx="496390" cy="324000"/>
+            </a:xfrm>
+            <a:prstGeom prst="rtTriangle">
+              <a:avLst/>
+            </a:prstGeom>
+            <a:solidFill>
+              <a:schemeClr val="accent1">
+                <a:lumMod val="40000"/>
+                <a:lumOff val="60000"/>
+              </a:schemeClr>
+            </a:solidFill>
+            <a:ln w="6350" algn="ctr">
+              <a:solidFill>
+                <a:schemeClr val="tx1"/>
+              </a:solidFill>
+              <a:miter lim="800000"/>
+              <a:headEnd/>
+              <a:tailEnd/>
+            </a:ln>
+            <a:effectLst>
+              <a:outerShdw blurRad="50800" dir="8100000" sx="110000" sy="110000" algn="tr" rotWithShape="0">
+                <a:prstClr val="black">
+                  <a:alpha val="40000"/>
+                </a:prstClr>
+              </a:outerShdw>
+            </a:effectLst>
+          </p:spPr>
+          <p:txBody>
+            <a:bodyPr lIns="90000" tIns="72000" rIns="90000" bIns="72000" rtlCol="0" anchor="ctr"/>
+            <a:lstStyle/>
+            <a:p>
+              <a:pPr marR="0" algn="ctr" defTabSz="914400" eaLnBrk="1" fontAlgn="base" latinLnBrk="0" hangingPunct="1">
+                <a:lnSpc>
+                  <a:spcPct val="100000"/>
+                </a:lnSpc>
+                <a:spcBef>
+                  <a:spcPct val="50000"/>
+                </a:spcBef>
+                <a:spcAft>
+                  <a:spcPct val="0"/>
+                </a:spcAft>
+                <a:buClr>
+                  <a:srgbClr val="F0AB00"/>
+                </a:buClr>
+                <a:buSzPct val="80000"/>
+                <a:tabLst/>
+              </a:pPr>
+              <a:endParaRPr kumimoji="0" lang="de-DE" sz="2000" b="0" i="0" u="none" strike="noStrike" kern="0" cap="none" spc="0" normalizeH="0" baseline="0" noProof="0" dirty="0" err="1" smtClean="0">
+                <a:ln>
+                  <a:noFill/>
+                </a:ln>
+                <a:effectLst/>
+                <a:uLnTx/>
+                <a:uFillTx/>
+                <a:ea typeface="Arial Unicode MS" pitchFamily="34" charset="-128"/>
+                <a:cs typeface="Arial Unicode MS" pitchFamily="34" charset="-128"/>
+              </a:endParaRPr>
+            </a:p>
+          </p:txBody>
+        </p:sp>
+        <p:sp>
+          <p:nvSpPr>
+            <p:cNvPr id="52" name="TextBox 51"/>
+            <p:cNvSpPr txBox="1"/>
+            <p:nvPr/>
+          </p:nvSpPr>
+          <p:spPr>
+            <a:xfrm>
+              <a:off x="467154" y="2127375"/>
+              <a:ext cx="1014049" cy="225220"/>
+            </a:xfrm>
+            <a:prstGeom prst="rect">
+              <a:avLst/>
+            </a:prstGeom>
+            <a:solidFill>
+              <a:schemeClr val="accent1">
+                <a:lumMod val="40000"/>
+                <a:lumOff val="60000"/>
+              </a:schemeClr>
+            </a:solidFill>
+            <a:ln>
+              <a:solidFill>
+                <a:schemeClr val="tx1"/>
+              </a:solidFill>
+            </a:ln>
+          </p:spPr>
+          <p:txBody>
+            <a:bodyPr wrap="square" lIns="0" tIns="0" rIns="0" bIns="0" rtlCol="0" anchor="ctr" anchorCtr="0">
+              <a:spAutoFit/>
+            </a:bodyPr>
+            <a:lstStyle/>
+            <a:p>
+              <a:pPr algn="ctr" fontAlgn="base">
+                <a:spcBef>
+                  <a:spcPct val="50000"/>
+                </a:spcBef>
+                <a:spcAft>
+                  <a:spcPct val="0"/>
+                </a:spcAft>
+                <a:buClr>
+                  <a:srgbClr val="F0AB00"/>
+                </a:buClr>
+                <a:buSzPct val="80000"/>
+              </a:pPr>
+              <a:r>
+                <a:rPr lang="de-DE" sz="1100" b="1" kern="0" dirty="0" smtClean="0">
+                  <a:ea typeface="Arial Unicode MS" pitchFamily="34" charset="-128"/>
+                  <a:cs typeface="Arial Unicode MS" pitchFamily="34" charset="-128"/>
+                </a:rPr>
+                <a:t>HTML</a:t>
+              </a:r>
+            </a:p>
+          </p:txBody>
+        </p:sp>
+        <p:sp>
+          <p:nvSpPr>
+            <p:cNvPr id="53" name="Rectangle 52"/>
+            <p:cNvSpPr/>
+            <p:nvPr/>
+          </p:nvSpPr>
+          <p:spPr>
+            <a:xfrm>
+              <a:off x="696988" y="3565100"/>
+              <a:ext cx="2880320" cy="614238"/>
+            </a:xfrm>
+            <a:prstGeom prst="rect">
+              <a:avLst/>
+            </a:prstGeom>
+            <a:noFill/>
+          </p:spPr>
+          <p:txBody>
+            <a:bodyPr wrap="square" lIns="91440" tIns="45720" rIns="91440" bIns="45720">
+              <a:spAutoFit/>
+            </a:bodyPr>
+            <a:lstStyle/>
+            <a:p>
+              <a:pPr algn="ctr"/>
+              <a:r>
+                <a:rPr lang="en-US" sz="2400" b="1" cap="none" spc="0" dirty="0" smtClean="0">
+                  <a:ln w="12700" cmpd="sng">
+                    <a:gradFill>
+                      <a:gsLst>
+                        <a:gs pos="25000">
+                          <a:schemeClr val="accent1">
+                            <a:shade val="25000"/>
+                            <a:satMod val="190000"/>
+                          </a:schemeClr>
+                        </a:gs>
+                        <a:gs pos="80000">
+                          <a:schemeClr val="accent1">
+                            <a:tint val="75000"/>
+                            <a:satMod val="190000"/>
+                          </a:schemeClr>
+                        </a:gs>
+                      </a:gsLst>
+                      <a:lin ang="5400000"/>
+                    </a:gradFill>
+                    <a:prstDash val="solid"/>
+                  </a:ln>
+                  <a:solidFill>
+                    <a:srgbClr val="FFFFFF"/>
+                  </a:solidFill>
+                  <a:effectLst>
+                    <a:outerShdw blurRad="50800" dist="38100" dir="2700000" algn="tl" rotWithShape="0">
+                      <a:prstClr val="black">
+                        <a:alpha val="40000"/>
+                      </a:prstClr>
+                    </a:outerShdw>
+                    <a:reflection blurRad="6350" stA="60000" endA="900" endPos="58000" dist="177800" dir="5400000" sy="-100000" algn="bl" rotWithShape="0"/>
+                  </a:effectLst>
+                </a:rPr>
+                <a:t>&lt;/&gt;</a:t>
+              </a:r>
+              <a:endParaRPr lang="en-US" sz="2400" b="1" cap="none" spc="0" dirty="0">
+                <a:ln w="12700" cmpd="sng">
+                  <a:gradFill>
+                    <a:gsLst>
+                      <a:gs pos="25000">
+                        <a:schemeClr val="accent1">
+                          <a:shade val="25000"/>
+                          <a:satMod val="190000"/>
+                        </a:schemeClr>
+                      </a:gs>
+                      <a:gs pos="80000">
+                        <a:schemeClr val="accent1">
+                          <a:tint val="75000"/>
+                          <a:satMod val="190000"/>
+                        </a:schemeClr>
+                      </a:gs>
+                    </a:gsLst>
+                    <a:lin ang="5400000"/>
+                  </a:gradFill>
+                  <a:prstDash val="solid"/>
+                </a:ln>
+                <a:solidFill>
+                  <a:srgbClr val="FFFFFF"/>
+                </a:solidFill>
+                <a:effectLst>
+                  <a:outerShdw blurRad="50800" dist="38100" dir="2700000" algn="tl" rotWithShape="0">
+                    <a:prstClr val="black">
+                      <a:alpha val="40000"/>
+                    </a:prstClr>
+                  </a:outerShdw>
+                  <a:reflection blurRad="6350" stA="60000" endA="900" endPos="58000" dist="177800" dir="5400000" sy="-100000" algn="bl" rotWithShape="0"/>
+                </a:effectLst>
+              </a:endParaRPr>
+            </a:p>
+          </p:txBody>
+        </p:sp>
+      </p:grpSp>
+      <p:sp>
+        <p:nvSpPr>
+          <p:cNvPr id="74" name="Rectangle 73"/>
+          <p:cNvSpPr/>
+          <p:nvPr/>
+        </p:nvSpPr>
+        <p:spPr bwMode="gray">
+          <a:xfrm>
+            <a:off x="989211" y="2404154"/>
+            <a:ext cx="946112" cy="720876"/>
+          </a:xfrm>
+          <a:prstGeom prst="rect">
+            <a:avLst/>
+          </a:prstGeom>
+          <a:solidFill>
+            <a:schemeClr val="bg1">
+              <a:lumMod val="95000"/>
+            </a:schemeClr>
+          </a:solidFill>
+          <a:ln>
+            <a:solidFill>
+              <a:schemeClr val="tx2">
+                <a:lumMod val="75000"/>
+              </a:schemeClr>
+            </a:solidFill>
+            <a:headEnd/>
+            <a:tailEnd/>
+          </a:ln>
+          <a:effectLst>
+            <a:outerShdw blurRad="50800" dist="38100" dir="2700000" algn="tl" rotWithShape="0">
+              <a:prstClr val="black">
+                <a:alpha val="40000"/>
+              </a:prstClr>
+            </a:outerShdw>
+          </a:effectLst>
+        </p:spPr>
+        <p:style>
+          <a:lnRef idx="2">
+            <a:schemeClr val="accent3">
+              <a:shade val="50000"/>
+            </a:schemeClr>
+          </a:lnRef>
+          <a:fillRef idx="1">
+            <a:schemeClr val="accent3"/>
+          </a:fillRef>
+          <a:effectRef idx="0">
+            <a:schemeClr val="accent3"/>
+          </a:effectRef>
+          <a:fontRef idx="minor">
+            <a:schemeClr val="lt1"/>
+          </a:fontRef>
+        </p:style>
+        <p:txBody>
+          <a:bodyPr lIns="90000" tIns="72000" rIns="90000" bIns="72000" rtlCol="0" anchor="ctr"/>
+          <a:lstStyle/>
+          <a:p>
+            <a:pPr marR="0" algn="ctr" defTabSz="914400" eaLnBrk="1" fontAlgn="base" latinLnBrk="0" hangingPunct="1">
+              <a:lnSpc>
+                <a:spcPct val="100000"/>
+              </a:lnSpc>
+              <a:spcBef>
+                <a:spcPct val="50000"/>
+              </a:spcBef>
+              <a:spcAft>
+                <a:spcPct val="0"/>
+              </a:spcAft>
+              <a:buClr>
+                <a:srgbClr val="F0AB00"/>
+              </a:buClr>
+              <a:buSzPct val="80000"/>
+              <a:tabLst/>
+            </a:pPr>
+            <a:r>
+              <a:rPr kumimoji="0" lang="de-DE" sz="1200" b="1" i="0" u="none" strike="noStrike" kern="0" cap="none" spc="0" normalizeH="0" baseline="0" noProof="0" dirty="0" smtClean="0">
+                <a:ln>
+                  <a:noFill/>
+                </a:ln>
+                <a:solidFill>
+                  <a:schemeClr val="tx2">
+                    <a:lumMod val="50000"/>
+                  </a:schemeClr>
+                </a:solidFill>
+                <a:effectLst/>
+                <a:uLnTx/>
+                <a:uFillTx/>
+                <a:ea typeface="Arial Unicode MS" pitchFamily="34" charset="-128"/>
+                <a:cs typeface="Arial Unicode MS" pitchFamily="34" charset="-128"/>
+              </a:rPr>
+              <a:t>&lt;</a:t>
+            </a:r>
+            <a:r>
+              <a:rPr kumimoji="0" lang="de-DE" sz="1200" b="1" i="0" u="none" strike="noStrike" kern="0" cap="none" spc="0" normalizeH="0" baseline="0" noProof="0" dirty="0" err="1" smtClean="0">
+                <a:ln>
+                  <a:noFill/>
+                </a:ln>
+                <a:solidFill>
+                  <a:schemeClr val="tx2">
+                    <a:lumMod val="50000"/>
+                  </a:schemeClr>
+                </a:solidFill>
+                <a:effectLst/>
+                <a:uLnTx/>
+                <a:uFillTx/>
+                <a:ea typeface="Arial Unicode MS" pitchFamily="34" charset="-128"/>
+                <a:cs typeface="Arial Unicode MS" pitchFamily="34" charset="-128"/>
+              </a:rPr>
+              <a:t>iframe</a:t>
+            </a:r>
+            <a:r>
+              <a:rPr kumimoji="0" lang="de-DE" sz="1200" b="1" i="0" u="none" strike="noStrike" kern="0" cap="none" spc="0" normalizeH="0" baseline="0" noProof="0" dirty="0" smtClean="0">
+                <a:ln>
+                  <a:noFill/>
+                </a:ln>
+                <a:solidFill>
+                  <a:schemeClr val="tx2">
+                    <a:lumMod val="50000"/>
+                  </a:schemeClr>
+                </a:solidFill>
+                <a:effectLst/>
+                <a:uLnTx/>
+                <a:uFillTx/>
+                <a:ea typeface="Arial Unicode MS" pitchFamily="34" charset="-128"/>
+                <a:cs typeface="Arial Unicode MS" pitchFamily="34" charset="-128"/>
+              </a:rPr>
+              <a:t>/&gt;</a:t>
+            </a:r>
+          </a:p>
+        </p:txBody>
+      </p:sp>
+      <p:grpSp>
+        <p:nvGrpSpPr>
+          <p:cNvPr id="78" name="Group 77"/>
+          <p:cNvGrpSpPr/>
+          <p:nvPr/>
+        </p:nvGrpSpPr>
+        <p:grpSpPr>
+          <a:xfrm>
+            <a:off x="693079" y="4150590"/>
+            <a:ext cx="1440160" cy="1655468"/>
+            <a:chOff x="467154" y="1976766"/>
+            <a:chExt cx="3118619" cy="2202572"/>
+          </a:xfrm>
+          <a:solidFill>
+            <a:schemeClr val="accent4">
+              <a:lumMod val="40000"/>
+              <a:lumOff val="60000"/>
+            </a:schemeClr>
+          </a:solidFill>
+        </p:grpSpPr>
+        <p:sp>
+          <p:nvSpPr>
+            <p:cNvPr id="79" name="Snip Single Corner Rectangle 78"/>
+            <p:cNvSpPr/>
+            <p:nvPr/>
+          </p:nvSpPr>
+          <p:spPr bwMode="gray">
+            <a:xfrm>
+              <a:off x="696987" y="1984386"/>
+              <a:ext cx="2880320" cy="2165488"/>
+            </a:xfrm>
+            <a:prstGeom prst="snip1Rect">
+              <a:avLst/>
+            </a:prstGeom>
+            <a:solidFill>
+              <a:srgbClr val="FFC000"/>
+            </a:solidFill>
+            <a:ln w="6350" algn="ctr">
+              <a:solidFill>
+                <a:schemeClr val="tx1"/>
+              </a:solidFill>
+              <a:miter lim="800000"/>
+              <a:headEnd/>
+              <a:tailEnd/>
+            </a:ln>
+            <a:effectLst>
+              <a:reflection blurRad="6350" stA="52000" endA="300" endPos="35000" dir="5400000" sy="-100000" algn="bl" rotWithShape="0"/>
+            </a:effectLst>
+          </p:spPr>
+          <p:txBody>
+            <a:bodyPr lIns="90000" tIns="72000" rIns="90000" bIns="72000" rtlCol="0" anchor="ctr"/>
+            <a:lstStyle/>
+            <a:p>
+              <a:pPr marR="0" algn="ctr" defTabSz="914400" eaLnBrk="1" fontAlgn="base" latinLnBrk="0" hangingPunct="1">
+                <a:lnSpc>
+                  <a:spcPct val="100000"/>
+                </a:lnSpc>
+                <a:spcBef>
+                  <a:spcPct val="50000"/>
+                </a:spcBef>
+                <a:spcAft>
+                  <a:spcPct val="0"/>
+                </a:spcAft>
+                <a:buClr>
+                  <a:srgbClr val="F0AB00"/>
+                </a:buClr>
+                <a:buSzPct val="80000"/>
+                <a:tabLst/>
+              </a:pPr>
+              <a:endParaRPr kumimoji="0" lang="de-DE" sz="2000" b="0" i="0" u="none" strike="noStrike" kern="0" cap="none" spc="0" normalizeH="0" baseline="0" noProof="0" dirty="0" err="1" smtClean="0">
+                <a:ln>
+                  <a:noFill/>
+                </a:ln>
+                <a:effectLst/>
+                <a:uLnTx/>
+                <a:uFillTx/>
+                <a:ea typeface="Arial Unicode MS" pitchFamily="34" charset="-128"/>
+                <a:cs typeface="Arial Unicode MS" pitchFamily="34" charset="-128"/>
+              </a:endParaRPr>
+            </a:p>
+          </p:txBody>
+        </p:sp>
+        <p:sp>
+          <p:nvSpPr>
+            <p:cNvPr id="80" name="Right Triangle 79"/>
+            <p:cNvSpPr/>
+            <p:nvPr/>
+          </p:nvSpPr>
+          <p:spPr bwMode="gray">
+            <a:xfrm>
+              <a:off x="3089383" y="1976766"/>
+              <a:ext cx="496390" cy="324000"/>
+            </a:xfrm>
+            <a:prstGeom prst="rtTriangle">
+              <a:avLst/>
+            </a:prstGeom>
+            <a:solidFill>
+              <a:schemeClr val="accent1">
+                <a:lumMod val="40000"/>
+                <a:lumOff val="60000"/>
+              </a:schemeClr>
+            </a:solidFill>
+            <a:ln w="6350" algn="ctr">
+              <a:solidFill>
+                <a:schemeClr val="tx1"/>
+              </a:solidFill>
+              <a:miter lim="800000"/>
+              <a:headEnd/>
+              <a:tailEnd/>
+            </a:ln>
+            <a:effectLst>
+              <a:outerShdw blurRad="50800" dir="8100000" sx="110000" sy="110000" algn="tr" rotWithShape="0">
+                <a:prstClr val="black">
+                  <a:alpha val="40000"/>
+                </a:prstClr>
+              </a:outerShdw>
+            </a:effectLst>
+          </p:spPr>
+          <p:txBody>
+            <a:bodyPr lIns="90000" tIns="72000" rIns="90000" bIns="72000" rtlCol="0" anchor="ctr"/>
+            <a:lstStyle/>
+            <a:p>
+              <a:pPr marR="0" algn="ctr" defTabSz="914400" eaLnBrk="1" fontAlgn="base" latinLnBrk="0" hangingPunct="1">
+                <a:lnSpc>
+                  <a:spcPct val="100000"/>
+                </a:lnSpc>
+                <a:spcBef>
+                  <a:spcPct val="50000"/>
+                </a:spcBef>
+                <a:spcAft>
+                  <a:spcPct val="0"/>
+                </a:spcAft>
+                <a:buClr>
+                  <a:srgbClr val="F0AB00"/>
+                </a:buClr>
+                <a:buSzPct val="80000"/>
+                <a:tabLst/>
+              </a:pPr>
+              <a:endParaRPr kumimoji="0" lang="de-DE" sz="2000" b="0" i="0" u="none" strike="noStrike" kern="0" cap="none" spc="0" normalizeH="0" baseline="0" noProof="0" dirty="0" err="1" smtClean="0">
+                <a:ln>
+                  <a:noFill/>
+                </a:ln>
+                <a:effectLst/>
+                <a:uLnTx/>
+                <a:uFillTx/>
+                <a:ea typeface="Arial Unicode MS" pitchFamily="34" charset="-128"/>
+                <a:cs typeface="Arial Unicode MS" pitchFamily="34" charset="-128"/>
+              </a:endParaRPr>
+            </a:p>
+          </p:txBody>
+        </p:sp>
+        <p:sp>
+          <p:nvSpPr>
+            <p:cNvPr id="81" name="TextBox 80"/>
+            <p:cNvSpPr txBox="1"/>
+            <p:nvPr/>
+          </p:nvSpPr>
+          <p:spPr>
+            <a:xfrm>
+              <a:off x="467154" y="2127375"/>
+              <a:ext cx="1014049" cy="225220"/>
+            </a:xfrm>
+            <a:prstGeom prst="rect">
+              <a:avLst/>
+            </a:prstGeom>
+            <a:solidFill>
+              <a:schemeClr val="accent1">
+                <a:lumMod val="40000"/>
+                <a:lumOff val="60000"/>
+              </a:schemeClr>
+            </a:solidFill>
+            <a:ln>
+              <a:solidFill>
+                <a:schemeClr val="tx1"/>
+              </a:solidFill>
+            </a:ln>
+          </p:spPr>
+          <p:txBody>
+            <a:bodyPr wrap="square" lIns="0" tIns="0" rIns="0" bIns="0" rtlCol="0" anchor="ctr" anchorCtr="0">
+              <a:spAutoFit/>
+            </a:bodyPr>
+            <a:lstStyle/>
+            <a:p>
+              <a:pPr algn="ctr" fontAlgn="base">
+                <a:spcBef>
+                  <a:spcPct val="50000"/>
+                </a:spcBef>
+                <a:spcAft>
+                  <a:spcPct val="0"/>
+                </a:spcAft>
+                <a:buClr>
+                  <a:srgbClr val="F0AB00"/>
+                </a:buClr>
+                <a:buSzPct val="80000"/>
+              </a:pPr>
+              <a:r>
+                <a:rPr lang="de-DE" sz="1100" b="1" kern="0" dirty="0" smtClean="0">
+                  <a:ea typeface="Arial Unicode MS" pitchFamily="34" charset="-128"/>
+                  <a:cs typeface="Arial Unicode MS" pitchFamily="34" charset="-128"/>
+                </a:rPr>
+                <a:t>IPA</a:t>
+              </a:r>
+            </a:p>
+          </p:txBody>
+        </p:sp>
+        <p:sp>
+          <p:nvSpPr>
+            <p:cNvPr id="82" name="Rectangle 81"/>
+            <p:cNvSpPr/>
+            <p:nvPr/>
+          </p:nvSpPr>
+          <p:spPr>
+            <a:xfrm>
+              <a:off x="696988" y="3565101"/>
+              <a:ext cx="2880320" cy="614237"/>
+            </a:xfrm>
+            <a:prstGeom prst="rect">
+              <a:avLst/>
+            </a:prstGeom>
+            <a:noFill/>
+          </p:spPr>
+          <p:txBody>
+            <a:bodyPr wrap="square" lIns="91440" tIns="45720" rIns="91440" bIns="45720">
+              <a:spAutoFit/>
+            </a:bodyPr>
+            <a:lstStyle/>
+            <a:p>
+              <a:pPr algn="ctr"/>
+              <a:r>
+                <a:rPr lang="en-US" sz="2400" b="1" cap="none" spc="0" dirty="0" smtClean="0">
+                  <a:ln w="12700" cmpd="sng">
+                    <a:gradFill>
+                      <a:gsLst>
+                        <a:gs pos="25000">
+                          <a:schemeClr val="accent1">
+                            <a:shade val="25000"/>
+                            <a:satMod val="190000"/>
+                          </a:schemeClr>
+                        </a:gs>
+                        <a:gs pos="80000">
+                          <a:schemeClr val="accent1">
+                            <a:tint val="75000"/>
+                            <a:satMod val="190000"/>
+                          </a:schemeClr>
+                        </a:gs>
+                      </a:gsLst>
+                      <a:lin ang="5400000"/>
+                    </a:gradFill>
+                    <a:prstDash val="solid"/>
+                  </a:ln>
+                  <a:solidFill>
+                    <a:srgbClr val="FFFFFF"/>
+                  </a:solidFill>
+                  <a:effectLst>
+                    <a:outerShdw blurRad="50800" dist="38100" dir="2700000" algn="tl" rotWithShape="0">
+                      <a:prstClr val="black">
+                        <a:alpha val="40000"/>
+                      </a:prstClr>
+                    </a:outerShdw>
+                    <a:reflection blurRad="6350" stA="60000" endA="900" endPos="58000" dist="177800" dir="5400000" sy="-100000" algn="bl" rotWithShape="0"/>
+                  </a:effectLst>
+                </a:rPr>
+                <a:t>010001</a:t>
+              </a:r>
+              <a:endParaRPr lang="en-US" sz="2400" b="1" cap="none" spc="0" dirty="0">
+                <a:ln w="12700" cmpd="sng">
+                  <a:gradFill>
+                    <a:gsLst>
+                      <a:gs pos="25000">
+                        <a:schemeClr val="accent1">
+                          <a:shade val="25000"/>
+                          <a:satMod val="190000"/>
+                        </a:schemeClr>
+                      </a:gs>
+                      <a:gs pos="80000">
+                        <a:schemeClr val="accent1">
+                          <a:tint val="75000"/>
+                          <a:satMod val="190000"/>
+                        </a:schemeClr>
+                      </a:gs>
+                    </a:gsLst>
+                    <a:lin ang="5400000"/>
+                  </a:gradFill>
+                  <a:prstDash val="solid"/>
+                </a:ln>
+                <a:solidFill>
+                  <a:srgbClr val="FFFFFF"/>
+                </a:solidFill>
+                <a:effectLst>
+                  <a:outerShdw blurRad="50800" dist="38100" dir="2700000" algn="tl" rotWithShape="0">
+                    <a:prstClr val="black">
+                      <a:alpha val="40000"/>
+                    </a:prstClr>
+                  </a:outerShdw>
+                  <a:reflection blurRad="6350" stA="60000" endA="900" endPos="58000" dist="177800" dir="5400000" sy="-100000" algn="bl" rotWithShape="0"/>
+                </a:effectLst>
+              </a:endParaRPr>
+            </a:p>
+          </p:txBody>
+        </p:sp>
+      </p:grpSp>
+      <p:grpSp>
+        <p:nvGrpSpPr>
+          <p:cNvPr id="118" name="Group 117"/>
+          <p:cNvGrpSpPr/>
+          <p:nvPr/>
+        </p:nvGrpSpPr>
+        <p:grpSpPr>
+          <a:xfrm>
+            <a:off x="4585419" y="1773610"/>
+            <a:ext cx="984737" cy="4680520"/>
+            <a:chOff x="2785219" y="1485578"/>
+            <a:chExt cx="984737" cy="4680520"/>
+          </a:xfrm>
+        </p:grpSpPr>
+        <p:cxnSp>
+          <p:nvCxnSpPr>
+            <p:cNvPr id="113" name="Straight Connector 112"/>
+            <p:cNvCxnSpPr/>
+            <p:nvPr/>
+          </p:nvCxnSpPr>
+          <p:spPr>
+            <a:xfrm>
+              <a:off x="3217267" y="1485578"/>
+              <a:ext cx="0" cy="4680520"/>
+            </a:xfrm>
+            <a:prstGeom prst="line">
+              <a:avLst/>
+            </a:prstGeom>
+            <a:ln w="44450">
+              <a:solidFill>
+                <a:srgbClr val="FF0000"/>
+              </a:solidFill>
+              <a:prstDash val="lgDash"/>
+            </a:ln>
+            <a:effectLst>
+              <a:glow rad="76200">
+                <a:srgbClr val="FFC000"/>
+              </a:glow>
+            </a:effectLst>
+          </p:spPr>
+          <p:style>
+            <a:lnRef idx="1">
+              <a:schemeClr val="accent1"/>
+            </a:lnRef>
+            <a:fillRef idx="0">
+              <a:schemeClr val="accent1"/>
+            </a:fillRef>
+            <a:effectRef idx="0">
+              <a:schemeClr val="accent1"/>
+            </a:effectRef>
+            <a:fontRef idx="minor">
+              <a:schemeClr val="tx1"/>
+            </a:fontRef>
+          </p:style>
+        </p:cxnSp>
+        <p:pic>
+          <p:nvPicPr>
+            <p:cNvPr id="1027" name="Picture 3" descr="C:\Users\d036706\AppData\Local\Microsoft\Windows\Temporary Internet Files\Low\Content.IE5\RRJAPOLF\MC900431622[1].PNG"/>
+            <p:cNvPicPr>
+              <a:picLocks noChangeAspect="1" noChangeArrowheads="1"/>
+            </p:cNvPicPr>
+            <p:nvPr/>
+          </p:nvPicPr>
+          <p:blipFill>
+            <a:blip r:embed="rId4">
+              <a:extLst>
+                <a:ext uri="{28A0092B-C50C-407E-A947-70E740481C1C}">
+                  <a14:useLocalDpi xmlns:a14="http://schemas.microsoft.com/office/drawing/2010/main" val="0"/>
+                </a:ext>
+              </a:extLst>
+            </a:blip>
+            <a:srcRect/>
+            <a:stretch>
+              <a:fillRect/>
+            </a:stretch>
+          </p:blipFill>
+          <p:spPr bwMode="auto">
+            <a:xfrm>
+              <a:off x="2785219" y="3045148"/>
+              <a:ext cx="984737" cy="984737"/>
+            </a:xfrm>
+            <a:prstGeom prst="rect">
+              <a:avLst/>
+            </a:prstGeom>
+            <a:noFill/>
+            <a:extLst>
+              <a:ext uri="{909E8E84-426E-40DD-AFC4-6F175D3DCCD1}">
+                <a14:hiddenFill xmlns:a14="http://schemas.microsoft.com/office/drawing/2010/main">
+                  <a:solidFill>
+                    <a:srgbClr val="FFFFFF"/>
+                  </a:solidFill>
+                </a14:hiddenFill>
+              </a:ext>
+            </a:extLst>
+          </p:spPr>
+        </p:pic>
+      </p:grpSp>
+      <p:sp>
+        <p:nvSpPr>
+          <p:cNvPr id="123" name="TextBox 122"/>
+          <p:cNvSpPr txBox="1"/>
+          <p:nvPr/>
+        </p:nvSpPr>
+        <p:spPr>
+          <a:xfrm>
+            <a:off x="336948" y="1341562"/>
+            <a:ext cx="2304256" cy="276999"/>
+          </a:xfrm>
+          <a:prstGeom prst="rect">
+            <a:avLst/>
+          </a:prstGeom>
+          <a:noFill/>
+          <a:effectLst>
+            <a:outerShdw blurRad="38100" dist="12700" dir="2700000" algn="tl" rotWithShape="0">
+              <a:prstClr val="black">
+                <a:alpha val="40000"/>
+              </a:prstClr>
+            </a:outerShdw>
+          </a:effectLst>
+        </p:spPr>
+        <p:txBody>
+          <a:bodyPr wrap="square" lIns="0" tIns="0" rIns="0" bIns="0" rtlCol="0">
+            <a:spAutoFit/>
+          </a:bodyPr>
+          <a:lstStyle/>
+          <a:p>
+            <a:pPr algn="ctr" fontAlgn="base">
+              <a:spcBef>
+                <a:spcPct val="50000"/>
+              </a:spcBef>
+              <a:spcAft>
+                <a:spcPct val="0"/>
+              </a:spcAft>
+              <a:buClr>
+                <a:srgbClr val="F0AB00"/>
+              </a:buClr>
+              <a:buSzPct val="80000"/>
+            </a:pPr>
+            <a:r>
+              <a:rPr lang="de-DE" sz="1800" b="1" kern="0" dirty="0" smtClean="0">
+                <a:latin typeface="+mn-lt"/>
+                <a:ea typeface="Arial Unicode MS" pitchFamily="34" charset="-128"/>
+                <a:cs typeface="Arial Unicode MS" pitchFamily="34" charset="-128"/>
+              </a:rPr>
+              <a:t>Internal Web Server</a:t>
+            </a:r>
+          </a:p>
+        </p:txBody>
+      </p:sp>
+      <p:sp>
+        <p:nvSpPr>
+          <p:cNvPr id="126" name="TextBox 125"/>
+          <p:cNvSpPr txBox="1"/>
+          <p:nvPr/>
+        </p:nvSpPr>
+        <p:spPr>
+          <a:xfrm>
+            <a:off x="3933572" y="1341562"/>
+            <a:ext cx="6158584" cy="276999"/>
+          </a:xfrm>
+          <a:prstGeom prst="rect">
+            <a:avLst/>
+          </a:prstGeom>
+          <a:noFill/>
+          <a:effectLst>
+            <a:outerShdw blurRad="38100" dist="12700" dir="2700000" algn="tl" rotWithShape="0">
+              <a:prstClr val="black">
+                <a:alpha val="40000"/>
+              </a:prstClr>
+            </a:outerShdw>
+          </a:effectLst>
+        </p:spPr>
+        <p:txBody>
+          <a:bodyPr wrap="square" lIns="0" tIns="0" rIns="0" bIns="0" rtlCol="0">
+            <a:spAutoFit/>
+          </a:bodyPr>
+          <a:lstStyle/>
+          <a:p>
+            <a:pPr algn="ctr" fontAlgn="base">
+              <a:spcBef>
+                <a:spcPct val="50000"/>
+              </a:spcBef>
+              <a:spcAft>
+                <a:spcPct val="0"/>
+              </a:spcAft>
+              <a:buClr>
+                <a:srgbClr val="F0AB00"/>
+              </a:buClr>
+              <a:buSzPct val="80000"/>
+            </a:pPr>
+            <a:r>
+              <a:rPr lang="de-DE" sz="1800" b="1" kern="0" dirty="0" smtClean="0">
+                <a:latin typeface="+mn-lt"/>
+                <a:ea typeface="Arial Unicode MS" pitchFamily="34" charset="-128"/>
+                <a:cs typeface="Arial Unicode MS" pitchFamily="34" charset="-128"/>
+              </a:rPr>
+              <a:t>Internet</a:t>
+            </a:r>
+          </a:p>
+        </p:txBody>
+      </p:sp>
+      <p:cxnSp>
+        <p:nvCxnSpPr>
+          <p:cNvPr id="55" name="Straight Arrow Connector 54"/>
+          <p:cNvCxnSpPr/>
+          <p:nvPr/>
+        </p:nvCxnSpPr>
+        <p:spPr>
+          <a:xfrm flipH="1">
+            <a:off x="2857228" y="2764592"/>
+            <a:ext cx="576063" cy="0"/>
+          </a:xfrm>
+          <a:prstGeom prst="straightConnector1">
+            <a:avLst/>
+          </a:prstGeom>
+          <a:ln w="38100">
+            <a:solidFill>
+              <a:schemeClr val="tx2">
+                <a:lumMod val="75000"/>
+              </a:schemeClr>
+            </a:solidFill>
+            <a:round/>
+            <a:tailEnd type="arrow"/>
+          </a:ln>
+          <a:effectLst>
+            <a:outerShdw blurRad="50800" dist="38100" dir="2700000" algn="tl" rotWithShape="0">
+              <a:prstClr val="black">
+                <a:alpha val="40000"/>
+              </a:prstClr>
+            </a:outerShdw>
+          </a:effectLst>
+        </p:spPr>
+        <p:style>
+          <a:lnRef idx="1">
+            <a:schemeClr val="accent1"/>
+          </a:lnRef>
+          <a:fillRef idx="0">
+            <a:schemeClr val="accent1"/>
+          </a:fillRef>
+          <a:effectRef idx="0">
+            <a:schemeClr val="accent1"/>
+          </a:effectRef>
+          <a:fontRef idx="minor">
+            <a:schemeClr val="tx1"/>
+          </a:fontRef>
+        </p:style>
+      </p:cxnSp>
+      <p:pic>
+        <p:nvPicPr>
+          <p:cNvPr id="57" name="Picture 2" descr="Apple iPhone 5 16GB Weiss &amp; Silber"/>
+          <p:cNvPicPr>
+            <a:picLocks noChangeAspect="1" noChangeArrowheads="1"/>
+          </p:cNvPicPr>
+          <p:nvPr/>
+        </p:nvPicPr>
+        <p:blipFill>
+          <a:blip r:embed="rId3" cstate="print">
+            <a:extLst>
+              <a:ext uri="{28A0092B-C50C-407E-A947-70E740481C1C}">
+                <a14:useLocalDpi xmlns:a14="http://schemas.microsoft.com/office/drawing/2010/main" val="0"/>
+              </a:ext>
+            </a:extLst>
+          </a:blip>
+          <a:srcRect/>
+          <a:stretch>
+            <a:fillRect/>
+          </a:stretch>
+        </p:blipFill>
+        <p:spPr bwMode="auto">
+          <a:xfrm>
+            <a:off x="5809555" y="4581922"/>
+            <a:ext cx="1512986" cy="1733629"/>
+          </a:xfrm>
+          <a:prstGeom prst="rect">
+            <a:avLst/>
+          </a:prstGeom>
+          <a:noFill/>
+          <a:extLst>
+            <a:ext uri="{909E8E84-426E-40DD-AFC4-6F175D3DCCD1}">
+              <a14:hiddenFill xmlns:a14="http://schemas.microsoft.com/office/drawing/2010/main">
+                <a:solidFill>
+                  <a:srgbClr val="FFFFFF"/>
+                </a:solidFill>
+              </a14:hiddenFill>
+            </a:ext>
+          </a:extLst>
+        </p:spPr>
+      </p:pic>
+      <p:cxnSp>
+        <p:nvCxnSpPr>
+          <p:cNvPr id="58" name="Straight Arrow Connector 57"/>
+          <p:cNvCxnSpPr/>
+          <p:nvPr/>
+        </p:nvCxnSpPr>
+        <p:spPr>
+          <a:xfrm flipH="1">
+            <a:off x="2857227" y="5313455"/>
+            <a:ext cx="3168353" cy="0"/>
+          </a:xfrm>
+          <a:prstGeom prst="straightConnector1">
+            <a:avLst/>
+          </a:prstGeom>
+          <a:ln w="38100">
+            <a:solidFill>
+              <a:schemeClr val="tx2">
+                <a:lumMod val="75000"/>
+              </a:schemeClr>
+            </a:solidFill>
+            <a:round/>
+            <a:tailEnd type="arrow"/>
+          </a:ln>
+          <a:effectLst>
+            <a:outerShdw blurRad="50800" dist="38100" dir="2700000" algn="tl" rotWithShape="0">
+              <a:prstClr val="black">
+                <a:alpha val="40000"/>
+              </a:prstClr>
+            </a:outerShdw>
+          </a:effectLst>
+        </p:spPr>
+        <p:style>
+          <a:lnRef idx="1">
+            <a:schemeClr val="accent1"/>
+          </a:lnRef>
+          <a:fillRef idx="0">
+            <a:schemeClr val="accent1"/>
+          </a:fillRef>
+          <a:effectRef idx="0">
+            <a:schemeClr val="accent1"/>
+          </a:effectRef>
+          <a:fontRef idx="minor">
+            <a:schemeClr val="tx1"/>
+          </a:fontRef>
+        </p:style>
+      </p:cxnSp>
+      <p:sp>
+        <p:nvSpPr>
+          <p:cNvPr id="15" name="Rectangle 14"/>
+          <p:cNvSpPr/>
+          <p:nvPr/>
+        </p:nvSpPr>
+        <p:spPr bwMode="gray">
+          <a:xfrm>
+            <a:off x="4729435" y="5138936"/>
+            <a:ext cx="576064" cy="358930"/>
+          </a:xfrm>
+          <a:prstGeom prst="rect">
+            <a:avLst/>
+          </a:prstGeom>
+          <a:solidFill>
+            <a:srgbClr val="FF0000">
+              <a:alpha val="70000"/>
+            </a:srgbClr>
+          </a:solidFill>
+          <a:ln w="6350" algn="ctr">
+            <a:noFill/>
+            <a:miter lim="800000"/>
+            <a:headEnd/>
+            <a:tailEnd/>
+          </a:ln>
+        </p:spPr>
+        <p:txBody>
+          <a:bodyPr lIns="90000" tIns="72000" rIns="90000" bIns="72000" rtlCol="0" anchor="ctr"/>
+          <a:lstStyle/>
+          <a:p>
+            <a:pPr marR="0" algn="ctr" defTabSz="914400" eaLnBrk="1" fontAlgn="base" latinLnBrk="0" hangingPunct="1">
+              <a:lnSpc>
+                <a:spcPct val="100000"/>
+              </a:lnSpc>
+              <a:spcBef>
+                <a:spcPct val="50000"/>
+              </a:spcBef>
+              <a:spcAft>
+                <a:spcPct val="0"/>
+              </a:spcAft>
+              <a:buClr>
+                <a:srgbClr val="F0AB00"/>
+              </a:buClr>
+              <a:buSzPct val="80000"/>
+              <a:tabLst/>
+            </a:pPr>
+            <a:r>
+              <a:rPr kumimoji="0" lang="de-DE" sz="1200" b="1" i="0" u="none" strike="noStrike" kern="0" cap="none" spc="0" normalizeH="0" baseline="0" noProof="0" dirty="0" smtClean="0">
+                <a:ln>
+                  <a:noFill/>
+                </a:ln>
+                <a:solidFill>
+                  <a:schemeClr val="bg1"/>
+                </a:solidFill>
+                <a:effectLst/>
+                <a:uLnTx/>
+                <a:uFillTx/>
+                <a:ea typeface="Arial Unicode MS" pitchFamily="34" charset="-128"/>
+                <a:cs typeface="Arial Unicode MS" pitchFamily="34" charset="-128"/>
+              </a:rPr>
+              <a:t>VPN</a:t>
+            </a:r>
+            <a:endParaRPr kumimoji="0" lang="de-DE" sz="1200" b="1" i="0" u="none" strike="noStrike" kern="0" cap="none" spc="0" normalizeH="0" baseline="0" noProof="0" dirty="0" smtClean="0">
+              <a:ln>
+                <a:noFill/>
+              </a:ln>
+              <a:solidFill>
+                <a:schemeClr val="bg1"/>
+              </a:solidFill>
+              <a:effectLst/>
+              <a:uLnTx/>
+              <a:uFillTx/>
+              <a:ea typeface="Arial Unicode MS" pitchFamily="34" charset="-128"/>
+              <a:cs typeface="Arial Unicode MS" pitchFamily="34" charset="-128"/>
+            </a:endParaRPr>
+          </a:p>
+        </p:txBody>
+      </p:sp>
+      <p:cxnSp>
+        <p:nvCxnSpPr>
+          <p:cNvPr id="17" name="Straight Connector 16"/>
+          <p:cNvCxnSpPr/>
+          <p:nvPr/>
+        </p:nvCxnSpPr>
+        <p:spPr>
+          <a:xfrm>
+            <a:off x="4729435" y="5138936"/>
+            <a:ext cx="576064" cy="0"/>
+          </a:xfrm>
+          <a:prstGeom prst="line">
+            <a:avLst/>
+          </a:prstGeom>
+          <a:ln w="41275">
+            <a:solidFill>
+              <a:schemeClr val="tx1"/>
+            </a:solidFill>
+            <a:prstDash val="sysDash"/>
+          </a:ln>
+        </p:spPr>
+        <p:style>
+          <a:lnRef idx="1">
+            <a:schemeClr val="accent1"/>
+          </a:lnRef>
+          <a:fillRef idx="0">
+            <a:schemeClr val="accent1"/>
+          </a:fillRef>
+          <a:effectRef idx="0">
+            <a:schemeClr val="accent1"/>
+          </a:effectRef>
+          <a:fontRef idx="minor">
+            <a:schemeClr val="tx1"/>
+          </a:fontRef>
+        </p:style>
+      </p:cxnSp>
+      <p:cxnSp>
+        <p:nvCxnSpPr>
+          <p:cNvPr id="66" name="Straight Connector 65"/>
+          <p:cNvCxnSpPr/>
+          <p:nvPr/>
+        </p:nvCxnSpPr>
+        <p:spPr>
+          <a:xfrm>
+            <a:off x="4729435" y="5497866"/>
+            <a:ext cx="576064" cy="0"/>
+          </a:xfrm>
+          <a:prstGeom prst="line">
+            <a:avLst/>
+          </a:prstGeom>
+          <a:ln w="41275">
+            <a:solidFill>
+              <a:schemeClr val="tx1"/>
+            </a:solidFill>
+            <a:prstDash val="sysDash"/>
+          </a:ln>
+        </p:spPr>
+        <p:style>
+          <a:lnRef idx="1">
+            <a:schemeClr val="accent1"/>
+          </a:lnRef>
+          <a:fillRef idx="0">
+            <a:schemeClr val="accent1"/>
+          </a:fillRef>
+          <a:effectRef idx="0">
+            <a:schemeClr val="accent1"/>
+          </a:effectRef>
+          <a:fontRef idx="minor">
+            <a:schemeClr val="tx1"/>
+          </a:fontRef>
+        </p:style>
+      </p:cxnSp>
+      <p:cxnSp>
+        <p:nvCxnSpPr>
+          <p:cNvPr id="71" name="Straight Arrow Connector 70"/>
+          <p:cNvCxnSpPr/>
+          <p:nvPr/>
+        </p:nvCxnSpPr>
+        <p:spPr>
+          <a:xfrm>
+            <a:off x="4441403" y="2764592"/>
+            <a:ext cx="3528392" cy="568588"/>
+          </a:xfrm>
+          <a:prstGeom prst="straightConnector1">
+            <a:avLst/>
+          </a:prstGeom>
+          <a:ln w="38100">
+            <a:solidFill>
+              <a:schemeClr val="tx2">
+                <a:lumMod val="75000"/>
+              </a:schemeClr>
+            </a:solidFill>
+            <a:round/>
+            <a:tailEnd type="arrow"/>
+          </a:ln>
+          <a:effectLst>
+            <a:outerShdw blurRad="50800" dist="38100" dir="2700000" algn="tl" rotWithShape="0">
+              <a:prstClr val="black">
+                <a:alpha val="40000"/>
+              </a:prstClr>
+            </a:outerShdw>
+          </a:effectLst>
+        </p:spPr>
+        <p:style>
+          <a:lnRef idx="1">
+            <a:schemeClr val="accent1"/>
+          </a:lnRef>
+          <a:fillRef idx="0">
+            <a:schemeClr val="accent1"/>
+          </a:fillRef>
+          <a:effectRef idx="0">
+            <a:schemeClr val="accent1"/>
+          </a:effectRef>
+          <a:fontRef idx="minor">
+            <a:schemeClr val="tx1"/>
+          </a:fontRef>
+        </p:style>
+      </p:cxnSp>
+      <p:cxnSp>
+        <p:nvCxnSpPr>
+          <p:cNvPr id="72" name="Straight Arrow Connector 71"/>
+          <p:cNvCxnSpPr/>
+          <p:nvPr/>
+        </p:nvCxnSpPr>
+        <p:spPr>
+          <a:xfrm flipV="1">
+            <a:off x="7051112" y="4725938"/>
+            <a:ext cx="918683" cy="587517"/>
+          </a:xfrm>
+          <a:prstGeom prst="straightConnector1">
+            <a:avLst/>
+          </a:prstGeom>
+          <a:ln w="38100">
+            <a:solidFill>
+              <a:schemeClr val="tx2">
+                <a:lumMod val="75000"/>
+              </a:schemeClr>
+            </a:solidFill>
+            <a:round/>
+            <a:tailEnd type="arrow"/>
+          </a:ln>
+          <a:effectLst>
+            <a:outerShdw blurRad="50800" dist="38100" dir="2700000" algn="tl" rotWithShape="0">
+              <a:prstClr val="black">
+                <a:alpha val="40000"/>
+              </a:prstClr>
+            </a:outerShdw>
+          </a:effectLst>
+        </p:spPr>
+        <p:style>
+          <a:lnRef idx="1">
+            <a:schemeClr val="accent1"/>
+          </a:lnRef>
+          <a:fillRef idx="0">
+            <a:schemeClr val="accent1"/>
+          </a:fillRef>
+          <a:effectRef idx="0">
+            <a:schemeClr val="accent1"/>
+          </a:effectRef>
+          <a:fontRef idx="minor">
+            <a:schemeClr val="tx1"/>
+          </a:fontRef>
+        </p:style>
+      </p:cxnSp>
+    </p:spTree>
+    <p:extLst>
+      <p:ext uri="{BB962C8B-B14F-4D97-AF65-F5344CB8AC3E}">
+        <p14:creationId xmlns:p14="http://schemas.microsoft.com/office/powerpoint/2010/main" val="1465509490"/>
+      </p:ext>
+    </p:extLst>
+  </p:cSld>
+  <p:clrMapOvr>
+    <a:masterClrMapping/>
+  </p:clrMapOvr>
+  <p:timing>
+    <p:tnLst>
+      <p:par>
+        <p:cTn id="1" dur="indefinite" restart="never" nodeType="tmRoot"/>
+      </p:par>
+    </p:tnLst>
+  </p:timing>
+</p:sld>
+</file>
+
+<file path=ppt/slides/slide12.xml><?xml version="1.0" encoding="utf-8"?>
+<p:sld xmlns:a="http://schemas.openxmlformats.org/drawingml/2006/main" xmlns:r="http://schemas.openxmlformats.org/officeDocument/2006/relationships" xmlns:p="http://schemas.openxmlformats.org/presentationml/2006/main">
+  <p:cSld>
+    <p:spTree>
+      <p:nvGrpSpPr>
+        <p:cNvPr id="1" name=""/>
+        <p:cNvGrpSpPr/>
+        <p:nvPr/>
+      </p:nvGrpSpPr>
+      <p:grpSpPr>
+        <a:xfrm>
+          <a:off x="0" y="0"/>
+          <a:ext cx="0" cy="0"/>
+          <a:chOff x="0" y="0"/>
+          <a:chExt cx="0" cy="0"/>
+        </a:xfrm>
+      </p:grpSpPr>
       <p:sp>
         <p:nvSpPr>
           <p:cNvPr id="5" name="Title 4"/>
@@ -12872,7 +14554,7 @@
 </p:sld>
 </file>
 
-<file path=ppt/slides/slide12.xml><?xml version="1.0" encoding="utf-8"?>
+<file path=ppt/slides/slide13.xml><?xml version="1.0" encoding="utf-8"?>
 <p:sld xmlns:a="http://schemas.openxmlformats.org/drawingml/2006/main" xmlns:r="http://schemas.openxmlformats.org/officeDocument/2006/relationships" xmlns:p="http://schemas.openxmlformats.org/presentationml/2006/main" show="0">
   <p:cSld>
     <p:spTree>
@@ -13725,7 +15407,7 @@
 </p:sld>
 </file>
 
-<file path=ppt/slides/slide13.xml><?xml version="1.0" encoding="utf-8"?>
+<file path=ppt/slides/slide14.xml><?xml version="1.0" encoding="utf-8"?>
 <p:sld xmlns:a="http://schemas.openxmlformats.org/drawingml/2006/main" xmlns:r="http://schemas.openxmlformats.org/officeDocument/2006/relationships" xmlns:p="http://schemas.openxmlformats.org/presentationml/2006/main" show="0">
   <p:cSld>
     <p:spTree>
@@ -13758,7 +15440,7 @@
 </p:sld>
 </file>
 
-<file path=ppt/slides/slide14.xml><?xml version="1.0" encoding="utf-8"?>
+<file path=ppt/slides/slide15.xml><?xml version="1.0" encoding="utf-8"?>
 <p:sld xmlns:a="http://schemas.openxmlformats.org/drawingml/2006/main" xmlns:r="http://schemas.openxmlformats.org/officeDocument/2006/relationships" xmlns:p="http://schemas.openxmlformats.org/presentationml/2006/main" show="0">
   <p:cSld>
     <p:spTree>
@@ -13830,8 +15512,12 @@
           </a:p>
           <a:p>
             <a:r>
-              <a:rPr lang="en-US" smtClean="0"/>
-              <a:t>June 17th, </a:t>
+              <a:rPr lang="en-US" dirty="0" smtClean="0"/>
+              <a:t>June </a:t>
+            </a:r>
+            <a:r>
+              <a:rPr lang="en-US" dirty="0" smtClean="0"/>
+              <a:t>25, </a:t>
             </a:r>
             <a:r>
               <a:rPr lang="en-US" dirty="0" smtClean="0"/>
@@ -13968,15 +15654,7 @@
             <a:pPr lvl="1"/>
             <a:r>
               <a:rPr lang="en-US" dirty="0" smtClean="0"/>
-              <a:t>How </a:t>
-            </a:r>
-            <a:r>
-              <a:rPr lang="en-US" dirty="0" smtClean="0"/>
-              <a:t>over-the-air deployment </a:t>
-            </a:r>
-            <a:r>
-              <a:rPr lang="en-US" dirty="0" smtClean="0"/>
-              <a:t>works</a:t>
+              <a:t>How over-the-air deployment works</a:t>
             </a:r>
           </a:p>
           <a:p>
@@ -13993,7 +15671,6 @@
               <a:rPr lang="en-US" dirty="0" smtClean="0"/>
               <a:t>ervice works</a:t>
             </a:r>
-            <a:endParaRPr lang="en-US" dirty="0" smtClean="0"/>
           </a:p>
         </p:txBody>
       </p:sp>
@@ -15242,7 +16919,11 @@
             </a:r>
             <a:r>
               <a:rPr lang="de-DE" dirty="0" smtClean="0"/>
-              <a:t> Over-The-Air </a:t>
+              <a:t> </a:t>
+            </a:r>
+            <a:r>
+              <a:rPr lang="de-DE" dirty="0" smtClean="0"/>
+              <a:t>Apple Over-The-Air </a:t>
             </a:r>
             <a:r>
               <a:rPr lang="de-DE" dirty="0" err="1" smtClean="0"/>
@@ -16607,9 +18288,12 @@
             </a:r>
             <a:r>
               <a:rPr lang="de-DE" dirty="0" smtClean="0"/>
-              <a:t> OTA Service</a:t>
-            </a:r>
-            <a:endParaRPr lang="de-DE" dirty="0"/>
+              <a:t> OTA </a:t>
+            </a:r>
+            <a:r>
+              <a:rPr lang="de-DE" dirty="0" smtClean="0"/>
+              <a:t>Service           + </a:t>
+            </a:r>
           </a:p>
           <a:p>
             <a:pPr marL="457200" indent="-457200">
@@ -16630,11 +18314,7 @@
             </a:r>
             <a:r>
               <a:rPr lang="de-DE" dirty="0" smtClean="0"/>
-              <a:t> via </a:t>
-            </a:r>
-            <a:r>
-              <a:rPr lang="de-DE" dirty="0"/>
-              <a:t>HTTP</a:t>
+              <a:t> via HTTP</a:t>
             </a:r>
           </a:p>
           <a:p>
@@ -16913,6 +18593,122 @@
           </a:fontRef>
         </p:style>
       </p:cxnSp>
+      <p:pic>
+        <p:nvPicPr>
+          <p:cNvPr id="9" name="Picture 2" descr="Logo"/>
+          <p:cNvPicPr>
+            <a:picLocks noChangeAspect="1" noChangeArrowheads="1"/>
+          </p:cNvPicPr>
+          <p:nvPr/>
+        </p:nvPicPr>
+        <p:blipFill>
+          <a:blip r:embed="rId4" cstate="print">
+            <a:extLst>
+              <a:ext uri="{28A0092B-C50C-407E-A947-70E740481C1C}">
+                <a14:useLocalDpi xmlns:a14="http://schemas.microsoft.com/office/drawing/2010/main" val="0"/>
+              </a:ext>
+            </a:extLst>
+          </a:blip>
+          <a:srcRect/>
+          <a:stretch>
+            <a:fillRect/>
+          </a:stretch>
+        </p:blipFill>
+        <p:spPr bwMode="auto">
+          <a:xfrm>
+            <a:off x="3129010" y="1373757"/>
+            <a:ext cx="357188" cy="428626"/>
+          </a:xfrm>
+          <a:prstGeom prst="rect">
+            <a:avLst/>
+          </a:prstGeom>
+          <a:noFill/>
+          <a:extLst>
+            <a:ext uri="{909E8E84-426E-40DD-AFC4-6F175D3DCCD1}">
+              <a14:hiddenFill xmlns:a14="http://schemas.microsoft.com/office/drawing/2010/main">
+                <a:solidFill>
+                  <a:srgbClr val="FFFFFF"/>
+                </a:solidFill>
+              </a14:hiddenFill>
+            </a:ext>
+          </a:extLst>
+        </p:spPr>
+      </p:pic>
+      <p:pic>
+        <p:nvPicPr>
+          <p:cNvPr id="10" name="Picture 2" descr="Logo"/>
+          <p:cNvPicPr>
+            <a:picLocks noChangeAspect="1" noChangeArrowheads="1"/>
+          </p:cNvPicPr>
+          <p:nvPr/>
+        </p:nvPicPr>
+        <p:blipFill>
+          <a:blip r:embed="rId4" cstate="print">
+            <a:extLst>
+              <a:ext uri="{28A0092B-C50C-407E-A947-70E740481C1C}">
+                <a14:useLocalDpi xmlns:a14="http://schemas.microsoft.com/office/drawing/2010/main" val="0"/>
+              </a:ext>
+            </a:extLst>
+          </a:blip>
+          <a:srcRect/>
+          <a:stretch>
+            <a:fillRect/>
+          </a:stretch>
+        </p:blipFill>
+        <p:spPr bwMode="auto">
+          <a:xfrm>
+            <a:off x="8613623" y="1373757"/>
+            <a:ext cx="357188" cy="428626"/>
+          </a:xfrm>
+          <a:prstGeom prst="rect">
+            <a:avLst/>
+          </a:prstGeom>
+          <a:noFill/>
+          <a:extLst>
+            <a:ext uri="{909E8E84-426E-40DD-AFC4-6F175D3DCCD1}">
+              <a14:hiddenFill xmlns:a14="http://schemas.microsoft.com/office/drawing/2010/main">
+                <a:solidFill>
+                  <a:srgbClr val="FFFFFF"/>
+                </a:solidFill>
+              </a14:hiddenFill>
+            </a:ext>
+          </a:extLst>
+        </p:spPr>
+      </p:pic>
+      <p:pic>
+        <p:nvPicPr>
+          <p:cNvPr id="11" name="Picture 10" descr="SAP_grad_R_pref.png"/>
+          <p:cNvPicPr>
+            <a:picLocks noChangeAspect="1"/>
+          </p:cNvPicPr>
+          <p:nvPr/>
+        </p:nvPicPr>
+        <p:blipFill>
+          <a:blip r:embed="rId5" cstate="print">
+            <a:extLst>
+              <a:ext uri="{28A0092B-C50C-407E-A947-70E740481C1C}">
+                <a14:useLocalDpi xmlns:a14="http://schemas.microsoft.com/office/drawing/2010/main" val="0"/>
+              </a:ext>
+            </a:extLst>
+          </a:blip>
+          <a:stretch>
+            <a:fillRect/>
+          </a:stretch>
+        </p:blipFill>
+        <p:spPr>
+          <a:xfrm>
+            <a:off x="9359155" y="1464370"/>
+            <a:ext cx="697223" cy="346303"/>
+          </a:xfrm>
+          <a:prstGeom prst="rect">
+            <a:avLst/>
+          </a:prstGeom>
+          <a:noFill/>
+          <a:ln>
+            <a:noFill/>
+          </a:ln>
+        </p:spPr>
+      </p:pic>
     </p:spTree>
     <p:extLst>
       <p:ext uri="{BB962C8B-B14F-4D97-AF65-F5344CB8AC3E}">
